--- a/Presentazione/presentazione.pptx
+++ b/Presentazione/presentazione.pptx
@@ -5,10 +5,10 @@
     <p:sldMasterId id="2147483696" r:id="rId4"/>
   </p:sldMasterIdLst>
   <p:notesMasterIdLst>
-    <p:notesMasterId r:id="rId18"/>
+    <p:notesMasterId r:id="rId19"/>
   </p:notesMasterIdLst>
   <p:handoutMasterIdLst>
-    <p:handoutMasterId r:id="rId19"/>
+    <p:handoutMasterId r:id="rId20"/>
   </p:handoutMasterIdLst>
   <p:sldIdLst>
     <p:sldId id="306" r:id="rId5"/>
@@ -24,6 +24,7 @@
     <p:sldId id="326" r:id="rId15"/>
     <p:sldId id="327" r:id="rId16"/>
     <p:sldId id="328" r:id="rId17"/>
+    <p:sldId id="329" r:id="rId18"/>
   </p:sldIdLst>
   <p:sldSz cx="12192000" cy="6858000"/>
   <p:notesSz cx="6858000" cy="9144000"/>
@@ -249,7 +250,7 @@
           <a:p>
             <a:fld id="{73EDD7B2-2DB1-4292-9CED-B6D9BDCC5040}" type="datetime1">
               <a:rPr lang="it-IT" smtClean="0"/>
-              <a:t>26/05/2021</a:t>
+              <a:t>07/06/2021</a:t>
             </a:fld>
             <a:endParaRPr lang="it-IT" dirty="0"/>
           </a:p>
@@ -429,7 +430,7 @@
             <a:fld id="{456F714F-066B-41A5-A6BD-50516EB8C346}" type="datetime1">
               <a:rPr lang="it-IT" smtClean="0"/>
               <a:pPr/>
-              <a:t>26/05/2021</a:t>
+              <a:t>07/06/2021</a:t>
             </a:fld>
             <a:endParaRPr lang="it-IT" dirty="0"/>
           </a:p>
@@ -12173,6 +12174,558 @@
 </p:sld>
 </file>
 
+<file path=ppt/slides/slide14.xml><?xml version="1.0" encoding="utf-8"?>
+<p:sld xmlns:a="http://schemas.openxmlformats.org/drawingml/2006/main" xmlns:r="http://schemas.openxmlformats.org/officeDocument/2006/relationships" xmlns:p="http://schemas.openxmlformats.org/presentationml/2006/main">
+  <p:cSld>
+    <p:spTree>
+      <p:nvGrpSpPr>
+        <p:cNvPr id="1" name=""/>
+        <p:cNvGrpSpPr/>
+        <p:nvPr/>
+      </p:nvGrpSpPr>
+      <p:grpSpPr>
+        <a:xfrm>
+          <a:off x="0" y="0"/>
+          <a:ext cx="0" cy="0"/>
+          <a:chOff x="0" y="0"/>
+          <a:chExt cx="0" cy="0"/>
+        </a:xfrm>
+      </p:grpSpPr>
+      <p:sp>
+        <p:nvSpPr>
+          <p:cNvPr id="2" name="Titolo 1">
+            <a:extLst>
+              <a:ext uri="{FF2B5EF4-FFF2-40B4-BE49-F238E27FC236}">
+                <a16:creationId xmlns:a16="http://schemas.microsoft.com/office/drawing/2014/main" id="{92260F29-11ED-4A37-8C5D-A0D4CCE9177A}"/>
+              </a:ext>
+            </a:extLst>
+          </p:cNvPr>
+          <p:cNvSpPr>
+            <a:spLocks noGrp="1"/>
+          </p:cNvSpPr>
+          <p:nvPr>
+            <p:ph type="title"/>
+          </p:nvPr>
+        </p:nvSpPr>
+        <p:spPr/>
+        <p:txBody>
+          <a:bodyPr/>
+          <a:lstStyle/>
+          <a:p>
+            <a:r>
+              <a:rPr lang="it-IT" dirty="0">
+                <a:solidFill>
+                  <a:schemeClr val="tx1"/>
+                </a:solidFill>
+              </a:rPr>
+              <a:t>Evaluation of </a:t>
+            </a:r>
+            <a:r>
+              <a:rPr lang="it-IT" dirty="0" err="1">
+                <a:solidFill>
+                  <a:schemeClr val="tx1"/>
+                </a:solidFill>
+              </a:rPr>
+              <a:t>rcm</a:t>
+            </a:r>
+            <a:endParaRPr lang="it-IT" dirty="0">
+              <a:solidFill>
+                <a:schemeClr val="tx1"/>
+              </a:solidFill>
+            </a:endParaRPr>
+          </a:p>
+        </p:txBody>
+      </p:sp>
+      <mc:AlternateContent xmlns:mc="http://schemas.openxmlformats.org/markup-compatibility/2006">
+        <mc:Choice xmlns:a14="http://schemas.microsoft.com/office/drawing/2010/main" Requires="a14">
+          <p:sp>
+            <p:nvSpPr>
+              <p:cNvPr id="3" name="Segnaposto contenuto 2">
+                <a:extLst>
+                  <a:ext uri="{FF2B5EF4-FFF2-40B4-BE49-F238E27FC236}">
+                    <a16:creationId xmlns:a16="http://schemas.microsoft.com/office/drawing/2014/main" id="{03F1FE39-20CD-49DD-9C63-BBB9CB6E564F}"/>
+                  </a:ext>
+                </a:extLst>
+              </p:cNvPr>
+              <p:cNvSpPr>
+                <a:spLocks noGrp="1"/>
+              </p:cNvSpPr>
+              <p:nvPr>
+                <p:ph idx="1"/>
+              </p:nvPr>
+            </p:nvSpPr>
+            <p:spPr/>
+            <p:txBody>
+              <a:bodyPr>
+                <a:normAutofit fontScale="92500"/>
+              </a:bodyPr>
+              <a:lstStyle/>
+              <a:p>
+                <a:pPr>
+                  <a:lnSpc>
+                    <a:spcPct val="100000"/>
+                  </a:lnSpc>
+                </a:pPr>
+                <a:r>
+                  <a:rPr lang="en-US" sz="2600" dirty="0">
+                    <a:solidFill>
+                      <a:schemeClr val="tx1"/>
+                    </a:solidFill>
+                  </a:rPr>
+                  <a:t>A general matrix can be transformed into a band matrix by performing permutations of rows and columns.</a:t>
+                </a:r>
+              </a:p>
+              <a:p>
+                <a:pPr>
+                  <a:lnSpc>
+                    <a:spcPct val="100000"/>
+                  </a:lnSpc>
+                </a:pPr>
+                <a:r>
+                  <a:rPr lang="en-US" sz="2600" dirty="0">
+                    <a:solidFill>
+                      <a:schemeClr val="tx1"/>
+                    </a:solidFill>
+                  </a:rPr>
+                  <a:t>The computational complexity of the RCM algorithm is </a:t>
+                </a:r>
+                <a14:m>
+                  <m:oMath xmlns:m="http://schemas.openxmlformats.org/officeDocument/2006/math">
+                    <m:r>
+                      <a:rPr lang="it-IT" sz="2600" b="0" i="1" smtClean="0">
+                        <a:solidFill>
+                          <a:schemeClr val="tx1"/>
+                        </a:solidFill>
+                        <a:latin typeface="Cambria Math" panose="02040503050406030204" pitchFamily="18" charset="0"/>
+                      </a:rPr>
+                      <m:t>𝑂</m:t>
+                    </m:r>
+                    <m:r>
+                      <a:rPr lang="it-IT" sz="2600" b="0" i="1" smtClean="0">
+                        <a:solidFill>
+                          <a:schemeClr val="tx1"/>
+                        </a:solidFill>
+                        <a:latin typeface="Cambria Math" panose="02040503050406030204" pitchFamily="18" charset="0"/>
+                      </a:rPr>
+                      <m:t>(</m:t>
+                    </m:r>
+                    <m:d>
+                      <m:dPr>
+                        <m:begChr m:val="|"/>
+                        <m:endChr m:val="|"/>
+                        <m:ctrlPr>
+                          <a:rPr lang="it-IT" sz="2600" b="0" i="1" smtClean="0">
+                            <a:solidFill>
+                              <a:schemeClr val="tx1"/>
+                            </a:solidFill>
+                            <a:latin typeface="Cambria Math" panose="02040503050406030204" pitchFamily="18" charset="0"/>
+                          </a:rPr>
+                        </m:ctrlPr>
+                      </m:dPr>
+                      <m:e>
+                        <m:r>
+                          <a:rPr lang="it-IT" sz="2600" b="0" i="1" smtClean="0">
+                            <a:solidFill>
+                              <a:schemeClr val="tx1"/>
+                            </a:solidFill>
+                            <a:latin typeface="Cambria Math" panose="02040503050406030204" pitchFamily="18" charset="0"/>
+                          </a:rPr>
+                          <m:t>𝑉</m:t>
+                        </m:r>
+                      </m:e>
+                    </m:d>
+                    <m:r>
+                      <a:rPr lang="it-IT" sz="2600" b="0" i="1" smtClean="0">
+                        <a:solidFill>
+                          <a:schemeClr val="tx1"/>
+                        </a:solidFill>
+                        <a:latin typeface="Cambria Math" panose="02040503050406030204" pitchFamily="18" charset="0"/>
+                      </a:rPr>
+                      <m:t>𝐷</m:t>
+                    </m:r>
+                    <m:r>
+                      <a:rPr lang="it-IT" sz="2600" b="0" i="1" smtClean="0">
+                        <a:solidFill>
+                          <a:schemeClr val="tx1"/>
+                        </a:solidFill>
+                        <a:latin typeface="Cambria Math" panose="02040503050406030204" pitchFamily="18" charset="0"/>
+                      </a:rPr>
+                      <m:t> </m:t>
+                    </m:r>
+                    <m:r>
+                      <a:rPr lang="it-IT" sz="2600" b="0" i="1" smtClean="0">
+                        <a:solidFill>
+                          <a:schemeClr val="tx1"/>
+                        </a:solidFill>
+                        <a:latin typeface="Cambria Math" panose="02040503050406030204" pitchFamily="18" charset="0"/>
+                      </a:rPr>
+                      <m:t>𝑙𝑜𝑔𝐷</m:t>
+                    </m:r>
+                    <m:r>
+                      <a:rPr lang="it-IT" sz="2600" b="0" i="1" smtClean="0">
+                        <a:solidFill>
+                          <a:schemeClr val="tx1"/>
+                        </a:solidFill>
+                        <a:latin typeface="Cambria Math" panose="02040503050406030204" pitchFamily="18" charset="0"/>
+                      </a:rPr>
+                      <m:t>)</m:t>
+                    </m:r>
+                  </m:oMath>
+                </a14:m>
+                <a:r>
+                  <a:rPr lang="en-US" sz="2600" dirty="0">
+                    <a:solidFill>
+                      <a:schemeClr val="tx1"/>
+                    </a:solidFill>
+                  </a:rPr>
+                  <a:t>, where D is the maximum degree of any vertex in the adjacency list.</a:t>
+                </a:r>
+                <a:endParaRPr lang="it-IT" sz="2600" dirty="0">
+                  <a:solidFill>
+                    <a:schemeClr val="tx1"/>
+                  </a:solidFill>
+                </a:endParaRPr>
+              </a:p>
+              <a:p>
+                <a:pPr marL="0" indent="0">
+                  <a:lnSpc>
+                    <a:spcPct val="100000"/>
+                  </a:lnSpc>
+                  <a:buNone/>
+                </a:pPr>
+                <a:endParaRPr lang="it-IT" sz="2600" dirty="0">
+                  <a:solidFill>
+                    <a:schemeClr val="tx1"/>
+                  </a:solidFill>
+                </a:endParaRPr>
+              </a:p>
+              <a:p>
+                <a:pPr>
+                  <a:lnSpc>
+                    <a:spcPct val="100000"/>
+                  </a:lnSpc>
+                </a:pPr>
+                <a:r>
+                  <a:rPr lang="it-IT" sz="2600" dirty="0">
+                    <a:solidFill>
+                      <a:schemeClr val="tx1"/>
+                    </a:solidFill>
+                  </a:rPr>
+                  <a:t>To </a:t>
+                </a:r>
+                <a:r>
+                  <a:rPr lang="it-IT" sz="2600" dirty="0" err="1">
+                    <a:solidFill>
+                      <a:schemeClr val="tx1"/>
+                    </a:solidFill>
+                  </a:rPr>
+                  <a:t>evaluate</a:t>
+                </a:r>
+                <a:r>
+                  <a:rPr lang="it-IT" sz="2600" dirty="0">
+                    <a:solidFill>
+                      <a:schemeClr val="tx1"/>
+                    </a:solidFill>
+                  </a:rPr>
+                  <a:t> the Reverse </a:t>
+                </a:r>
+                <a:r>
+                  <a:rPr lang="it-IT" sz="2600" dirty="0" err="1">
+                    <a:solidFill>
+                      <a:schemeClr val="tx1"/>
+                    </a:solidFill>
+                  </a:rPr>
+                  <a:t>Cuthill-McKee</a:t>
+                </a:r>
+                <a:r>
+                  <a:rPr lang="it-IT" sz="2600" dirty="0">
+                    <a:solidFill>
+                      <a:schemeClr val="tx1"/>
+                    </a:solidFill>
+                  </a:rPr>
+                  <a:t> </a:t>
+                </a:r>
+                <a:r>
+                  <a:rPr lang="it-IT" sz="2600" dirty="0" err="1">
+                    <a:solidFill>
+                      <a:schemeClr val="tx1"/>
+                    </a:solidFill>
+                  </a:rPr>
+                  <a:t>algorithm</a:t>
+                </a:r>
+                <a:r>
+                  <a:rPr lang="it-IT" sz="2600" dirty="0">
+                    <a:solidFill>
+                      <a:schemeClr val="tx1"/>
+                    </a:solidFill>
+                  </a:rPr>
+                  <a:t> that </a:t>
+                </a:r>
+                <a:r>
+                  <a:rPr lang="it-IT" sz="2600" dirty="0" err="1">
+                    <a:solidFill>
+                      <a:schemeClr val="tx1"/>
+                    </a:solidFill>
+                  </a:rPr>
+                  <a:t>we</a:t>
+                </a:r>
+                <a:r>
+                  <a:rPr lang="it-IT" sz="2600" dirty="0">
+                    <a:solidFill>
+                      <a:schemeClr val="tx1"/>
+                    </a:solidFill>
+                  </a:rPr>
+                  <a:t> have </a:t>
+                </a:r>
+                <a:r>
+                  <a:rPr lang="it-IT" sz="2600" dirty="0" err="1">
+                    <a:solidFill>
+                      <a:schemeClr val="tx1"/>
+                    </a:solidFill>
+                  </a:rPr>
+                  <a:t>implemented</a:t>
+                </a:r>
+                <a:r>
+                  <a:rPr lang="it-IT" sz="2600" dirty="0">
+                    <a:solidFill>
+                      <a:schemeClr val="tx1"/>
+                    </a:solidFill>
+                  </a:rPr>
+                  <a:t> to </a:t>
+                </a:r>
+                <a:r>
+                  <a:rPr lang="it-IT" sz="2600" dirty="0" err="1">
+                    <a:solidFill>
+                      <a:schemeClr val="tx1"/>
+                    </a:solidFill>
+                  </a:rPr>
+                  <a:t>simplify</a:t>
+                </a:r>
+                <a:r>
+                  <a:rPr lang="it-IT" sz="2600" dirty="0">
+                    <a:solidFill>
+                      <a:schemeClr val="tx1"/>
+                    </a:solidFill>
+                  </a:rPr>
+                  <a:t> the </a:t>
+                </a:r>
+                <a:r>
+                  <a:rPr lang="it-IT" sz="2600" dirty="0" err="1">
+                    <a:solidFill>
+                      <a:schemeClr val="tx1"/>
+                    </a:solidFill>
+                  </a:rPr>
+                  <a:t>grouping</a:t>
+                </a:r>
+                <a:r>
+                  <a:rPr lang="it-IT" sz="2600" dirty="0">
+                    <a:solidFill>
+                      <a:schemeClr val="tx1"/>
+                    </a:solidFill>
+                  </a:rPr>
+                  <a:t> </a:t>
+                </a:r>
+                <a:r>
+                  <a:rPr lang="it-IT" sz="2600" dirty="0" err="1">
+                    <a:solidFill>
+                      <a:schemeClr val="tx1"/>
+                    </a:solidFill>
+                  </a:rPr>
+                  <a:t>operations</a:t>
+                </a:r>
+                <a:r>
+                  <a:rPr lang="it-IT" sz="2600" dirty="0">
+                    <a:solidFill>
+                      <a:schemeClr val="tx1"/>
+                    </a:solidFill>
+                  </a:rPr>
+                  <a:t> </a:t>
+                </a:r>
+                <a:r>
+                  <a:rPr lang="it-IT" sz="2600" dirty="0" err="1">
+                    <a:solidFill>
+                      <a:schemeClr val="tx1"/>
+                    </a:solidFill>
+                  </a:rPr>
+                  <a:t>we</a:t>
+                </a:r>
+                <a:r>
+                  <a:rPr lang="it-IT" sz="2600" dirty="0">
+                    <a:solidFill>
+                      <a:schemeClr val="tx1"/>
+                    </a:solidFill>
+                  </a:rPr>
+                  <a:t> have </a:t>
+                </a:r>
+                <a:r>
+                  <a:rPr lang="it-IT" sz="2600" dirty="0" err="1">
+                    <a:solidFill>
+                      <a:schemeClr val="tx1"/>
+                    </a:solidFill>
+                  </a:rPr>
+                  <a:t>plotted</a:t>
+                </a:r>
+                <a:r>
+                  <a:rPr lang="it-IT" sz="2600" dirty="0">
+                    <a:solidFill>
+                      <a:schemeClr val="tx1"/>
+                    </a:solidFill>
+                  </a:rPr>
+                  <a:t> the </a:t>
+                </a:r>
+                <a:r>
+                  <a:rPr lang="it-IT" sz="2600" dirty="0" err="1">
+                    <a:solidFill>
+                      <a:schemeClr val="tx1"/>
+                    </a:solidFill>
+                  </a:rPr>
+                  <a:t>differences</a:t>
+                </a:r>
+                <a:r>
+                  <a:rPr lang="it-IT" sz="2600" dirty="0">
+                    <a:solidFill>
+                      <a:schemeClr val="tx1"/>
+                    </a:solidFill>
+                  </a:rPr>
+                  <a:t> in </a:t>
+                </a:r>
+                <a:r>
+                  <a:rPr lang="it-IT" sz="2600" dirty="0" err="1">
+                    <a:solidFill>
+                      <a:schemeClr val="tx1"/>
+                    </a:solidFill>
+                  </a:rPr>
+                  <a:t>terms</a:t>
+                </a:r>
+                <a:r>
+                  <a:rPr lang="it-IT" sz="2600" dirty="0">
+                    <a:solidFill>
+                      <a:schemeClr val="tx1"/>
+                    </a:solidFill>
+                  </a:rPr>
+                  <a:t> of </a:t>
+                </a:r>
+                <a:r>
+                  <a:rPr lang="it-IT" sz="2600" dirty="0" err="1">
+                    <a:solidFill>
+                      <a:schemeClr val="tx1"/>
+                    </a:solidFill>
+                  </a:rPr>
+                  <a:t>execution</a:t>
+                </a:r>
+                <a:r>
+                  <a:rPr lang="it-IT" sz="2600" dirty="0">
+                    <a:solidFill>
+                      <a:schemeClr val="tx1"/>
+                    </a:solidFill>
+                  </a:rPr>
+                  <a:t> time and </a:t>
+                </a:r>
+                <a:r>
+                  <a:rPr lang="it-IT" sz="2600" dirty="0" err="1">
+                    <a:solidFill>
+                      <a:schemeClr val="tx1"/>
+                    </a:solidFill>
+                  </a:rPr>
+                  <a:t>reconstruction</a:t>
+                </a:r>
+                <a:r>
+                  <a:rPr lang="it-IT" sz="2600" dirty="0">
+                    <a:solidFill>
+                      <a:schemeClr val="tx1"/>
+                    </a:solidFill>
+                  </a:rPr>
+                  <a:t> </a:t>
+                </a:r>
+                <a:r>
+                  <a:rPr lang="it-IT" sz="2600" dirty="0" err="1">
+                    <a:solidFill>
+                      <a:schemeClr val="tx1"/>
+                    </a:solidFill>
+                  </a:rPr>
+                  <a:t>error</a:t>
+                </a:r>
+                <a:r>
+                  <a:rPr lang="it-IT" sz="2600" dirty="0">
+                    <a:solidFill>
+                      <a:schemeClr val="tx1"/>
+                    </a:solidFill>
+                  </a:rPr>
+                  <a:t>.</a:t>
+                </a:r>
+              </a:p>
+              <a:p>
+                <a:pPr marL="0" indent="0">
+                  <a:lnSpc>
+                    <a:spcPct val="100000"/>
+                  </a:lnSpc>
+                  <a:buNone/>
+                </a:pPr>
+                <a:r>
+                  <a:rPr lang="it-IT" sz="2600" dirty="0">
+                    <a:solidFill>
+                      <a:schemeClr val="tx1"/>
+                    </a:solidFill>
+                  </a:rPr>
+                  <a:t> </a:t>
+                </a:r>
+              </a:p>
+            </p:txBody>
+          </p:sp>
+        </mc:Choice>
+        <mc:Fallback>
+          <p:sp>
+            <p:nvSpPr>
+              <p:cNvPr id="3" name="Segnaposto contenuto 2">
+                <a:extLst>
+                  <a:ext uri="{FF2B5EF4-FFF2-40B4-BE49-F238E27FC236}">
+                    <a16:creationId xmlns:a16="http://schemas.microsoft.com/office/drawing/2014/main" id="{03F1FE39-20CD-49DD-9C63-BBB9CB6E564F}"/>
+                  </a:ext>
+                </a:extLst>
+              </p:cNvPr>
+              <p:cNvSpPr>
+                <a:spLocks noGrp="1" noRot="1" noChangeAspect="1" noMove="1" noResize="1" noEditPoints="1" noAdjustHandles="1" noChangeArrowheads="1" noChangeShapeType="1" noTextEdit="1"/>
+              </p:cNvSpPr>
+              <p:nvPr>
+                <p:ph idx="1"/>
+              </p:nvPr>
+            </p:nvSpPr>
+            <p:spPr>
+              <a:blipFill>
+                <a:blip r:embed="rId2"/>
+                <a:stretch>
+                  <a:fillRect l="-792" t="-980"/>
+                </a:stretch>
+              </a:blipFill>
+            </p:spPr>
+            <p:txBody>
+              <a:bodyPr/>
+              <a:lstStyle/>
+              <a:p>
+                <a:r>
+                  <a:rPr lang="it-IT">
+                    <a:noFill/>
+                  </a:rPr>
+                  <a:t> </a:t>
+                </a:r>
+              </a:p>
+            </p:txBody>
+          </p:sp>
+        </mc:Fallback>
+      </mc:AlternateContent>
+    </p:spTree>
+    <p:extLst>
+      <p:ext uri="{BB962C8B-B14F-4D97-AF65-F5344CB8AC3E}">
+        <p14:creationId xmlns:p14="http://schemas.microsoft.com/office/powerpoint/2010/main" val="4266073266"/>
+      </p:ext>
+    </p:extLst>
+  </p:cSld>
+  <p:clrMapOvr>
+    <a:masterClrMapping/>
+  </p:clrMapOvr>
+</p:sld>
+</file>
+
 <file path=ppt/slides/slide2.xml><?xml version="1.0" encoding="utf-8"?>
 <p:sld xmlns:a="http://schemas.openxmlformats.org/drawingml/2006/main" xmlns:r="http://schemas.openxmlformats.org/officeDocument/2006/relationships" xmlns:p="http://schemas.openxmlformats.org/presentationml/2006/main">
   <p:cSld>
@@ -12367,8 +12920,8 @@
           </a:p>
         </p:txBody>
       </p:sp>
-      <mc:AlternateContent xmlns:mc="http://schemas.openxmlformats.org/markup-compatibility/2006">
-        <mc:Choice xmlns:a14="http://schemas.microsoft.com/office/drawing/2010/main" Requires="a14">
+      <mc:AlternateContent xmlns:mc="http://schemas.openxmlformats.org/markup-compatibility/2006" xmlns:a14="http://schemas.microsoft.com/office/drawing/2010/main">
+        <mc:Choice Requires="a14">
           <p:sp>
             <p:nvSpPr>
               <p:cNvPr id="3" name="Segnaposto contenuto 2">
@@ -13058,7 +13611,7 @@
             </p:txBody>
           </p:sp>
         </mc:Choice>
-        <mc:Fallback>
+        <mc:Fallback xmlns="">
           <p:sp>
             <p:nvSpPr>
               <p:cNvPr id="3" name="Segnaposto contenuto 2">
@@ -13564,8 +14117,8 @@
           </a:p>
         </p:txBody>
       </p:sp>
-      <mc:AlternateContent xmlns:mc="http://schemas.openxmlformats.org/markup-compatibility/2006">
-        <mc:Choice xmlns:a14="http://schemas.microsoft.com/office/drawing/2010/main" Requires="a14">
+      <mc:AlternateContent xmlns:mc="http://schemas.openxmlformats.org/markup-compatibility/2006" xmlns:a14="http://schemas.microsoft.com/office/drawing/2010/main">
+        <mc:Choice Requires="a14">
           <p:sp>
             <p:nvSpPr>
               <p:cNvPr id="3" name="Segnaposto contenuto 2">
@@ -14439,7 +14992,7 @@
             </p:txBody>
           </p:sp>
         </mc:Choice>
-        <mc:Fallback>
+        <mc:Fallback xmlns="">
           <p:sp>
             <p:nvSpPr>
               <p:cNvPr id="3" name="Segnaposto contenuto 2">
@@ -14554,8 +15107,8 @@
           </a:p>
         </p:txBody>
       </p:sp>
-      <mc:AlternateContent xmlns:mc="http://schemas.openxmlformats.org/markup-compatibility/2006">
-        <mc:Choice xmlns:a14="http://schemas.microsoft.com/office/drawing/2010/main" Requires="a14">
+      <mc:AlternateContent xmlns:mc="http://schemas.openxmlformats.org/markup-compatibility/2006" xmlns:a14="http://schemas.microsoft.com/office/drawing/2010/main">
+        <mc:Choice Requires="a14">
           <p:sp>
             <p:nvSpPr>
               <p:cNvPr id="3" name="Segnaposto contenuto 2">
@@ -14943,7 +15496,7 @@
                         </a:solidFill>
                         <a:latin typeface="Cambria Math" panose="02040503050406030204" pitchFamily="18" charset="0"/>
                       </a:rPr>
-                      <m:t>𝐾𝑙</m:t>
+                      <m:t>𝐾𝐿</m:t>
                     </m:r>
                     <m:r>
                       <a:rPr lang="it-IT" b="0" i="1" smtClean="0">
@@ -15302,7 +15855,7 @@
             </p:txBody>
           </p:sp>
         </mc:Choice>
-        <mc:Fallback>
+        <mc:Fallback xmlns="">
           <p:sp>
             <p:nvSpPr>
               <p:cNvPr id="3" name="Segnaposto contenuto 2">

--- a/Presentazione/presentazione.pptx
+++ b/Presentazione/presentazione.pptx
@@ -5,10 +5,10 @@
     <p:sldMasterId id="2147483696" r:id="rId4"/>
   </p:sldMasterIdLst>
   <p:notesMasterIdLst>
-    <p:notesMasterId r:id="rId19"/>
+    <p:notesMasterId r:id="rId24"/>
   </p:notesMasterIdLst>
   <p:handoutMasterIdLst>
-    <p:handoutMasterId r:id="rId20"/>
+    <p:handoutMasterId r:id="rId25"/>
   </p:handoutMasterIdLst>
   <p:sldIdLst>
     <p:sldId id="306" r:id="rId5"/>
@@ -25,6 +25,11 @@
     <p:sldId id="327" r:id="rId16"/>
     <p:sldId id="328" r:id="rId17"/>
     <p:sldId id="329" r:id="rId18"/>
+    <p:sldId id="330" r:id="rId19"/>
+    <p:sldId id="331" r:id="rId20"/>
+    <p:sldId id="333" r:id="rId21"/>
+    <p:sldId id="334" r:id="rId22"/>
+    <p:sldId id="332" r:id="rId23"/>
   </p:sldIdLst>
   <p:sldSz cx="12192000" cy="6858000"/>
   <p:notesSz cx="6858000" cy="9144000"/>
@@ -250,7 +255,7 @@
           <a:p>
             <a:fld id="{73EDD7B2-2DB1-4292-9CED-B6D9BDCC5040}" type="datetime1">
               <a:rPr lang="it-IT" smtClean="0"/>
-              <a:t>07/06/2021</a:t>
+              <a:t>09/06/2021</a:t>
             </a:fld>
             <a:endParaRPr lang="it-IT" dirty="0"/>
           </a:p>
@@ -430,7 +435,7 @@
             <a:fld id="{456F714F-066B-41A5-A6BD-50516EB8C346}" type="datetime1">
               <a:rPr lang="it-IT" smtClean="0"/>
               <a:pPr/>
-              <a:t>07/06/2021</a:t>
+              <a:t>09/06/2021</a:t>
             </a:fld>
             <a:endParaRPr lang="it-IT" dirty="0"/>
           </a:p>
@@ -11729,8 +11734,8 @@
         </p:blipFill>
         <p:spPr>
           <a:xfrm>
-            <a:off x="370754" y="1864927"/>
-            <a:ext cx="5528735" cy="4146551"/>
+            <a:off x="356400" y="1875600"/>
+            <a:ext cx="5486400" cy="4114800"/>
           </a:xfrm>
         </p:spPr>
       </p:pic>
@@ -11756,8 +11761,8 @@
         </p:blipFill>
         <p:spPr>
           <a:xfrm>
-            <a:off x="6292511" y="1864926"/>
-            <a:ext cx="5528735" cy="4146551"/>
+            <a:off x="6310800" y="1875600"/>
+            <a:ext cx="5486400" cy="4114800"/>
           </a:xfrm>
           <a:prstGeom prst="rect">
             <a:avLst/>
@@ -11853,6 +11858,18 @@
             <a:normAutofit/>
           </a:bodyPr>
           <a:lstStyle/>
+          <a:p>
+            <a:pPr>
+              <a:lnSpc>
+                <a:spcPct val="100000"/>
+              </a:lnSpc>
+            </a:pPr>
+            <a:endParaRPr lang="en-US" sz="2600" dirty="0">
+              <a:solidFill>
+                <a:schemeClr val="tx1"/>
+              </a:solidFill>
+            </a:endParaRPr>
+          </a:p>
           <a:p>
             <a:pPr>
               <a:lnSpc>
@@ -11998,8 +12015,8 @@
         </p:blipFill>
         <p:spPr>
           <a:xfrm>
-            <a:off x="372972" y="1690688"/>
-            <a:ext cx="5564532" cy="4351338"/>
+            <a:off x="356400" y="1875600"/>
+            <a:ext cx="5486400" cy="4114800"/>
           </a:xfrm>
         </p:spPr>
       </p:pic>
@@ -12025,8 +12042,8 @@
         </p:blipFill>
         <p:spPr>
           <a:xfrm>
-            <a:off x="6408828" y="1690688"/>
-            <a:ext cx="5410200" cy="4351338"/>
+            <a:off x="6310800" y="1875600"/>
+            <a:ext cx="5486400" cy="4114800"/>
           </a:xfrm>
           <a:prstGeom prst="rect">
             <a:avLst/>
@@ -12126,8 +12143,8 @@
         </p:blipFill>
         <p:spPr>
           <a:xfrm>
-            <a:off x="476251" y="1863724"/>
-            <a:ext cx="5306484" cy="3979863"/>
+            <a:off x="356400" y="1875600"/>
+            <a:ext cx="5486400" cy="4114800"/>
           </a:xfrm>
         </p:spPr>
       </p:pic>
@@ -12153,8 +12170,8 @@
         </p:blipFill>
         <p:spPr>
           <a:xfrm>
-            <a:off x="6409266" y="1863725"/>
-            <a:ext cx="5306484" cy="3979863"/>
+            <a:off x="6310800" y="1875599"/>
+            <a:ext cx="5486400" cy="4114800"/>
           </a:xfrm>
           <a:prstGeom prst="rect">
             <a:avLst/>
@@ -12236,487 +12253,1942 @@
           </a:p>
         </p:txBody>
       </p:sp>
-      <mc:AlternateContent xmlns:mc="http://schemas.openxmlformats.org/markup-compatibility/2006">
-        <mc:Choice xmlns:a14="http://schemas.microsoft.com/office/drawing/2010/main" Requires="a14">
-          <p:sp>
-            <p:nvSpPr>
-              <p:cNvPr id="3" name="Segnaposto contenuto 2">
-                <a:extLst>
-                  <a:ext uri="{FF2B5EF4-FFF2-40B4-BE49-F238E27FC236}">
-                    <a16:creationId xmlns:a16="http://schemas.microsoft.com/office/drawing/2014/main" id="{03F1FE39-20CD-49DD-9C63-BBB9CB6E564F}"/>
-                  </a:ext>
-                </a:extLst>
-              </p:cNvPr>
-              <p:cNvSpPr>
-                <a:spLocks noGrp="1"/>
-              </p:cNvSpPr>
-              <p:nvPr>
-                <p:ph idx="1"/>
-              </p:nvPr>
-            </p:nvSpPr>
-            <p:spPr/>
-            <p:txBody>
-              <a:bodyPr>
-                <a:normAutofit fontScale="92500"/>
-              </a:bodyPr>
-              <a:lstStyle/>
-              <a:p>
-                <a:pPr>
-                  <a:lnSpc>
-                    <a:spcPct val="100000"/>
-                  </a:lnSpc>
-                </a:pPr>
-                <a:r>
-                  <a:rPr lang="en-US" sz="2600" dirty="0">
-                    <a:solidFill>
-                      <a:schemeClr val="tx1"/>
-                    </a:solidFill>
-                  </a:rPr>
-                  <a:t>A general matrix can be transformed into a band matrix by performing permutations of rows and columns.</a:t>
-                </a:r>
-              </a:p>
-              <a:p>
-                <a:pPr>
-                  <a:lnSpc>
-                    <a:spcPct val="100000"/>
-                  </a:lnSpc>
-                </a:pPr>
-                <a:r>
-                  <a:rPr lang="en-US" sz="2600" dirty="0">
-                    <a:solidFill>
-                      <a:schemeClr val="tx1"/>
-                    </a:solidFill>
-                  </a:rPr>
-                  <a:t>The computational complexity of the RCM algorithm is </a:t>
-                </a:r>
-                <a14:m>
-                  <m:oMath xmlns:m="http://schemas.openxmlformats.org/officeDocument/2006/math">
-                    <m:r>
-                      <a:rPr lang="it-IT" sz="2600" b="0" i="1" smtClean="0">
-                        <a:solidFill>
-                          <a:schemeClr val="tx1"/>
-                        </a:solidFill>
-                        <a:latin typeface="Cambria Math" panose="02040503050406030204" pitchFamily="18" charset="0"/>
-                      </a:rPr>
-                      <m:t>𝑂</m:t>
-                    </m:r>
-                    <m:r>
-                      <a:rPr lang="it-IT" sz="2600" b="0" i="1" smtClean="0">
-                        <a:solidFill>
-                          <a:schemeClr val="tx1"/>
-                        </a:solidFill>
-                        <a:latin typeface="Cambria Math" panose="02040503050406030204" pitchFamily="18" charset="0"/>
-                      </a:rPr>
-                      <m:t>(</m:t>
-                    </m:r>
-                    <m:d>
-                      <m:dPr>
-                        <m:begChr m:val="|"/>
-                        <m:endChr m:val="|"/>
-                        <m:ctrlPr>
-                          <a:rPr lang="it-IT" sz="2600" b="0" i="1" smtClean="0">
-                            <a:solidFill>
-                              <a:schemeClr val="tx1"/>
-                            </a:solidFill>
-                            <a:latin typeface="Cambria Math" panose="02040503050406030204" pitchFamily="18" charset="0"/>
-                          </a:rPr>
-                        </m:ctrlPr>
-                      </m:dPr>
-                      <m:e>
-                        <m:r>
-                          <a:rPr lang="it-IT" sz="2600" b="0" i="1" smtClean="0">
-                            <a:solidFill>
-                              <a:schemeClr val="tx1"/>
-                            </a:solidFill>
-                            <a:latin typeface="Cambria Math" panose="02040503050406030204" pitchFamily="18" charset="0"/>
-                          </a:rPr>
-                          <m:t>𝑉</m:t>
-                        </m:r>
-                      </m:e>
-                    </m:d>
-                    <m:r>
-                      <a:rPr lang="it-IT" sz="2600" b="0" i="1" smtClean="0">
-                        <a:solidFill>
-                          <a:schemeClr val="tx1"/>
-                        </a:solidFill>
-                        <a:latin typeface="Cambria Math" panose="02040503050406030204" pitchFamily="18" charset="0"/>
-                      </a:rPr>
-                      <m:t>𝐷</m:t>
-                    </m:r>
-                    <m:r>
-                      <a:rPr lang="it-IT" sz="2600" b="0" i="1" smtClean="0">
-                        <a:solidFill>
-                          <a:schemeClr val="tx1"/>
-                        </a:solidFill>
-                        <a:latin typeface="Cambria Math" panose="02040503050406030204" pitchFamily="18" charset="0"/>
-                      </a:rPr>
-                      <m:t> </m:t>
-                    </m:r>
-                    <m:r>
-                      <a:rPr lang="it-IT" sz="2600" b="0" i="1" smtClean="0">
-                        <a:solidFill>
-                          <a:schemeClr val="tx1"/>
-                        </a:solidFill>
-                        <a:latin typeface="Cambria Math" panose="02040503050406030204" pitchFamily="18" charset="0"/>
-                      </a:rPr>
-                      <m:t>𝑙𝑜𝑔𝐷</m:t>
-                    </m:r>
-                    <m:r>
-                      <a:rPr lang="it-IT" sz="2600" b="0" i="1" smtClean="0">
-                        <a:solidFill>
-                          <a:schemeClr val="tx1"/>
-                        </a:solidFill>
-                        <a:latin typeface="Cambria Math" panose="02040503050406030204" pitchFamily="18" charset="0"/>
-                      </a:rPr>
-                      <m:t>)</m:t>
-                    </m:r>
-                  </m:oMath>
-                </a14:m>
-                <a:r>
-                  <a:rPr lang="en-US" sz="2600" dirty="0">
-                    <a:solidFill>
-                      <a:schemeClr val="tx1"/>
-                    </a:solidFill>
-                  </a:rPr>
-                  <a:t>, where D is the maximum degree of any vertex in the adjacency list.</a:t>
-                </a:r>
-                <a:endParaRPr lang="it-IT" sz="2600" dirty="0">
-                  <a:solidFill>
-                    <a:schemeClr val="tx1"/>
-                  </a:solidFill>
-                </a:endParaRPr>
-              </a:p>
-              <a:p>
-                <a:pPr marL="0" indent="0">
-                  <a:lnSpc>
-                    <a:spcPct val="100000"/>
-                  </a:lnSpc>
-                  <a:buNone/>
-                </a:pPr>
-                <a:endParaRPr lang="it-IT" sz="2600" dirty="0">
-                  <a:solidFill>
-                    <a:schemeClr val="tx1"/>
-                  </a:solidFill>
-                </a:endParaRPr>
-              </a:p>
-              <a:p>
-                <a:pPr>
-                  <a:lnSpc>
-                    <a:spcPct val="100000"/>
-                  </a:lnSpc>
-                </a:pPr>
-                <a:r>
-                  <a:rPr lang="it-IT" sz="2600" dirty="0">
-                    <a:solidFill>
-                      <a:schemeClr val="tx1"/>
-                    </a:solidFill>
-                  </a:rPr>
-                  <a:t>To </a:t>
-                </a:r>
-                <a:r>
-                  <a:rPr lang="it-IT" sz="2600" dirty="0" err="1">
-                    <a:solidFill>
-                      <a:schemeClr val="tx1"/>
-                    </a:solidFill>
-                  </a:rPr>
-                  <a:t>evaluate</a:t>
-                </a:r>
-                <a:r>
-                  <a:rPr lang="it-IT" sz="2600" dirty="0">
-                    <a:solidFill>
-                      <a:schemeClr val="tx1"/>
-                    </a:solidFill>
-                  </a:rPr>
-                  <a:t> the Reverse </a:t>
-                </a:r>
-                <a:r>
-                  <a:rPr lang="it-IT" sz="2600" dirty="0" err="1">
-                    <a:solidFill>
-                      <a:schemeClr val="tx1"/>
-                    </a:solidFill>
-                  </a:rPr>
-                  <a:t>Cuthill-McKee</a:t>
-                </a:r>
-                <a:r>
-                  <a:rPr lang="it-IT" sz="2600" dirty="0">
-                    <a:solidFill>
-                      <a:schemeClr val="tx1"/>
-                    </a:solidFill>
-                  </a:rPr>
-                  <a:t> </a:t>
-                </a:r>
-                <a:r>
-                  <a:rPr lang="it-IT" sz="2600" dirty="0" err="1">
-                    <a:solidFill>
-                      <a:schemeClr val="tx1"/>
-                    </a:solidFill>
-                  </a:rPr>
-                  <a:t>algorithm</a:t>
-                </a:r>
-                <a:r>
-                  <a:rPr lang="it-IT" sz="2600" dirty="0">
-                    <a:solidFill>
-                      <a:schemeClr val="tx1"/>
-                    </a:solidFill>
-                  </a:rPr>
-                  <a:t> that </a:t>
-                </a:r>
-                <a:r>
-                  <a:rPr lang="it-IT" sz="2600" dirty="0" err="1">
-                    <a:solidFill>
-                      <a:schemeClr val="tx1"/>
-                    </a:solidFill>
-                  </a:rPr>
-                  <a:t>we</a:t>
-                </a:r>
-                <a:r>
-                  <a:rPr lang="it-IT" sz="2600" dirty="0">
-                    <a:solidFill>
-                      <a:schemeClr val="tx1"/>
-                    </a:solidFill>
-                  </a:rPr>
-                  <a:t> have </a:t>
-                </a:r>
-                <a:r>
-                  <a:rPr lang="it-IT" sz="2600" dirty="0" err="1">
-                    <a:solidFill>
-                      <a:schemeClr val="tx1"/>
-                    </a:solidFill>
-                  </a:rPr>
-                  <a:t>implemented</a:t>
-                </a:r>
-                <a:r>
-                  <a:rPr lang="it-IT" sz="2600" dirty="0">
-                    <a:solidFill>
-                      <a:schemeClr val="tx1"/>
-                    </a:solidFill>
-                  </a:rPr>
-                  <a:t> to </a:t>
-                </a:r>
-                <a:r>
-                  <a:rPr lang="it-IT" sz="2600" dirty="0" err="1">
-                    <a:solidFill>
-                      <a:schemeClr val="tx1"/>
-                    </a:solidFill>
-                  </a:rPr>
-                  <a:t>simplify</a:t>
-                </a:r>
-                <a:r>
-                  <a:rPr lang="it-IT" sz="2600" dirty="0">
-                    <a:solidFill>
-                      <a:schemeClr val="tx1"/>
-                    </a:solidFill>
-                  </a:rPr>
-                  <a:t> the </a:t>
-                </a:r>
-                <a:r>
-                  <a:rPr lang="it-IT" sz="2600" dirty="0" err="1">
-                    <a:solidFill>
-                      <a:schemeClr val="tx1"/>
-                    </a:solidFill>
-                  </a:rPr>
-                  <a:t>grouping</a:t>
-                </a:r>
-                <a:r>
-                  <a:rPr lang="it-IT" sz="2600" dirty="0">
-                    <a:solidFill>
-                      <a:schemeClr val="tx1"/>
-                    </a:solidFill>
-                  </a:rPr>
-                  <a:t> </a:t>
-                </a:r>
-                <a:r>
-                  <a:rPr lang="it-IT" sz="2600" dirty="0" err="1">
-                    <a:solidFill>
-                      <a:schemeClr val="tx1"/>
-                    </a:solidFill>
-                  </a:rPr>
-                  <a:t>operations</a:t>
-                </a:r>
-                <a:r>
-                  <a:rPr lang="it-IT" sz="2600" dirty="0">
-                    <a:solidFill>
-                      <a:schemeClr val="tx1"/>
-                    </a:solidFill>
-                  </a:rPr>
-                  <a:t> </a:t>
-                </a:r>
-                <a:r>
-                  <a:rPr lang="it-IT" sz="2600" dirty="0" err="1">
-                    <a:solidFill>
-                      <a:schemeClr val="tx1"/>
-                    </a:solidFill>
-                  </a:rPr>
-                  <a:t>we</a:t>
-                </a:r>
-                <a:r>
-                  <a:rPr lang="it-IT" sz="2600" dirty="0">
-                    <a:solidFill>
-                      <a:schemeClr val="tx1"/>
-                    </a:solidFill>
-                  </a:rPr>
-                  <a:t> have </a:t>
-                </a:r>
-                <a:r>
-                  <a:rPr lang="it-IT" sz="2600" dirty="0" err="1">
-                    <a:solidFill>
-                      <a:schemeClr val="tx1"/>
-                    </a:solidFill>
-                  </a:rPr>
-                  <a:t>plotted</a:t>
-                </a:r>
-                <a:r>
-                  <a:rPr lang="it-IT" sz="2600" dirty="0">
-                    <a:solidFill>
-                      <a:schemeClr val="tx1"/>
-                    </a:solidFill>
-                  </a:rPr>
-                  <a:t> the </a:t>
-                </a:r>
-                <a:r>
-                  <a:rPr lang="it-IT" sz="2600" dirty="0" err="1">
-                    <a:solidFill>
-                      <a:schemeClr val="tx1"/>
-                    </a:solidFill>
-                  </a:rPr>
-                  <a:t>differences</a:t>
-                </a:r>
-                <a:r>
-                  <a:rPr lang="it-IT" sz="2600" dirty="0">
-                    <a:solidFill>
-                      <a:schemeClr val="tx1"/>
-                    </a:solidFill>
-                  </a:rPr>
-                  <a:t> in </a:t>
-                </a:r>
-                <a:r>
-                  <a:rPr lang="it-IT" sz="2600" dirty="0" err="1">
-                    <a:solidFill>
-                      <a:schemeClr val="tx1"/>
-                    </a:solidFill>
-                  </a:rPr>
-                  <a:t>terms</a:t>
-                </a:r>
-                <a:r>
-                  <a:rPr lang="it-IT" sz="2600" dirty="0">
-                    <a:solidFill>
-                      <a:schemeClr val="tx1"/>
-                    </a:solidFill>
-                  </a:rPr>
-                  <a:t> of </a:t>
-                </a:r>
-                <a:r>
-                  <a:rPr lang="it-IT" sz="2600" dirty="0" err="1">
-                    <a:solidFill>
-                      <a:schemeClr val="tx1"/>
-                    </a:solidFill>
-                  </a:rPr>
-                  <a:t>execution</a:t>
-                </a:r>
-                <a:r>
-                  <a:rPr lang="it-IT" sz="2600" dirty="0">
-                    <a:solidFill>
-                      <a:schemeClr val="tx1"/>
-                    </a:solidFill>
-                  </a:rPr>
-                  <a:t> time and </a:t>
-                </a:r>
-                <a:r>
-                  <a:rPr lang="it-IT" sz="2600" dirty="0" err="1">
-                    <a:solidFill>
-                      <a:schemeClr val="tx1"/>
-                    </a:solidFill>
-                  </a:rPr>
-                  <a:t>reconstruction</a:t>
-                </a:r>
-                <a:r>
-                  <a:rPr lang="it-IT" sz="2600" dirty="0">
-                    <a:solidFill>
-                      <a:schemeClr val="tx1"/>
-                    </a:solidFill>
-                  </a:rPr>
-                  <a:t> </a:t>
-                </a:r>
-                <a:r>
-                  <a:rPr lang="it-IT" sz="2600" dirty="0" err="1">
-                    <a:solidFill>
-                      <a:schemeClr val="tx1"/>
-                    </a:solidFill>
-                  </a:rPr>
-                  <a:t>error</a:t>
-                </a:r>
-                <a:r>
-                  <a:rPr lang="it-IT" sz="2600" dirty="0">
-                    <a:solidFill>
-                      <a:schemeClr val="tx1"/>
-                    </a:solidFill>
-                  </a:rPr>
-                  <a:t>.</a:t>
-                </a:r>
-              </a:p>
-              <a:p>
-                <a:pPr marL="0" indent="0">
-                  <a:lnSpc>
-                    <a:spcPct val="100000"/>
-                  </a:lnSpc>
-                  <a:buNone/>
-                </a:pPr>
-                <a:r>
-                  <a:rPr lang="it-IT" sz="2600" dirty="0">
-                    <a:solidFill>
-                      <a:schemeClr val="tx1"/>
-                    </a:solidFill>
-                  </a:rPr>
-                  <a:t> </a:t>
-                </a:r>
-              </a:p>
-            </p:txBody>
-          </p:sp>
-        </mc:Choice>
-        <mc:Fallback>
-          <p:sp>
-            <p:nvSpPr>
-              <p:cNvPr id="3" name="Segnaposto contenuto 2">
-                <a:extLst>
-                  <a:ext uri="{FF2B5EF4-FFF2-40B4-BE49-F238E27FC236}">
-                    <a16:creationId xmlns:a16="http://schemas.microsoft.com/office/drawing/2014/main" id="{03F1FE39-20CD-49DD-9C63-BBB9CB6E564F}"/>
-                  </a:ext>
-                </a:extLst>
-              </p:cNvPr>
-              <p:cNvSpPr>
-                <a:spLocks noGrp="1" noRot="1" noChangeAspect="1" noMove="1" noResize="1" noEditPoints="1" noAdjustHandles="1" noChangeArrowheads="1" noChangeShapeType="1" noTextEdit="1"/>
-              </p:cNvSpPr>
-              <p:nvPr>
-                <p:ph idx="1"/>
-              </p:nvPr>
-            </p:nvSpPr>
-            <p:spPr>
-              <a:blipFill>
-                <a:blip r:embed="rId2"/>
-                <a:stretch>
-                  <a:fillRect l="-792" t="-980"/>
-                </a:stretch>
-              </a:blipFill>
-            </p:spPr>
-            <p:txBody>
-              <a:bodyPr/>
-              <a:lstStyle/>
-              <a:p>
-                <a:r>
-                  <a:rPr lang="it-IT">
-                    <a:noFill/>
-                  </a:rPr>
-                  <a:t> </a:t>
-                </a:r>
-              </a:p>
-            </p:txBody>
-          </p:sp>
-        </mc:Fallback>
-      </mc:AlternateContent>
+      <p:sp>
+        <p:nvSpPr>
+          <p:cNvPr id="3" name="Segnaposto contenuto 2">
+            <a:extLst>
+              <a:ext uri="{FF2B5EF4-FFF2-40B4-BE49-F238E27FC236}">
+                <a16:creationId xmlns:a16="http://schemas.microsoft.com/office/drawing/2014/main" id="{03F1FE39-20CD-49DD-9C63-BBB9CB6E564F}"/>
+              </a:ext>
+            </a:extLst>
+          </p:cNvPr>
+          <p:cNvSpPr>
+            <a:spLocks noGrp="1"/>
+          </p:cNvSpPr>
+          <p:nvPr>
+            <p:ph idx="1"/>
+          </p:nvPr>
+        </p:nvSpPr>
+        <p:spPr/>
+        <p:txBody>
+          <a:bodyPr>
+            <a:normAutofit lnSpcReduction="10000"/>
+          </a:bodyPr>
+          <a:lstStyle/>
+          <a:p>
+            <a:pPr>
+              <a:lnSpc>
+                <a:spcPct val="100000"/>
+              </a:lnSpc>
+            </a:pPr>
+            <a:r>
+              <a:rPr lang="it-IT" sz="2600" dirty="0">
+                <a:solidFill>
+                  <a:schemeClr val="tx1"/>
+                </a:solidFill>
+              </a:rPr>
+              <a:t>To </a:t>
+            </a:r>
+            <a:r>
+              <a:rPr lang="it-IT" sz="2600" dirty="0" err="1">
+                <a:solidFill>
+                  <a:schemeClr val="tx1"/>
+                </a:solidFill>
+              </a:rPr>
+              <a:t>evaluate</a:t>
+            </a:r>
+            <a:r>
+              <a:rPr lang="it-IT" sz="2600" dirty="0">
+                <a:solidFill>
+                  <a:schemeClr val="tx1"/>
+                </a:solidFill>
+              </a:rPr>
+              <a:t> the Reverse </a:t>
+            </a:r>
+            <a:r>
+              <a:rPr lang="it-IT" sz="2600" dirty="0" err="1">
+                <a:solidFill>
+                  <a:schemeClr val="tx1"/>
+                </a:solidFill>
+              </a:rPr>
+              <a:t>Cuthill-McKee</a:t>
+            </a:r>
+            <a:r>
+              <a:rPr lang="it-IT" sz="2600" dirty="0">
+                <a:solidFill>
+                  <a:schemeClr val="tx1"/>
+                </a:solidFill>
+              </a:rPr>
+              <a:t> </a:t>
+            </a:r>
+            <a:r>
+              <a:rPr lang="it-IT" sz="2600" dirty="0" err="1">
+                <a:solidFill>
+                  <a:schemeClr val="tx1"/>
+                </a:solidFill>
+              </a:rPr>
+              <a:t>algorithm</a:t>
+            </a:r>
+            <a:r>
+              <a:rPr lang="it-IT" sz="2600" dirty="0">
+                <a:solidFill>
+                  <a:schemeClr val="tx1"/>
+                </a:solidFill>
+              </a:rPr>
+              <a:t> </a:t>
+            </a:r>
+            <a:r>
+              <a:rPr lang="it-IT" sz="2600" dirty="0" err="1">
+                <a:solidFill>
+                  <a:schemeClr val="tx1"/>
+                </a:solidFill>
+              </a:rPr>
+              <a:t>that</a:t>
+            </a:r>
+            <a:r>
+              <a:rPr lang="it-IT" sz="2600" dirty="0">
+                <a:solidFill>
+                  <a:schemeClr val="tx1"/>
+                </a:solidFill>
+              </a:rPr>
+              <a:t> </a:t>
+            </a:r>
+            <a:r>
+              <a:rPr lang="it-IT" sz="2600" dirty="0" err="1">
+                <a:solidFill>
+                  <a:schemeClr val="tx1"/>
+                </a:solidFill>
+              </a:rPr>
+              <a:t>we</a:t>
+            </a:r>
+            <a:r>
+              <a:rPr lang="it-IT" sz="2600" dirty="0">
+                <a:solidFill>
+                  <a:schemeClr val="tx1"/>
+                </a:solidFill>
+              </a:rPr>
+              <a:t> </a:t>
+            </a:r>
+            <a:r>
+              <a:rPr lang="it-IT" sz="2600" dirty="0" err="1">
+                <a:solidFill>
+                  <a:schemeClr val="tx1"/>
+                </a:solidFill>
+              </a:rPr>
+              <a:t>have</a:t>
+            </a:r>
+            <a:r>
+              <a:rPr lang="it-IT" sz="2600" dirty="0">
+                <a:solidFill>
+                  <a:schemeClr val="tx1"/>
+                </a:solidFill>
+              </a:rPr>
+              <a:t> </a:t>
+            </a:r>
+            <a:r>
+              <a:rPr lang="it-IT" sz="2600" dirty="0" err="1">
+                <a:solidFill>
+                  <a:schemeClr val="tx1"/>
+                </a:solidFill>
+              </a:rPr>
+              <a:t>implemented</a:t>
+            </a:r>
+            <a:r>
+              <a:rPr lang="it-IT" sz="2600" dirty="0">
+                <a:solidFill>
+                  <a:schemeClr val="tx1"/>
+                </a:solidFill>
+              </a:rPr>
+              <a:t> to </a:t>
+            </a:r>
+            <a:r>
+              <a:rPr lang="it-IT" sz="2600" dirty="0" err="1">
+                <a:solidFill>
+                  <a:schemeClr val="tx1"/>
+                </a:solidFill>
+              </a:rPr>
+              <a:t>simplify</a:t>
+            </a:r>
+            <a:r>
+              <a:rPr lang="it-IT" sz="2600" dirty="0">
+                <a:solidFill>
+                  <a:schemeClr val="tx1"/>
+                </a:solidFill>
+              </a:rPr>
+              <a:t> the </a:t>
+            </a:r>
+            <a:r>
+              <a:rPr lang="it-IT" sz="2600" dirty="0" err="1">
+                <a:solidFill>
+                  <a:schemeClr val="tx1"/>
+                </a:solidFill>
+              </a:rPr>
+              <a:t>grouping</a:t>
+            </a:r>
+            <a:r>
+              <a:rPr lang="it-IT" sz="2600" dirty="0">
+                <a:solidFill>
+                  <a:schemeClr val="tx1"/>
+                </a:solidFill>
+              </a:rPr>
+              <a:t> </a:t>
+            </a:r>
+            <a:r>
+              <a:rPr lang="it-IT" sz="2600" dirty="0" err="1">
+                <a:solidFill>
+                  <a:schemeClr val="tx1"/>
+                </a:solidFill>
+              </a:rPr>
+              <a:t>operations</a:t>
+            </a:r>
+            <a:r>
+              <a:rPr lang="it-IT" sz="2600" dirty="0">
+                <a:solidFill>
+                  <a:schemeClr val="tx1"/>
+                </a:solidFill>
+              </a:rPr>
+              <a:t> </a:t>
+            </a:r>
+            <a:r>
+              <a:rPr lang="it-IT" sz="2600" dirty="0" err="1">
+                <a:solidFill>
+                  <a:schemeClr val="tx1"/>
+                </a:solidFill>
+              </a:rPr>
+              <a:t>we</a:t>
+            </a:r>
+            <a:r>
+              <a:rPr lang="it-IT" sz="2600" dirty="0">
+                <a:solidFill>
+                  <a:schemeClr val="tx1"/>
+                </a:solidFill>
+              </a:rPr>
+              <a:t> </a:t>
+            </a:r>
+            <a:r>
+              <a:rPr lang="it-IT" sz="2600" dirty="0" err="1">
+                <a:solidFill>
+                  <a:schemeClr val="tx1"/>
+                </a:solidFill>
+              </a:rPr>
+              <a:t>have</a:t>
+            </a:r>
+            <a:r>
+              <a:rPr lang="it-IT" sz="2600" dirty="0">
+                <a:solidFill>
+                  <a:schemeClr val="tx1"/>
+                </a:solidFill>
+              </a:rPr>
+              <a:t> </a:t>
+            </a:r>
+            <a:r>
+              <a:rPr lang="it-IT" sz="2600" dirty="0" err="1">
+                <a:solidFill>
+                  <a:schemeClr val="tx1"/>
+                </a:solidFill>
+              </a:rPr>
+              <a:t>plotted</a:t>
+            </a:r>
+            <a:r>
+              <a:rPr lang="it-IT" sz="2600" dirty="0">
+                <a:solidFill>
+                  <a:schemeClr val="tx1"/>
+                </a:solidFill>
+              </a:rPr>
+              <a:t> the </a:t>
+            </a:r>
+            <a:r>
+              <a:rPr lang="it-IT" sz="2600" dirty="0" err="1">
+                <a:solidFill>
+                  <a:schemeClr val="tx1"/>
+                </a:solidFill>
+              </a:rPr>
+              <a:t>differences</a:t>
+            </a:r>
+            <a:r>
+              <a:rPr lang="it-IT" sz="2600" dirty="0">
+                <a:solidFill>
+                  <a:schemeClr val="tx1"/>
+                </a:solidFill>
+              </a:rPr>
+              <a:t> in </a:t>
+            </a:r>
+            <a:r>
+              <a:rPr lang="it-IT" sz="2600" dirty="0" err="1">
+                <a:solidFill>
+                  <a:schemeClr val="tx1"/>
+                </a:solidFill>
+              </a:rPr>
+              <a:t>terms</a:t>
+            </a:r>
+            <a:r>
+              <a:rPr lang="it-IT" sz="2600" dirty="0">
+                <a:solidFill>
+                  <a:schemeClr val="tx1"/>
+                </a:solidFill>
+              </a:rPr>
+              <a:t> of </a:t>
+            </a:r>
+            <a:r>
+              <a:rPr lang="it-IT" sz="2600" dirty="0" err="1">
+                <a:solidFill>
+                  <a:schemeClr val="tx1"/>
+                </a:solidFill>
+              </a:rPr>
+              <a:t>execution</a:t>
+            </a:r>
+            <a:r>
+              <a:rPr lang="it-IT" sz="2600" dirty="0">
+                <a:solidFill>
+                  <a:schemeClr val="tx1"/>
+                </a:solidFill>
+              </a:rPr>
+              <a:t> time and </a:t>
+            </a:r>
+            <a:r>
+              <a:rPr lang="it-IT" sz="2600" dirty="0" err="1">
+                <a:solidFill>
+                  <a:schemeClr val="tx1"/>
+                </a:solidFill>
+              </a:rPr>
+              <a:t>reconstruction</a:t>
+            </a:r>
+            <a:r>
+              <a:rPr lang="it-IT" sz="2600" dirty="0">
+                <a:solidFill>
+                  <a:schemeClr val="tx1"/>
+                </a:solidFill>
+              </a:rPr>
+              <a:t> </a:t>
+            </a:r>
+            <a:r>
+              <a:rPr lang="it-IT" sz="2600" dirty="0" err="1">
+                <a:solidFill>
+                  <a:schemeClr val="tx1"/>
+                </a:solidFill>
+              </a:rPr>
+              <a:t>error</a:t>
+            </a:r>
+            <a:r>
+              <a:rPr lang="it-IT" sz="2600" dirty="0">
+                <a:solidFill>
+                  <a:schemeClr val="tx1"/>
+                </a:solidFill>
+              </a:rPr>
+              <a:t> </a:t>
+            </a:r>
+            <a:r>
+              <a:rPr lang="it-IT" sz="2600" dirty="0" err="1">
+                <a:solidFill>
+                  <a:schemeClr val="tx1"/>
+                </a:solidFill>
+              </a:rPr>
+              <a:t>between</a:t>
+            </a:r>
+            <a:r>
+              <a:rPr lang="it-IT" sz="2600" dirty="0">
+                <a:solidFill>
+                  <a:schemeClr val="tx1"/>
+                </a:solidFill>
+              </a:rPr>
+              <a:t> the </a:t>
+            </a:r>
+            <a:r>
+              <a:rPr lang="it-IT" sz="2600" dirty="0" err="1">
+                <a:solidFill>
+                  <a:schemeClr val="tx1"/>
+                </a:solidFill>
+              </a:rPr>
+              <a:t>usage</a:t>
+            </a:r>
+            <a:r>
+              <a:rPr lang="it-IT" sz="2600" dirty="0">
+                <a:solidFill>
+                  <a:schemeClr val="tx1"/>
+                </a:solidFill>
+              </a:rPr>
+              <a:t> of RCM and </a:t>
+            </a:r>
+            <a:r>
+              <a:rPr lang="it-IT" sz="2600" dirty="0" err="1">
+                <a:solidFill>
+                  <a:schemeClr val="tx1"/>
+                </a:solidFill>
+              </a:rPr>
+              <a:t>without</a:t>
+            </a:r>
+            <a:r>
+              <a:rPr lang="it-IT" sz="2600" dirty="0">
+                <a:solidFill>
+                  <a:schemeClr val="tx1"/>
+                </a:solidFill>
+              </a:rPr>
+              <a:t> </a:t>
+            </a:r>
+            <a:r>
+              <a:rPr lang="it-IT" sz="2600" dirty="0" err="1">
+                <a:solidFill>
+                  <a:schemeClr val="tx1"/>
+                </a:solidFill>
+              </a:rPr>
+              <a:t>using</a:t>
+            </a:r>
+            <a:r>
+              <a:rPr lang="it-IT" sz="2600" dirty="0">
+                <a:solidFill>
+                  <a:schemeClr val="tx1"/>
+                </a:solidFill>
+              </a:rPr>
+              <a:t> </a:t>
+            </a:r>
+            <a:r>
+              <a:rPr lang="it-IT" sz="2600" dirty="0" err="1">
+                <a:solidFill>
+                  <a:schemeClr val="tx1"/>
+                </a:solidFill>
+              </a:rPr>
+              <a:t>it</a:t>
+            </a:r>
+            <a:r>
+              <a:rPr lang="it-IT" sz="2600" dirty="0">
+                <a:solidFill>
+                  <a:schemeClr val="tx1"/>
+                </a:solidFill>
+              </a:rPr>
+              <a:t>.</a:t>
+            </a:r>
+          </a:p>
+          <a:p>
+            <a:pPr>
+              <a:lnSpc>
+                <a:spcPct val="100000"/>
+              </a:lnSpc>
+            </a:pPr>
+            <a:r>
+              <a:rPr lang="it-IT" sz="2600" dirty="0">
+                <a:solidFill>
+                  <a:schemeClr val="tx1"/>
+                </a:solidFill>
+              </a:rPr>
+              <a:t>To </a:t>
+            </a:r>
+            <a:r>
+              <a:rPr lang="it-IT" sz="2600" dirty="0" err="1">
+                <a:solidFill>
+                  <a:schemeClr val="tx1"/>
+                </a:solidFill>
+              </a:rPr>
+              <a:t>have</a:t>
+            </a:r>
+            <a:r>
+              <a:rPr lang="it-IT" sz="2600" dirty="0">
+                <a:solidFill>
+                  <a:schemeClr val="tx1"/>
+                </a:solidFill>
+              </a:rPr>
+              <a:t> an idea on the impact on the </a:t>
+            </a:r>
+            <a:r>
+              <a:rPr lang="it-IT" sz="2600" dirty="0" err="1">
+                <a:solidFill>
+                  <a:schemeClr val="tx1"/>
+                </a:solidFill>
+              </a:rPr>
+              <a:t>resources</a:t>
+            </a:r>
+            <a:r>
+              <a:rPr lang="it-IT" sz="2600" dirty="0">
+                <a:solidFill>
+                  <a:schemeClr val="tx1"/>
+                </a:solidFill>
+              </a:rPr>
+              <a:t> of </a:t>
+            </a:r>
+            <a:r>
+              <a:rPr lang="it-IT" sz="2600" dirty="0" err="1">
+                <a:solidFill>
+                  <a:schemeClr val="tx1"/>
+                </a:solidFill>
+              </a:rPr>
+              <a:t>our</a:t>
+            </a:r>
+            <a:r>
+              <a:rPr lang="it-IT" sz="2600" dirty="0">
+                <a:solidFill>
+                  <a:schemeClr val="tx1"/>
+                </a:solidFill>
+              </a:rPr>
+              <a:t> </a:t>
+            </a:r>
+            <a:r>
+              <a:rPr lang="it-IT" sz="2600" dirty="0" err="1">
+                <a:solidFill>
+                  <a:schemeClr val="tx1"/>
+                </a:solidFill>
+              </a:rPr>
+              <a:t>implementation</a:t>
+            </a:r>
+            <a:r>
+              <a:rPr lang="it-IT" sz="2600" dirty="0">
+                <a:solidFill>
+                  <a:schemeClr val="tx1"/>
+                </a:solidFill>
+              </a:rPr>
+              <a:t> </a:t>
+            </a:r>
+            <a:r>
+              <a:rPr lang="it-IT" sz="2600" dirty="0" err="1">
+                <a:solidFill>
+                  <a:schemeClr val="tx1"/>
+                </a:solidFill>
+              </a:rPr>
+              <a:t>we</a:t>
+            </a:r>
+            <a:r>
+              <a:rPr lang="it-IT" sz="2600" dirty="0">
+                <a:solidFill>
+                  <a:schemeClr val="tx1"/>
+                </a:solidFill>
+              </a:rPr>
+              <a:t> </a:t>
+            </a:r>
+            <a:r>
+              <a:rPr lang="it-IT" sz="2600" dirty="0" err="1">
+                <a:solidFill>
+                  <a:schemeClr val="tx1"/>
+                </a:solidFill>
+              </a:rPr>
+              <a:t>have</a:t>
+            </a:r>
+            <a:r>
+              <a:rPr lang="it-IT" sz="2600" dirty="0">
+                <a:solidFill>
+                  <a:schemeClr val="tx1"/>
+                </a:solidFill>
+              </a:rPr>
+              <a:t> </a:t>
+            </a:r>
+            <a:r>
+              <a:rPr lang="it-IT" sz="2600" dirty="0" err="1">
+                <a:solidFill>
+                  <a:schemeClr val="tx1"/>
+                </a:solidFill>
+              </a:rPr>
+              <a:t>used</a:t>
+            </a:r>
+            <a:r>
+              <a:rPr lang="it-IT" sz="2600" dirty="0">
+                <a:solidFill>
+                  <a:schemeClr val="tx1"/>
+                </a:solidFill>
+              </a:rPr>
+              <a:t> </a:t>
+            </a:r>
+            <a:r>
+              <a:rPr lang="it-IT" sz="2600" dirty="0" err="1">
+                <a:solidFill>
+                  <a:schemeClr val="tx1"/>
+                </a:solidFill>
+              </a:rPr>
+              <a:t>two</a:t>
+            </a:r>
+            <a:r>
+              <a:rPr lang="it-IT" sz="2600" dirty="0">
+                <a:solidFill>
+                  <a:schemeClr val="tx1"/>
+                </a:solidFill>
+              </a:rPr>
+              <a:t> </a:t>
+            </a:r>
+            <a:r>
+              <a:rPr lang="it-IT" sz="2600" dirty="0" err="1">
+                <a:solidFill>
+                  <a:schemeClr val="tx1"/>
+                </a:solidFill>
+              </a:rPr>
+              <a:t>different</a:t>
+            </a:r>
+            <a:r>
+              <a:rPr lang="it-IT" sz="2600" dirty="0">
+                <a:solidFill>
+                  <a:schemeClr val="tx1"/>
+                </a:solidFill>
+              </a:rPr>
+              <a:t> setups, an AMD </a:t>
+            </a:r>
+            <a:r>
+              <a:rPr lang="it-IT" sz="2600" dirty="0" err="1">
+                <a:solidFill>
+                  <a:schemeClr val="tx1"/>
+                </a:solidFill>
+              </a:rPr>
+              <a:t>Ryzen</a:t>
+            </a:r>
+            <a:r>
+              <a:rPr lang="it-IT" sz="2600" dirty="0">
+                <a:solidFill>
+                  <a:schemeClr val="tx1"/>
+                </a:solidFill>
+              </a:rPr>
+              <a:t> 9 3900x @ 4.6 GHz with 16 GB DDR4 @ 3200 MHz and a </a:t>
+            </a:r>
+            <a:r>
+              <a:rPr lang="it-IT" sz="2600" dirty="0" err="1">
+                <a:solidFill>
+                  <a:schemeClr val="tx1"/>
+                </a:solidFill>
+              </a:rPr>
+              <a:t>Broadcom</a:t>
+            </a:r>
+            <a:r>
+              <a:rPr lang="it-IT" sz="2600" dirty="0">
+                <a:solidFill>
+                  <a:schemeClr val="tx1"/>
+                </a:solidFill>
+              </a:rPr>
+              <a:t> BCM2711 @ 1.5 GHz with 8 GB LPDDR4 @ </a:t>
+            </a:r>
+            <a:r>
+              <a:rPr lang="it-IT" sz="2600">
+                <a:solidFill>
+                  <a:schemeClr val="tx1"/>
+                </a:solidFill>
+              </a:rPr>
+              <a:t>3200 MHz.</a:t>
+            </a:r>
+            <a:endParaRPr lang="en-US" sz="2600" dirty="0">
+              <a:solidFill>
+                <a:schemeClr val="tx1"/>
+              </a:solidFill>
+            </a:endParaRPr>
+          </a:p>
+          <a:p>
+            <a:pPr marL="0" indent="0">
+              <a:lnSpc>
+                <a:spcPct val="100000"/>
+              </a:lnSpc>
+              <a:buNone/>
+            </a:pPr>
+            <a:endParaRPr lang="it-IT" sz="2600" dirty="0">
+              <a:solidFill>
+                <a:schemeClr val="tx1"/>
+              </a:solidFill>
+            </a:endParaRPr>
+          </a:p>
+          <a:p>
+            <a:pPr marL="0" indent="0">
+              <a:lnSpc>
+                <a:spcPct val="100000"/>
+              </a:lnSpc>
+              <a:buNone/>
+            </a:pPr>
+            <a:r>
+              <a:rPr lang="it-IT" sz="2600" dirty="0">
+                <a:solidFill>
+                  <a:schemeClr val="tx1"/>
+                </a:solidFill>
+              </a:rPr>
+              <a:t> </a:t>
+            </a:r>
+          </a:p>
+        </p:txBody>
+      </p:sp>
     </p:spTree>
     <p:extLst>
       <p:ext uri="{BB962C8B-B14F-4D97-AF65-F5344CB8AC3E}">
         <p14:creationId xmlns:p14="http://schemas.microsoft.com/office/powerpoint/2010/main" val="4266073266"/>
+      </p:ext>
+    </p:extLst>
+  </p:cSld>
+  <p:clrMapOvr>
+    <a:masterClrMapping/>
+  </p:clrMapOvr>
+</p:sld>
+</file>
+
+<file path=ppt/slides/slide15.xml><?xml version="1.0" encoding="utf-8"?>
+<p:sld xmlns:a="http://schemas.openxmlformats.org/drawingml/2006/main" xmlns:r="http://schemas.openxmlformats.org/officeDocument/2006/relationships" xmlns:p="http://schemas.openxmlformats.org/presentationml/2006/main">
+  <p:cSld>
+    <p:spTree>
+      <p:nvGrpSpPr>
+        <p:cNvPr id="1" name=""/>
+        <p:cNvGrpSpPr/>
+        <p:nvPr/>
+      </p:nvGrpSpPr>
+      <p:grpSpPr>
+        <a:xfrm>
+          <a:off x="0" y="0"/>
+          <a:ext cx="0" cy="0"/>
+          <a:chOff x="0" y="0"/>
+          <a:chExt cx="0" cy="0"/>
+        </a:xfrm>
+      </p:grpSpPr>
+      <p:sp>
+        <p:nvSpPr>
+          <p:cNvPr id="2" name="Titolo 1">
+            <a:extLst>
+              <a:ext uri="{FF2B5EF4-FFF2-40B4-BE49-F238E27FC236}">
+                <a16:creationId xmlns:a16="http://schemas.microsoft.com/office/drawing/2014/main" id="{92260F29-11ED-4A37-8C5D-A0D4CCE9177A}"/>
+              </a:ext>
+            </a:extLst>
+          </p:cNvPr>
+          <p:cNvSpPr>
+            <a:spLocks noGrp="1"/>
+          </p:cNvSpPr>
+          <p:nvPr>
+            <p:ph type="title"/>
+          </p:nvPr>
+        </p:nvSpPr>
+        <p:spPr>
+          <a:xfrm>
+            <a:off x="576072" y="365125"/>
+            <a:ext cx="10771632" cy="1325563"/>
+          </a:xfrm>
+        </p:spPr>
+        <p:txBody>
+          <a:bodyPr anchor="ctr">
+            <a:normAutofit/>
+          </a:bodyPr>
+          <a:lstStyle/>
+          <a:p>
+            <a:r>
+              <a:rPr lang="it-IT" dirty="0">
+                <a:solidFill>
+                  <a:schemeClr val="tx1"/>
+                </a:solidFill>
+              </a:rPr>
+              <a:t>Test </a:t>
+            </a:r>
+            <a:r>
+              <a:rPr lang="it-IT" dirty="0" err="1">
+                <a:solidFill>
+                  <a:schemeClr val="tx1"/>
+                </a:solidFill>
+              </a:rPr>
+              <a:t>without</a:t>
+            </a:r>
+            <a:r>
+              <a:rPr lang="it-IT" dirty="0">
+                <a:solidFill>
+                  <a:schemeClr val="tx1"/>
+                </a:solidFill>
+              </a:rPr>
+              <a:t> </a:t>
+            </a:r>
+            <a:r>
+              <a:rPr lang="it-IT" dirty="0" err="1">
+                <a:solidFill>
+                  <a:schemeClr val="tx1"/>
+                </a:solidFill>
+              </a:rPr>
+              <a:t>rcm</a:t>
+            </a:r>
+            <a:r>
+              <a:rPr lang="it-IT" dirty="0">
+                <a:solidFill>
+                  <a:schemeClr val="tx1"/>
+                </a:solidFill>
+              </a:rPr>
+              <a:t> 3900x</a:t>
+            </a:r>
+          </a:p>
+        </p:txBody>
+      </p:sp>
+      <p:pic>
+        <p:nvPicPr>
+          <p:cNvPr id="6" name="Segnaposto contenuto 5">
+            <a:extLst>
+              <a:ext uri="{FF2B5EF4-FFF2-40B4-BE49-F238E27FC236}">
+                <a16:creationId xmlns:a16="http://schemas.microsoft.com/office/drawing/2014/main" id="{6FC10359-CA26-43BE-9AE2-8E9133974749}"/>
+              </a:ext>
+            </a:extLst>
+          </p:cNvPr>
+          <p:cNvPicPr>
+            <a:picLocks noGrp="1" noChangeAspect="1"/>
+          </p:cNvPicPr>
+          <p:nvPr>
+            <p:ph idx="1"/>
+          </p:nvPr>
+        </p:nvPicPr>
+        <p:blipFill>
+          <a:blip r:embed="rId2"/>
+          <a:stretch>
+            <a:fillRect/>
+          </a:stretch>
+        </p:blipFill>
+        <p:spPr>
+          <a:xfrm>
+            <a:off x="356400" y="1875600"/>
+            <a:ext cx="5486400" cy="4114800"/>
+          </a:xfrm>
+        </p:spPr>
+      </p:pic>
+      <p:pic>
+        <p:nvPicPr>
+          <p:cNvPr id="9" name="Immagine 8">
+            <a:extLst>
+              <a:ext uri="{FF2B5EF4-FFF2-40B4-BE49-F238E27FC236}">
+                <a16:creationId xmlns:a16="http://schemas.microsoft.com/office/drawing/2014/main" id="{5914E1AF-A5E8-41CC-B28E-797F242D9C8D}"/>
+              </a:ext>
+            </a:extLst>
+          </p:cNvPr>
+          <p:cNvPicPr>
+            <a:picLocks noChangeAspect="1"/>
+          </p:cNvPicPr>
+          <p:nvPr/>
+        </p:nvPicPr>
+        <p:blipFill>
+          <a:blip r:embed="rId3"/>
+          <a:stretch>
+            <a:fillRect/>
+          </a:stretch>
+        </p:blipFill>
+        <p:spPr>
+          <a:xfrm>
+            <a:off x="6310800" y="1875600"/>
+            <a:ext cx="5486400" cy="4114800"/>
+          </a:xfrm>
+          <a:prstGeom prst="rect">
+            <a:avLst/>
+          </a:prstGeom>
+        </p:spPr>
+      </p:pic>
+    </p:spTree>
+    <p:extLst>
+      <p:ext uri="{BB962C8B-B14F-4D97-AF65-F5344CB8AC3E}">
+        <p14:creationId xmlns:p14="http://schemas.microsoft.com/office/powerpoint/2010/main" val="3467083650"/>
+      </p:ext>
+    </p:extLst>
+  </p:cSld>
+  <p:clrMapOvr>
+    <a:masterClrMapping/>
+  </p:clrMapOvr>
+</p:sld>
+</file>
+
+<file path=ppt/slides/slide16.xml><?xml version="1.0" encoding="utf-8"?>
+<p:sld xmlns:a="http://schemas.openxmlformats.org/drawingml/2006/main" xmlns:r="http://schemas.openxmlformats.org/officeDocument/2006/relationships" xmlns:p="http://schemas.openxmlformats.org/presentationml/2006/main">
+  <p:cSld>
+    <p:spTree>
+      <p:nvGrpSpPr>
+        <p:cNvPr id="1" name=""/>
+        <p:cNvGrpSpPr/>
+        <p:nvPr/>
+      </p:nvGrpSpPr>
+      <p:grpSpPr>
+        <a:xfrm>
+          <a:off x="0" y="0"/>
+          <a:ext cx="0" cy="0"/>
+          <a:chOff x="0" y="0"/>
+          <a:chExt cx="0" cy="0"/>
+        </a:xfrm>
+      </p:grpSpPr>
+      <p:sp>
+        <p:nvSpPr>
+          <p:cNvPr id="2" name="Titolo 1">
+            <a:extLst>
+              <a:ext uri="{FF2B5EF4-FFF2-40B4-BE49-F238E27FC236}">
+                <a16:creationId xmlns:a16="http://schemas.microsoft.com/office/drawing/2014/main" id="{92260F29-11ED-4A37-8C5D-A0D4CCE9177A}"/>
+              </a:ext>
+            </a:extLst>
+          </p:cNvPr>
+          <p:cNvSpPr>
+            <a:spLocks noGrp="1"/>
+          </p:cNvSpPr>
+          <p:nvPr>
+            <p:ph type="title"/>
+          </p:nvPr>
+        </p:nvSpPr>
+        <p:spPr>
+          <a:xfrm>
+            <a:off x="576072" y="365125"/>
+            <a:ext cx="10771632" cy="1325563"/>
+          </a:xfrm>
+        </p:spPr>
+        <p:txBody>
+          <a:bodyPr anchor="ctr">
+            <a:normAutofit/>
+          </a:bodyPr>
+          <a:lstStyle/>
+          <a:p>
+            <a:r>
+              <a:rPr lang="it-IT" dirty="0">
+                <a:solidFill>
+                  <a:schemeClr val="tx1"/>
+                </a:solidFill>
+              </a:rPr>
+              <a:t>Test with </a:t>
+            </a:r>
+            <a:r>
+              <a:rPr lang="it-IT" dirty="0" err="1">
+                <a:solidFill>
+                  <a:schemeClr val="tx1"/>
+                </a:solidFill>
+              </a:rPr>
+              <a:t>rcm</a:t>
+            </a:r>
+            <a:r>
+              <a:rPr lang="it-IT" dirty="0">
+                <a:solidFill>
+                  <a:schemeClr val="tx1"/>
+                </a:solidFill>
+              </a:rPr>
+              <a:t> 3900x</a:t>
+            </a:r>
+          </a:p>
+        </p:txBody>
+      </p:sp>
+      <p:pic>
+        <p:nvPicPr>
+          <p:cNvPr id="5" name="Segnaposto contenuto 4">
+            <a:extLst>
+              <a:ext uri="{FF2B5EF4-FFF2-40B4-BE49-F238E27FC236}">
+                <a16:creationId xmlns:a16="http://schemas.microsoft.com/office/drawing/2014/main" id="{E9255F73-AA06-4273-AAF0-B0971DCA1206}"/>
+              </a:ext>
+            </a:extLst>
+          </p:cNvPr>
+          <p:cNvPicPr>
+            <a:picLocks noGrp="1" noChangeAspect="1"/>
+          </p:cNvPicPr>
+          <p:nvPr>
+            <p:ph idx="1"/>
+          </p:nvPr>
+        </p:nvPicPr>
+        <p:blipFill>
+          <a:blip r:embed="rId2"/>
+          <a:stretch>
+            <a:fillRect/>
+          </a:stretch>
+        </p:blipFill>
+        <p:spPr>
+          <a:xfrm>
+            <a:off x="356400" y="1875600"/>
+            <a:ext cx="5486400" cy="4114800"/>
+          </a:xfrm>
+        </p:spPr>
+      </p:pic>
+      <p:pic>
+        <p:nvPicPr>
+          <p:cNvPr id="7" name="Immagine 6">
+            <a:extLst>
+              <a:ext uri="{FF2B5EF4-FFF2-40B4-BE49-F238E27FC236}">
+                <a16:creationId xmlns:a16="http://schemas.microsoft.com/office/drawing/2014/main" id="{64AB8974-2ABF-4C1D-A2A6-6180F423DD7D}"/>
+              </a:ext>
+            </a:extLst>
+          </p:cNvPr>
+          <p:cNvPicPr>
+            <a:picLocks noChangeAspect="1"/>
+          </p:cNvPicPr>
+          <p:nvPr/>
+        </p:nvPicPr>
+        <p:blipFill>
+          <a:blip r:embed="rId3"/>
+          <a:stretch>
+            <a:fillRect/>
+          </a:stretch>
+        </p:blipFill>
+        <p:spPr>
+          <a:xfrm>
+            <a:off x="6310800" y="1875600"/>
+            <a:ext cx="5486400" cy="4114800"/>
+          </a:xfrm>
+          <a:prstGeom prst="rect">
+            <a:avLst/>
+          </a:prstGeom>
+        </p:spPr>
+      </p:pic>
+    </p:spTree>
+    <p:extLst>
+      <p:ext uri="{BB962C8B-B14F-4D97-AF65-F5344CB8AC3E}">
+        <p14:creationId xmlns:p14="http://schemas.microsoft.com/office/powerpoint/2010/main" val="4211842913"/>
+      </p:ext>
+    </p:extLst>
+  </p:cSld>
+  <p:clrMapOvr>
+    <a:masterClrMapping/>
+  </p:clrMapOvr>
+</p:sld>
+</file>
+
+<file path=ppt/slides/slide17.xml><?xml version="1.0" encoding="utf-8"?>
+<p:sld xmlns:a="http://schemas.openxmlformats.org/drawingml/2006/main" xmlns:r="http://schemas.openxmlformats.org/officeDocument/2006/relationships" xmlns:p="http://schemas.openxmlformats.org/presentationml/2006/main">
+  <p:cSld>
+    <p:spTree>
+      <p:nvGrpSpPr>
+        <p:cNvPr id="1" name=""/>
+        <p:cNvGrpSpPr/>
+        <p:nvPr/>
+      </p:nvGrpSpPr>
+      <p:grpSpPr>
+        <a:xfrm>
+          <a:off x="0" y="0"/>
+          <a:ext cx="0" cy="0"/>
+          <a:chOff x="0" y="0"/>
+          <a:chExt cx="0" cy="0"/>
+        </a:xfrm>
+      </p:grpSpPr>
+      <p:sp>
+        <p:nvSpPr>
+          <p:cNvPr id="2" name="Titolo 1">
+            <a:extLst>
+              <a:ext uri="{FF2B5EF4-FFF2-40B4-BE49-F238E27FC236}">
+                <a16:creationId xmlns:a16="http://schemas.microsoft.com/office/drawing/2014/main" id="{92260F29-11ED-4A37-8C5D-A0D4CCE9177A}"/>
+              </a:ext>
+            </a:extLst>
+          </p:cNvPr>
+          <p:cNvSpPr>
+            <a:spLocks noGrp="1"/>
+          </p:cNvSpPr>
+          <p:nvPr>
+            <p:ph type="title"/>
+          </p:nvPr>
+        </p:nvSpPr>
+        <p:spPr>
+          <a:xfrm>
+            <a:off x="576072" y="365125"/>
+            <a:ext cx="10771632" cy="1325563"/>
+          </a:xfrm>
+        </p:spPr>
+        <p:txBody>
+          <a:bodyPr anchor="ctr">
+            <a:normAutofit/>
+          </a:bodyPr>
+          <a:lstStyle/>
+          <a:p>
+            <a:r>
+              <a:rPr lang="it-IT" dirty="0">
+                <a:solidFill>
+                  <a:schemeClr val="tx1"/>
+                </a:solidFill>
+              </a:rPr>
+              <a:t>Test </a:t>
+            </a:r>
+            <a:r>
+              <a:rPr lang="it-IT" dirty="0" err="1">
+                <a:solidFill>
+                  <a:schemeClr val="tx1"/>
+                </a:solidFill>
+              </a:rPr>
+              <a:t>without</a:t>
+            </a:r>
+            <a:r>
+              <a:rPr lang="it-IT" dirty="0">
+                <a:solidFill>
+                  <a:schemeClr val="tx1"/>
+                </a:solidFill>
+              </a:rPr>
+              <a:t> </a:t>
+            </a:r>
+            <a:r>
+              <a:rPr lang="it-IT" dirty="0" err="1">
+                <a:solidFill>
+                  <a:schemeClr val="tx1"/>
+                </a:solidFill>
+              </a:rPr>
+              <a:t>rcm</a:t>
+            </a:r>
+            <a:r>
+              <a:rPr lang="it-IT" dirty="0">
+                <a:solidFill>
+                  <a:schemeClr val="tx1"/>
+                </a:solidFill>
+              </a:rPr>
+              <a:t> bcm2711</a:t>
+            </a:r>
+          </a:p>
+        </p:txBody>
+      </p:sp>
+      <p:pic>
+        <p:nvPicPr>
+          <p:cNvPr id="5" name="Segnaposto contenuto 4">
+            <a:extLst>
+              <a:ext uri="{FF2B5EF4-FFF2-40B4-BE49-F238E27FC236}">
+                <a16:creationId xmlns:a16="http://schemas.microsoft.com/office/drawing/2014/main" id="{7A141EBB-02C6-4725-81E3-A7C0AA364093}"/>
+              </a:ext>
+            </a:extLst>
+          </p:cNvPr>
+          <p:cNvPicPr>
+            <a:picLocks noGrp="1" noChangeAspect="1"/>
+          </p:cNvPicPr>
+          <p:nvPr>
+            <p:ph idx="1"/>
+          </p:nvPr>
+        </p:nvPicPr>
+        <p:blipFill>
+          <a:blip r:embed="rId2"/>
+          <a:stretch>
+            <a:fillRect/>
+          </a:stretch>
+        </p:blipFill>
+        <p:spPr>
+          <a:xfrm>
+            <a:off x="356400" y="1875600"/>
+            <a:ext cx="5486400" cy="4114800"/>
+          </a:xfrm>
+        </p:spPr>
+      </p:pic>
+      <p:pic>
+        <p:nvPicPr>
+          <p:cNvPr id="7" name="Immagine 6">
+            <a:extLst>
+              <a:ext uri="{FF2B5EF4-FFF2-40B4-BE49-F238E27FC236}">
+                <a16:creationId xmlns:a16="http://schemas.microsoft.com/office/drawing/2014/main" id="{A37F1D62-8C19-4E35-9BAC-FDDD6BBF889B}"/>
+              </a:ext>
+            </a:extLst>
+          </p:cNvPr>
+          <p:cNvPicPr>
+            <a:picLocks noChangeAspect="1"/>
+          </p:cNvPicPr>
+          <p:nvPr/>
+        </p:nvPicPr>
+        <p:blipFill>
+          <a:blip r:embed="rId3"/>
+          <a:stretch>
+            <a:fillRect/>
+          </a:stretch>
+        </p:blipFill>
+        <p:spPr>
+          <a:xfrm>
+            <a:off x="6310800" y="1875600"/>
+            <a:ext cx="5486400" cy="4114800"/>
+          </a:xfrm>
+          <a:prstGeom prst="rect">
+            <a:avLst/>
+          </a:prstGeom>
+        </p:spPr>
+      </p:pic>
+    </p:spTree>
+    <p:extLst>
+      <p:ext uri="{BB962C8B-B14F-4D97-AF65-F5344CB8AC3E}">
+        <p14:creationId xmlns:p14="http://schemas.microsoft.com/office/powerpoint/2010/main" val="2267199963"/>
+      </p:ext>
+    </p:extLst>
+  </p:cSld>
+  <p:clrMapOvr>
+    <a:masterClrMapping/>
+  </p:clrMapOvr>
+</p:sld>
+</file>
+
+<file path=ppt/slides/slide18.xml><?xml version="1.0" encoding="utf-8"?>
+<p:sld xmlns:a="http://schemas.openxmlformats.org/drawingml/2006/main" xmlns:r="http://schemas.openxmlformats.org/officeDocument/2006/relationships" xmlns:p="http://schemas.openxmlformats.org/presentationml/2006/main">
+  <p:cSld>
+    <p:spTree>
+      <p:nvGrpSpPr>
+        <p:cNvPr id="1" name=""/>
+        <p:cNvGrpSpPr/>
+        <p:nvPr/>
+      </p:nvGrpSpPr>
+      <p:grpSpPr>
+        <a:xfrm>
+          <a:off x="0" y="0"/>
+          <a:ext cx="0" cy="0"/>
+          <a:chOff x="0" y="0"/>
+          <a:chExt cx="0" cy="0"/>
+        </a:xfrm>
+      </p:grpSpPr>
+      <p:sp>
+        <p:nvSpPr>
+          <p:cNvPr id="2" name="Titolo 1">
+            <a:extLst>
+              <a:ext uri="{FF2B5EF4-FFF2-40B4-BE49-F238E27FC236}">
+                <a16:creationId xmlns:a16="http://schemas.microsoft.com/office/drawing/2014/main" id="{92260F29-11ED-4A37-8C5D-A0D4CCE9177A}"/>
+              </a:ext>
+            </a:extLst>
+          </p:cNvPr>
+          <p:cNvSpPr>
+            <a:spLocks noGrp="1"/>
+          </p:cNvSpPr>
+          <p:nvPr>
+            <p:ph type="title"/>
+          </p:nvPr>
+        </p:nvSpPr>
+        <p:spPr>
+          <a:xfrm>
+            <a:off x="576072" y="365125"/>
+            <a:ext cx="10771632" cy="1325563"/>
+          </a:xfrm>
+        </p:spPr>
+        <p:txBody>
+          <a:bodyPr anchor="ctr">
+            <a:normAutofit/>
+          </a:bodyPr>
+          <a:lstStyle/>
+          <a:p>
+            <a:r>
+              <a:rPr lang="it-IT" dirty="0">
+                <a:solidFill>
+                  <a:schemeClr val="tx1"/>
+                </a:solidFill>
+              </a:rPr>
+              <a:t>Test with </a:t>
+            </a:r>
+            <a:r>
+              <a:rPr lang="it-IT" dirty="0" err="1">
+                <a:solidFill>
+                  <a:schemeClr val="tx1"/>
+                </a:solidFill>
+              </a:rPr>
+              <a:t>rcm</a:t>
+            </a:r>
+            <a:r>
+              <a:rPr lang="it-IT" dirty="0">
+                <a:solidFill>
+                  <a:schemeClr val="tx1"/>
+                </a:solidFill>
+              </a:rPr>
+              <a:t> bcm2711</a:t>
+            </a:r>
+          </a:p>
+        </p:txBody>
+      </p:sp>
+      <p:pic>
+        <p:nvPicPr>
+          <p:cNvPr id="5" name="Segnaposto contenuto 4">
+            <a:extLst>
+              <a:ext uri="{FF2B5EF4-FFF2-40B4-BE49-F238E27FC236}">
+                <a16:creationId xmlns:a16="http://schemas.microsoft.com/office/drawing/2014/main" id="{536F8BAB-1008-46DE-9427-CF0EBCEF2398}"/>
+              </a:ext>
+            </a:extLst>
+          </p:cNvPr>
+          <p:cNvPicPr>
+            <a:picLocks noGrp="1" noChangeAspect="1"/>
+          </p:cNvPicPr>
+          <p:nvPr>
+            <p:ph idx="1"/>
+          </p:nvPr>
+        </p:nvPicPr>
+        <p:blipFill>
+          <a:blip r:embed="rId2"/>
+          <a:stretch>
+            <a:fillRect/>
+          </a:stretch>
+        </p:blipFill>
+        <p:spPr>
+          <a:xfrm>
+            <a:off x="356400" y="1875600"/>
+            <a:ext cx="5486400" cy="4114800"/>
+          </a:xfrm>
+        </p:spPr>
+      </p:pic>
+      <p:pic>
+        <p:nvPicPr>
+          <p:cNvPr id="7" name="Immagine 6">
+            <a:extLst>
+              <a:ext uri="{FF2B5EF4-FFF2-40B4-BE49-F238E27FC236}">
+                <a16:creationId xmlns:a16="http://schemas.microsoft.com/office/drawing/2014/main" id="{207B272B-53D4-4251-96BD-423E3549E035}"/>
+              </a:ext>
+            </a:extLst>
+          </p:cNvPr>
+          <p:cNvPicPr>
+            <a:picLocks noChangeAspect="1"/>
+          </p:cNvPicPr>
+          <p:nvPr/>
+        </p:nvPicPr>
+        <p:blipFill>
+          <a:blip r:embed="rId3"/>
+          <a:stretch>
+            <a:fillRect/>
+          </a:stretch>
+        </p:blipFill>
+        <p:spPr>
+          <a:xfrm>
+            <a:off x="6310800" y="1875600"/>
+            <a:ext cx="5486400" cy="4114800"/>
+          </a:xfrm>
+          <a:prstGeom prst="rect">
+            <a:avLst/>
+          </a:prstGeom>
+        </p:spPr>
+      </p:pic>
+    </p:spTree>
+    <p:extLst>
+      <p:ext uri="{BB962C8B-B14F-4D97-AF65-F5344CB8AC3E}">
+        <p14:creationId xmlns:p14="http://schemas.microsoft.com/office/powerpoint/2010/main" val="1874635005"/>
+      </p:ext>
+    </p:extLst>
+  </p:cSld>
+  <p:clrMapOvr>
+    <a:masterClrMapping/>
+  </p:clrMapOvr>
+</p:sld>
+</file>
+
+<file path=ppt/slides/slide19.xml><?xml version="1.0" encoding="utf-8"?>
+<p:sld xmlns:a="http://schemas.openxmlformats.org/drawingml/2006/main" xmlns:r="http://schemas.openxmlformats.org/officeDocument/2006/relationships" xmlns:p="http://schemas.openxmlformats.org/presentationml/2006/main">
+  <p:cSld>
+    <p:spTree>
+      <p:nvGrpSpPr>
+        <p:cNvPr id="1" name=""/>
+        <p:cNvGrpSpPr/>
+        <p:nvPr/>
+      </p:nvGrpSpPr>
+      <p:grpSpPr>
+        <a:xfrm>
+          <a:off x="0" y="0"/>
+          <a:ext cx="0" cy="0"/>
+          <a:chOff x="0" y="0"/>
+          <a:chExt cx="0" cy="0"/>
+        </a:xfrm>
+      </p:grpSpPr>
+      <p:sp>
+        <p:nvSpPr>
+          <p:cNvPr id="2" name="Titolo 1">
+            <a:extLst>
+              <a:ext uri="{FF2B5EF4-FFF2-40B4-BE49-F238E27FC236}">
+                <a16:creationId xmlns:a16="http://schemas.microsoft.com/office/drawing/2014/main" id="{92260F29-11ED-4A37-8C5D-A0D4CCE9177A}"/>
+              </a:ext>
+            </a:extLst>
+          </p:cNvPr>
+          <p:cNvSpPr>
+            <a:spLocks noGrp="1"/>
+          </p:cNvSpPr>
+          <p:nvPr>
+            <p:ph type="title"/>
+          </p:nvPr>
+        </p:nvSpPr>
+        <p:spPr>
+          <a:xfrm>
+            <a:off x="576072" y="365125"/>
+            <a:ext cx="10771632" cy="1325563"/>
+          </a:xfrm>
+        </p:spPr>
+        <p:txBody>
+          <a:bodyPr anchor="ctr">
+            <a:normAutofit/>
+          </a:bodyPr>
+          <a:lstStyle/>
+          <a:p>
+            <a:r>
+              <a:rPr lang="it-IT" dirty="0" err="1">
+                <a:solidFill>
+                  <a:schemeClr val="tx1"/>
+                </a:solidFill>
+              </a:rPr>
+              <a:t>Conclusions</a:t>
+            </a:r>
+            <a:endParaRPr lang="it-IT" dirty="0">
+              <a:solidFill>
+                <a:schemeClr val="tx1"/>
+              </a:solidFill>
+            </a:endParaRPr>
+          </a:p>
+        </p:txBody>
+      </p:sp>
+      <p:sp>
+        <p:nvSpPr>
+          <p:cNvPr id="4" name="Segnaposto contenuto 3">
+            <a:extLst>
+              <a:ext uri="{FF2B5EF4-FFF2-40B4-BE49-F238E27FC236}">
+                <a16:creationId xmlns:a16="http://schemas.microsoft.com/office/drawing/2014/main" id="{35DA987C-AED4-48E5-97EA-7FB182B69141}"/>
+              </a:ext>
+            </a:extLst>
+          </p:cNvPr>
+          <p:cNvSpPr>
+            <a:spLocks noGrp="1"/>
+          </p:cNvSpPr>
+          <p:nvPr>
+            <p:ph idx="1"/>
+          </p:nvPr>
+        </p:nvSpPr>
+        <p:spPr/>
+        <p:txBody>
+          <a:bodyPr/>
+          <a:lstStyle/>
+          <a:p>
+            <a:r>
+              <a:rPr lang="it-IT" dirty="0" err="1">
+                <a:solidFill>
+                  <a:schemeClr val="tx1"/>
+                </a:solidFill>
+              </a:rPr>
+              <a:t>As</a:t>
+            </a:r>
+            <a:r>
+              <a:rPr lang="it-IT" dirty="0">
+                <a:solidFill>
+                  <a:schemeClr val="tx1"/>
+                </a:solidFill>
+              </a:rPr>
+              <a:t> </a:t>
+            </a:r>
+            <a:r>
+              <a:rPr lang="it-IT" dirty="0" err="1">
+                <a:solidFill>
+                  <a:schemeClr val="tx1"/>
+                </a:solidFill>
+              </a:rPr>
+              <a:t>we</a:t>
+            </a:r>
+            <a:r>
+              <a:rPr lang="it-IT" dirty="0">
+                <a:solidFill>
+                  <a:schemeClr val="tx1"/>
+                </a:solidFill>
+              </a:rPr>
+              <a:t> can </a:t>
+            </a:r>
+            <a:r>
+              <a:rPr lang="it-IT" dirty="0" err="1">
+                <a:solidFill>
+                  <a:schemeClr val="tx1"/>
+                </a:solidFill>
+              </a:rPr>
+              <a:t>see</a:t>
+            </a:r>
+            <a:r>
+              <a:rPr lang="it-IT" dirty="0">
+                <a:solidFill>
+                  <a:schemeClr val="tx1"/>
+                </a:solidFill>
+              </a:rPr>
+              <a:t> from the plots, testing the code on the 3900x </a:t>
+            </a:r>
+            <a:r>
+              <a:rPr lang="it-IT" dirty="0" err="1">
+                <a:solidFill>
+                  <a:schemeClr val="tx1"/>
+                </a:solidFill>
+              </a:rPr>
+              <a:t>gives</a:t>
+            </a:r>
+            <a:r>
+              <a:rPr lang="it-IT" dirty="0">
+                <a:solidFill>
+                  <a:schemeClr val="tx1"/>
+                </a:solidFill>
+              </a:rPr>
+              <a:t> comparable </a:t>
+            </a:r>
+            <a:r>
+              <a:rPr lang="it-IT" dirty="0" err="1">
+                <a:solidFill>
+                  <a:schemeClr val="tx1"/>
+                </a:solidFill>
+              </a:rPr>
+              <a:t>values</a:t>
+            </a:r>
+            <a:r>
+              <a:rPr lang="it-IT" dirty="0">
+                <a:solidFill>
+                  <a:schemeClr val="tx1"/>
+                </a:solidFill>
+              </a:rPr>
+              <a:t> running the CAHD </a:t>
+            </a:r>
+            <a:r>
+              <a:rPr lang="it-IT" dirty="0" err="1">
+                <a:solidFill>
+                  <a:schemeClr val="tx1"/>
+                </a:solidFill>
+              </a:rPr>
+              <a:t>algorithm</a:t>
+            </a:r>
+            <a:r>
+              <a:rPr lang="it-IT" dirty="0">
+                <a:solidFill>
+                  <a:schemeClr val="tx1"/>
+                </a:solidFill>
+              </a:rPr>
+              <a:t> with and </a:t>
+            </a:r>
+            <a:r>
+              <a:rPr lang="it-IT" dirty="0" err="1">
+                <a:solidFill>
+                  <a:schemeClr val="tx1"/>
+                </a:solidFill>
+              </a:rPr>
+              <a:t>without</a:t>
+            </a:r>
+            <a:r>
+              <a:rPr lang="it-IT" dirty="0">
+                <a:solidFill>
+                  <a:schemeClr val="tx1"/>
+                </a:solidFill>
+              </a:rPr>
+              <a:t> the RCM, </a:t>
+            </a:r>
+            <a:r>
+              <a:rPr lang="it-IT" dirty="0" err="1">
+                <a:solidFill>
+                  <a:schemeClr val="tx1"/>
+                </a:solidFill>
+              </a:rPr>
+              <a:t>instead</a:t>
+            </a:r>
+            <a:r>
+              <a:rPr lang="it-IT" dirty="0">
+                <a:solidFill>
+                  <a:schemeClr val="tx1"/>
+                </a:solidFill>
+              </a:rPr>
+              <a:t> with a setup </a:t>
+            </a:r>
+            <a:r>
+              <a:rPr lang="it-IT" dirty="0" err="1">
+                <a:solidFill>
+                  <a:schemeClr val="tx1"/>
+                </a:solidFill>
+              </a:rPr>
+              <a:t>that</a:t>
+            </a:r>
+            <a:r>
+              <a:rPr lang="it-IT" dirty="0">
+                <a:solidFill>
+                  <a:schemeClr val="tx1"/>
+                </a:solidFill>
+              </a:rPr>
+              <a:t> </a:t>
+            </a:r>
+            <a:r>
+              <a:rPr lang="it-IT" dirty="0" err="1">
+                <a:solidFill>
+                  <a:schemeClr val="tx1"/>
+                </a:solidFill>
+              </a:rPr>
+              <a:t>isn’t</a:t>
+            </a:r>
+            <a:r>
+              <a:rPr lang="it-IT" dirty="0">
+                <a:solidFill>
+                  <a:schemeClr val="tx1"/>
+                </a:solidFill>
+              </a:rPr>
+              <a:t> </a:t>
+            </a:r>
+            <a:r>
+              <a:rPr lang="it-IT" dirty="0" err="1">
+                <a:solidFill>
+                  <a:schemeClr val="tx1"/>
+                </a:solidFill>
+              </a:rPr>
+              <a:t>as</a:t>
+            </a:r>
+            <a:r>
+              <a:rPr lang="it-IT" dirty="0">
+                <a:solidFill>
+                  <a:schemeClr val="tx1"/>
+                </a:solidFill>
+              </a:rPr>
+              <a:t> </a:t>
+            </a:r>
+            <a:r>
+              <a:rPr lang="it-IT" dirty="0" err="1">
+                <a:solidFill>
+                  <a:schemeClr val="tx1"/>
+                </a:solidFill>
+              </a:rPr>
+              <a:t>much</a:t>
+            </a:r>
+            <a:r>
+              <a:rPr lang="it-IT" dirty="0">
+                <a:solidFill>
+                  <a:schemeClr val="tx1"/>
+                </a:solidFill>
+              </a:rPr>
+              <a:t> </a:t>
+            </a:r>
+            <a:r>
+              <a:rPr lang="it-IT" dirty="0" err="1">
+                <a:solidFill>
+                  <a:schemeClr val="tx1"/>
+                </a:solidFill>
+              </a:rPr>
+              <a:t>performing</a:t>
+            </a:r>
+            <a:r>
+              <a:rPr lang="it-IT" dirty="0">
+                <a:solidFill>
+                  <a:schemeClr val="tx1"/>
+                </a:solidFill>
+              </a:rPr>
+              <a:t>, the </a:t>
+            </a:r>
+            <a:r>
+              <a:rPr lang="it-IT" dirty="0" err="1">
+                <a:solidFill>
+                  <a:schemeClr val="tx1"/>
+                </a:solidFill>
+              </a:rPr>
+              <a:t>difference</a:t>
+            </a:r>
+            <a:r>
+              <a:rPr lang="it-IT" dirty="0">
+                <a:solidFill>
+                  <a:schemeClr val="tx1"/>
+                </a:solidFill>
+              </a:rPr>
+              <a:t> in </a:t>
+            </a:r>
+            <a:r>
+              <a:rPr lang="it-IT" dirty="0" err="1">
+                <a:solidFill>
+                  <a:schemeClr val="tx1"/>
+                </a:solidFill>
+              </a:rPr>
+              <a:t>terms</a:t>
+            </a:r>
+            <a:r>
+              <a:rPr lang="it-IT" dirty="0">
+                <a:solidFill>
+                  <a:schemeClr val="tx1"/>
+                </a:solidFill>
+              </a:rPr>
+              <a:t> of </a:t>
+            </a:r>
+            <a:r>
+              <a:rPr lang="it-IT" dirty="0" err="1">
+                <a:solidFill>
+                  <a:schemeClr val="tx1"/>
+                </a:solidFill>
+              </a:rPr>
+              <a:t>execution</a:t>
+            </a:r>
+            <a:r>
+              <a:rPr lang="it-IT" dirty="0">
+                <a:solidFill>
+                  <a:schemeClr val="tx1"/>
+                </a:solidFill>
+              </a:rPr>
+              <a:t> time can be of some seconds.</a:t>
+            </a:r>
+          </a:p>
+          <a:p>
+            <a:r>
+              <a:rPr lang="it-IT" dirty="0">
+                <a:solidFill>
+                  <a:schemeClr val="tx1"/>
+                </a:solidFill>
+              </a:rPr>
+              <a:t> </a:t>
+            </a:r>
+            <a:r>
+              <a:rPr lang="it-IT" dirty="0" err="1">
+                <a:solidFill>
+                  <a:schemeClr val="tx1"/>
+                </a:solidFill>
+              </a:rPr>
+              <a:t>We</a:t>
+            </a:r>
+            <a:r>
+              <a:rPr lang="it-IT" dirty="0">
+                <a:solidFill>
+                  <a:schemeClr val="tx1"/>
+                </a:solidFill>
+              </a:rPr>
+              <a:t> </a:t>
+            </a:r>
+            <a:r>
+              <a:rPr lang="it-IT" dirty="0" err="1">
+                <a:solidFill>
+                  <a:schemeClr val="tx1"/>
+                </a:solidFill>
+              </a:rPr>
+              <a:t>also</a:t>
+            </a:r>
+            <a:r>
+              <a:rPr lang="it-IT" dirty="0">
+                <a:solidFill>
+                  <a:schemeClr val="tx1"/>
+                </a:solidFill>
+              </a:rPr>
+              <a:t> </a:t>
+            </a:r>
+            <a:r>
+              <a:rPr lang="it-IT" dirty="0" err="1">
+                <a:solidFill>
+                  <a:schemeClr val="tx1"/>
+                </a:solidFill>
+              </a:rPr>
+              <a:t>have</a:t>
+            </a:r>
+            <a:r>
+              <a:rPr lang="it-IT" dirty="0">
+                <a:solidFill>
+                  <a:schemeClr val="tx1"/>
+                </a:solidFill>
+              </a:rPr>
+              <a:t> to take </a:t>
+            </a:r>
+            <a:r>
+              <a:rPr lang="it-IT" dirty="0" err="1">
+                <a:solidFill>
+                  <a:schemeClr val="tx1"/>
+                </a:solidFill>
+              </a:rPr>
+              <a:t>into</a:t>
+            </a:r>
+            <a:r>
+              <a:rPr lang="it-IT" dirty="0">
+                <a:solidFill>
+                  <a:schemeClr val="tx1"/>
+                </a:solidFill>
+              </a:rPr>
+              <a:t> account </a:t>
+            </a:r>
+            <a:r>
+              <a:rPr lang="it-IT" dirty="0" err="1">
+                <a:solidFill>
+                  <a:schemeClr val="tx1"/>
+                </a:solidFill>
+              </a:rPr>
+              <a:t>that</a:t>
+            </a:r>
+            <a:r>
+              <a:rPr lang="it-IT" dirty="0">
+                <a:solidFill>
+                  <a:schemeClr val="tx1"/>
+                </a:solidFill>
+              </a:rPr>
+              <a:t> Python on the </a:t>
+            </a:r>
+            <a:r>
+              <a:rPr lang="it-IT" dirty="0" err="1">
+                <a:solidFill>
+                  <a:schemeClr val="tx1"/>
+                </a:solidFill>
+              </a:rPr>
+              <a:t>Broadcom</a:t>
+            </a:r>
+            <a:r>
+              <a:rPr lang="it-IT" dirty="0">
+                <a:solidFill>
+                  <a:schemeClr val="tx1"/>
+                </a:solidFill>
+              </a:rPr>
+              <a:t> CPU </a:t>
+            </a:r>
+            <a:r>
+              <a:rPr lang="it-IT" dirty="0" err="1">
+                <a:solidFill>
+                  <a:schemeClr val="tx1"/>
+                </a:solidFill>
+              </a:rPr>
+              <a:t>that</a:t>
+            </a:r>
+            <a:r>
+              <a:rPr lang="it-IT" dirty="0">
+                <a:solidFill>
+                  <a:schemeClr val="tx1"/>
+                </a:solidFill>
+              </a:rPr>
+              <a:t> </a:t>
+            </a:r>
+            <a:r>
+              <a:rPr lang="it-IT" dirty="0" err="1">
+                <a:solidFill>
+                  <a:schemeClr val="tx1"/>
+                </a:solidFill>
+              </a:rPr>
+              <a:t>is</a:t>
+            </a:r>
+            <a:r>
+              <a:rPr lang="it-IT" dirty="0">
+                <a:solidFill>
+                  <a:schemeClr val="tx1"/>
+                </a:solidFill>
+              </a:rPr>
+              <a:t> </a:t>
+            </a:r>
+            <a:r>
+              <a:rPr lang="it-IT" dirty="0" err="1">
+                <a:solidFill>
+                  <a:schemeClr val="tx1"/>
+                </a:solidFill>
+              </a:rPr>
+              <a:t>installed</a:t>
+            </a:r>
+            <a:r>
+              <a:rPr lang="it-IT" dirty="0">
+                <a:solidFill>
+                  <a:schemeClr val="tx1"/>
+                </a:solidFill>
+              </a:rPr>
+              <a:t> on a </a:t>
+            </a:r>
+            <a:r>
+              <a:rPr lang="it-IT" dirty="0" err="1">
+                <a:solidFill>
+                  <a:schemeClr val="tx1"/>
+                </a:solidFill>
+              </a:rPr>
+              <a:t>Rapberry</a:t>
+            </a:r>
+            <a:r>
+              <a:rPr lang="it-IT" dirty="0">
+                <a:solidFill>
+                  <a:schemeClr val="tx1"/>
+                </a:solidFill>
+              </a:rPr>
+              <a:t> </a:t>
+            </a:r>
+            <a:r>
+              <a:rPr lang="it-IT" dirty="0" err="1">
+                <a:solidFill>
+                  <a:schemeClr val="tx1"/>
+                </a:solidFill>
+              </a:rPr>
+              <a:t>Pi</a:t>
+            </a:r>
+            <a:r>
+              <a:rPr lang="it-IT" dirty="0">
+                <a:solidFill>
+                  <a:schemeClr val="tx1"/>
+                </a:solidFill>
+              </a:rPr>
+              <a:t> 4 </a:t>
+            </a:r>
+            <a:r>
+              <a:rPr lang="it-IT" dirty="0" err="1">
+                <a:solidFill>
+                  <a:schemeClr val="tx1"/>
+                </a:solidFill>
+              </a:rPr>
+              <a:t>runs</a:t>
+            </a:r>
+            <a:r>
+              <a:rPr lang="it-IT" dirty="0">
+                <a:solidFill>
+                  <a:schemeClr val="tx1"/>
+                </a:solidFill>
+              </a:rPr>
+              <a:t> in single core, </a:t>
+            </a:r>
+            <a:r>
+              <a:rPr lang="it-IT" dirty="0" err="1">
+                <a:solidFill>
+                  <a:schemeClr val="tx1"/>
+                </a:solidFill>
+              </a:rPr>
+              <a:t>altough</a:t>
+            </a:r>
+            <a:r>
+              <a:rPr lang="it-IT" dirty="0">
+                <a:solidFill>
+                  <a:schemeClr val="tx1"/>
+                </a:solidFill>
+              </a:rPr>
+              <a:t> </a:t>
+            </a:r>
+            <a:r>
+              <a:rPr lang="it-IT" dirty="0" err="1">
+                <a:solidFill>
+                  <a:schemeClr val="tx1"/>
+                </a:solidFill>
+              </a:rPr>
+              <a:t>it</a:t>
+            </a:r>
+            <a:r>
+              <a:rPr lang="it-IT" dirty="0">
+                <a:solidFill>
+                  <a:schemeClr val="tx1"/>
+                </a:solidFill>
+              </a:rPr>
+              <a:t> </a:t>
+            </a:r>
+            <a:r>
+              <a:rPr lang="it-IT" dirty="0" err="1">
+                <a:solidFill>
+                  <a:schemeClr val="tx1"/>
+                </a:solidFill>
+              </a:rPr>
+              <a:t>has</a:t>
+            </a:r>
+            <a:r>
+              <a:rPr lang="it-IT" dirty="0">
+                <a:solidFill>
+                  <a:schemeClr val="tx1"/>
+                </a:solidFill>
+              </a:rPr>
+              <a:t> </a:t>
+            </a:r>
+            <a:r>
+              <a:rPr lang="it-IT" dirty="0" err="1">
+                <a:solidFill>
+                  <a:schemeClr val="tx1"/>
+                </a:solidFill>
+              </a:rPr>
+              <a:t>four</a:t>
+            </a:r>
+            <a:r>
+              <a:rPr lang="it-IT" dirty="0">
+                <a:solidFill>
+                  <a:schemeClr val="tx1"/>
+                </a:solidFill>
+              </a:rPr>
+              <a:t> cores, </a:t>
+            </a:r>
+            <a:r>
+              <a:rPr lang="it-IT" dirty="0" err="1">
+                <a:solidFill>
+                  <a:schemeClr val="tx1"/>
+                </a:solidFill>
+              </a:rPr>
+              <a:t>meaning</a:t>
+            </a:r>
+            <a:r>
+              <a:rPr lang="it-IT" dirty="0">
+                <a:solidFill>
+                  <a:schemeClr val="tx1"/>
+                </a:solidFill>
+              </a:rPr>
+              <a:t> </a:t>
+            </a:r>
+            <a:r>
+              <a:rPr lang="it-IT" dirty="0" err="1">
+                <a:solidFill>
+                  <a:schemeClr val="tx1"/>
+                </a:solidFill>
+              </a:rPr>
+              <a:t>that</a:t>
+            </a:r>
+            <a:r>
+              <a:rPr lang="it-IT" dirty="0">
+                <a:solidFill>
+                  <a:schemeClr val="tx1"/>
+                </a:solidFill>
+              </a:rPr>
+              <a:t> the performance </a:t>
+            </a:r>
+            <a:r>
+              <a:rPr lang="it-IT" dirty="0" err="1">
+                <a:solidFill>
+                  <a:schemeClr val="tx1"/>
+                </a:solidFill>
+              </a:rPr>
+              <a:t>have</a:t>
+            </a:r>
+            <a:r>
+              <a:rPr lang="it-IT" dirty="0">
+                <a:solidFill>
+                  <a:schemeClr val="tx1"/>
+                </a:solidFill>
+              </a:rPr>
+              <a:t> a </a:t>
+            </a:r>
+            <a:r>
+              <a:rPr lang="it-IT" dirty="0" err="1">
+                <a:solidFill>
+                  <a:schemeClr val="tx1"/>
+                </a:solidFill>
+              </a:rPr>
+              <a:t>bottleneck</a:t>
+            </a:r>
+            <a:r>
+              <a:rPr lang="it-IT" dirty="0">
+                <a:solidFill>
+                  <a:schemeClr val="tx1"/>
+                </a:solidFill>
+              </a:rPr>
+              <a:t>.</a:t>
+            </a:r>
+          </a:p>
+        </p:txBody>
+      </p:sp>
+    </p:spTree>
+    <p:extLst>
+      <p:ext uri="{BB962C8B-B14F-4D97-AF65-F5344CB8AC3E}">
+        <p14:creationId xmlns:p14="http://schemas.microsoft.com/office/powerpoint/2010/main" val="1819767270"/>
       </p:ext>
     </p:extLst>
   </p:cSld>
@@ -13922,6 +15394,13 @@
         <p:txBody>
           <a:bodyPr/>
           <a:lstStyle/>
+          <a:p>
+            <a:endParaRPr lang="it-IT" dirty="0">
+              <a:solidFill>
+                <a:schemeClr val="tx1"/>
+              </a:solidFill>
+            </a:endParaRPr>
+          </a:p>
           <a:p>
             <a:r>
               <a:rPr lang="it-IT" dirty="0">
@@ -15990,142 +17469,11 @@
                 <a:spcPct val="110000"/>
               </a:lnSpc>
             </a:pPr>
-            <a:r>
-              <a:rPr lang="it-IT" dirty="0" err="1">
-                <a:solidFill>
-                  <a:schemeClr val="tx1"/>
-                </a:solidFill>
-              </a:rPr>
-              <a:t>We</a:t>
-            </a:r>
-            <a:r>
-              <a:rPr lang="it-IT" dirty="0">
-                <a:solidFill>
-                  <a:schemeClr val="tx1"/>
-                </a:solidFill>
-              </a:rPr>
-              <a:t> </a:t>
-            </a:r>
-            <a:r>
-              <a:rPr lang="it-IT" dirty="0" err="1">
-                <a:solidFill>
-                  <a:schemeClr val="tx1"/>
-                </a:solidFill>
-              </a:rPr>
-              <a:t>have</a:t>
-            </a:r>
-            <a:r>
-              <a:rPr lang="it-IT" dirty="0">
-                <a:solidFill>
-                  <a:schemeClr val="tx1"/>
-                </a:solidFill>
-              </a:rPr>
-              <a:t> </a:t>
-            </a:r>
-            <a:r>
-              <a:rPr lang="it-IT" dirty="0" err="1">
-                <a:solidFill>
-                  <a:schemeClr val="tx1"/>
-                </a:solidFill>
-              </a:rPr>
-              <a:t>evaluated</a:t>
-            </a:r>
-            <a:r>
-              <a:rPr lang="it-IT" dirty="0">
-                <a:solidFill>
-                  <a:schemeClr val="tx1"/>
-                </a:solidFill>
-              </a:rPr>
-              <a:t> </a:t>
-            </a:r>
-            <a:r>
-              <a:rPr lang="it-IT" dirty="0" err="1">
-                <a:solidFill>
-                  <a:schemeClr val="tx1"/>
-                </a:solidFill>
-              </a:rPr>
-              <a:t>our</a:t>
-            </a:r>
-            <a:r>
-              <a:rPr lang="it-IT" dirty="0">
-                <a:solidFill>
-                  <a:schemeClr val="tx1"/>
-                </a:solidFill>
-              </a:rPr>
-              <a:t> </a:t>
-            </a:r>
-            <a:r>
-              <a:rPr lang="it-IT" dirty="0" err="1">
-                <a:solidFill>
-                  <a:schemeClr val="tx1"/>
-                </a:solidFill>
-              </a:rPr>
-              <a:t>implementation</a:t>
-            </a:r>
-            <a:r>
-              <a:rPr lang="it-IT" dirty="0">
-                <a:solidFill>
-                  <a:schemeClr val="tx1"/>
-                </a:solidFill>
-              </a:rPr>
-              <a:t> of the CAHD </a:t>
-            </a:r>
-            <a:r>
-              <a:rPr lang="it-IT" dirty="0" err="1">
-                <a:solidFill>
-                  <a:schemeClr val="tx1"/>
-                </a:solidFill>
-              </a:rPr>
-              <a:t>algorithm</a:t>
-            </a:r>
-            <a:r>
-              <a:rPr lang="it-IT" dirty="0">
-                <a:solidFill>
-                  <a:schemeClr val="tx1"/>
-                </a:solidFill>
-              </a:rPr>
-              <a:t> with </a:t>
-            </a:r>
-            <a:r>
-              <a:rPr lang="it-IT" dirty="0" err="1">
-                <a:solidFill>
-                  <a:schemeClr val="tx1"/>
-                </a:solidFill>
-              </a:rPr>
-              <a:t>two</a:t>
-            </a:r>
-            <a:r>
-              <a:rPr lang="it-IT" dirty="0">
-                <a:solidFill>
-                  <a:schemeClr val="tx1"/>
-                </a:solidFill>
-              </a:rPr>
-              <a:t> </a:t>
-            </a:r>
-            <a:r>
-              <a:rPr lang="it-IT" dirty="0" err="1">
-                <a:solidFill>
-                  <a:schemeClr val="tx1"/>
-                </a:solidFill>
-              </a:rPr>
-              <a:t>differents</a:t>
-            </a:r>
-            <a:r>
-              <a:rPr lang="it-IT" dirty="0">
-                <a:solidFill>
-                  <a:schemeClr val="tx1"/>
-                </a:solidFill>
-              </a:rPr>
-              <a:t> datasets, </a:t>
-            </a:r>
-            <a:r>
-              <a:rPr lang="en-US" dirty="0">
-                <a:solidFill>
-                  <a:schemeClr val="tx1"/>
-                </a:solidFill>
-              </a:rPr>
-              <a:t>BMSWebView1 (BMS1) and BMSWebView2 (BMS2), using a thousand items.</a:t>
-            </a:r>
+            <a:endParaRPr lang="it-IT" dirty="0">
+              <a:solidFill>
+                <a:schemeClr val="tx1"/>
+              </a:solidFill>
+            </a:endParaRPr>
           </a:p>
           <a:p>
             <a:pPr>
@@ -16134,12 +17482,140 @@
               </a:lnSpc>
             </a:pPr>
             <a:r>
+              <a:rPr lang="it-IT" dirty="0" err="1">
+                <a:solidFill>
+                  <a:schemeClr val="tx1"/>
+                </a:solidFill>
+              </a:rPr>
+              <a:t>We</a:t>
+            </a:r>
+            <a:r>
+              <a:rPr lang="it-IT" dirty="0">
+                <a:solidFill>
+                  <a:schemeClr val="tx1"/>
+                </a:solidFill>
+              </a:rPr>
+              <a:t> </a:t>
+            </a:r>
+            <a:r>
+              <a:rPr lang="it-IT" dirty="0" err="1">
+                <a:solidFill>
+                  <a:schemeClr val="tx1"/>
+                </a:solidFill>
+              </a:rPr>
+              <a:t>have</a:t>
+            </a:r>
+            <a:r>
+              <a:rPr lang="it-IT" dirty="0">
+                <a:solidFill>
+                  <a:schemeClr val="tx1"/>
+                </a:solidFill>
+              </a:rPr>
+              <a:t> </a:t>
+            </a:r>
+            <a:r>
+              <a:rPr lang="it-IT" dirty="0" err="1">
+                <a:solidFill>
+                  <a:schemeClr val="tx1"/>
+                </a:solidFill>
+              </a:rPr>
+              <a:t>evaluated</a:t>
+            </a:r>
+            <a:r>
+              <a:rPr lang="it-IT" dirty="0">
+                <a:solidFill>
+                  <a:schemeClr val="tx1"/>
+                </a:solidFill>
+              </a:rPr>
+              <a:t> </a:t>
+            </a:r>
+            <a:r>
+              <a:rPr lang="it-IT" dirty="0" err="1">
+                <a:solidFill>
+                  <a:schemeClr val="tx1"/>
+                </a:solidFill>
+              </a:rPr>
+              <a:t>our</a:t>
+            </a:r>
+            <a:r>
+              <a:rPr lang="it-IT" dirty="0">
+                <a:solidFill>
+                  <a:schemeClr val="tx1"/>
+                </a:solidFill>
+              </a:rPr>
+              <a:t> </a:t>
+            </a:r>
+            <a:r>
+              <a:rPr lang="it-IT" dirty="0" err="1">
+                <a:solidFill>
+                  <a:schemeClr val="tx1"/>
+                </a:solidFill>
+              </a:rPr>
+              <a:t>implementation</a:t>
+            </a:r>
+            <a:r>
+              <a:rPr lang="it-IT" dirty="0">
+                <a:solidFill>
+                  <a:schemeClr val="tx1"/>
+                </a:solidFill>
+              </a:rPr>
+              <a:t> of the CAHD </a:t>
+            </a:r>
+            <a:r>
+              <a:rPr lang="it-IT" dirty="0" err="1">
+                <a:solidFill>
+                  <a:schemeClr val="tx1"/>
+                </a:solidFill>
+              </a:rPr>
+              <a:t>algorithm</a:t>
+            </a:r>
+            <a:r>
+              <a:rPr lang="it-IT" dirty="0">
+                <a:solidFill>
+                  <a:schemeClr val="tx1"/>
+                </a:solidFill>
+              </a:rPr>
+              <a:t> with </a:t>
+            </a:r>
+            <a:r>
+              <a:rPr lang="it-IT" dirty="0" err="1">
+                <a:solidFill>
+                  <a:schemeClr val="tx1"/>
+                </a:solidFill>
+              </a:rPr>
+              <a:t>two</a:t>
+            </a:r>
+            <a:r>
+              <a:rPr lang="it-IT" dirty="0">
+                <a:solidFill>
+                  <a:schemeClr val="tx1"/>
+                </a:solidFill>
+              </a:rPr>
+              <a:t> </a:t>
+            </a:r>
+            <a:r>
+              <a:rPr lang="it-IT" dirty="0" err="1">
+                <a:solidFill>
+                  <a:schemeClr val="tx1"/>
+                </a:solidFill>
+              </a:rPr>
+              <a:t>differents</a:t>
+            </a:r>
+            <a:r>
+              <a:rPr lang="it-IT" dirty="0">
+                <a:solidFill>
+                  <a:schemeClr val="tx1"/>
+                </a:solidFill>
+              </a:rPr>
+              <a:t> datasets, </a:t>
+            </a:r>
+            <a:r>
               <a:rPr lang="en-US" dirty="0">
                 <a:solidFill>
                   <a:schemeClr val="tx1"/>
                 </a:solidFill>
               </a:rPr>
-              <a:t>We have organized the data as a band matrix, so that consecutive rows are likely to share a large number of common items. Band matrix organization has been acknowledged as a beneficial mode to represent sparse data in various scientific applications.</a:t>
+              <a:t>BMSWebView1 (BMS1) and BMSWebView2 (BMS2), using a thousand items.</a:t>
             </a:r>
           </a:p>
           <a:p>
@@ -16148,11 +17624,14 @@
                 <a:spcPct val="110000"/>
               </a:lnSpc>
             </a:pPr>
-            <a:endParaRPr lang="en-US" dirty="0">
-              <a:solidFill>
-                <a:schemeClr val="tx1"/>
-              </a:solidFill>
-            </a:endParaRPr>
+            <a:r>
+              <a:rPr lang="en-US" dirty="0">
+                <a:solidFill>
+                  <a:schemeClr val="tx1"/>
+                </a:solidFill>
+              </a:rPr>
+              <a:t>We have organized the data as a band matrix, so that consecutive rows are likely to share a large number of common items. Band matrix organization has been acknowledged as a beneficial mode to represent sparse data in various scientific applications.</a:t>
+            </a:r>
           </a:p>
           <a:p>
             <a:pPr>
@@ -16289,8 +17768,8 @@
         </p:blipFill>
         <p:spPr>
           <a:xfrm>
-            <a:off x="361610" y="1875840"/>
-            <a:ext cx="5521325" cy="4121737"/>
+            <a:off x="355258" y="1875840"/>
+            <a:ext cx="5486400" cy="4114800"/>
           </a:xfrm>
         </p:spPr>
       </p:pic>
@@ -16317,7 +17796,7 @@
         <p:spPr>
           <a:xfrm>
             <a:off x="6309067" y="1875840"/>
-            <a:ext cx="5527675" cy="4126478"/>
+            <a:ext cx="5486400" cy="4114800"/>
           </a:xfrm>
           <a:prstGeom prst="rect">
             <a:avLst/>
@@ -17168,15 +18647,6 @@
 </file>
 
 <file path=customXml/item1.xml><?xml version="1.0" encoding="utf-8"?>
-<?mso-contentType ?>
-<FormTemplates xmlns="http://schemas.microsoft.com/sharepoint/v3/contenttype/forms">
-  <Display>DocumentLibraryForm</Display>
-  <Edit>DocumentLibraryForm</Edit>
-  <New>DocumentLibraryForm</New>
-</FormTemplates>
-</file>
-
-<file path=customXml/item2.xml><?xml version="1.0" encoding="utf-8"?>
 <ct:contentTypeSchema xmlns:ct="http://schemas.microsoft.com/office/2006/metadata/contentType" xmlns:ma="http://schemas.microsoft.com/office/2006/metadata/properties/metaAttributes" ct:_="" ma:_="" ma:contentTypeName="Document" ma:contentTypeID="0x01010079F111ED35F8CC479449609E8A0923A6" ma:contentTypeVersion="12" ma:contentTypeDescription="Create a new document." ma:contentTypeScope="" ma:versionID="426e97fa315356fffbdcd9876fe988c2">
   <xsd:schema xmlns:xsd="http://www.w3.org/2001/XMLSchema" xmlns:xs="http://www.w3.org/2001/XMLSchema" xmlns:p="http://schemas.microsoft.com/office/2006/metadata/properties" xmlns:ns2="71af3243-3dd4-4a8d-8c0d-dd76da1f02a5" xmlns:ns3="16c05727-aa75-4e4a-9b5f-8a80a1165891" targetNamespace="http://schemas.microsoft.com/office/2006/metadata/properties" ma:root="true" ma:fieldsID="14b8f0def80e6d70ce3def20c90759ae" ns2:_="" ns3:_="">
     <xsd:import namespace="71af3243-3dd4-4a8d-8c0d-dd76da1f02a5"/>
@@ -17397,6 +18867,15 @@
 </ct:contentTypeSchema>
 </file>
 
+<file path=customXml/item2.xml><?xml version="1.0" encoding="utf-8"?>
+<?mso-contentType ?>
+<FormTemplates xmlns="http://schemas.microsoft.com/sharepoint/v3/contenttype/forms">
+  <Display>DocumentLibraryForm</Display>
+  <Edit>DocumentLibraryForm</Edit>
+  <New>DocumentLibraryForm</New>
+</FormTemplates>
+</file>
+
 <file path=customXml/item3.xml><?xml version="1.0" encoding="utf-8"?>
 <p:properties xmlns:p="http://schemas.microsoft.com/office/2006/metadata/properties" xmlns:xsi="http://www.w3.org/2001/XMLSchema-instance" xmlns:pc="http://schemas.microsoft.com/office/infopath/2007/PartnerControls">
   <documentManagement>
@@ -17407,14 +18886,6 @@
 </file>
 
 <file path=customXml/itemProps1.xml><?xml version="1.0" encoding="utf-8"?>
-<ds:datastoreItem xmlns:ds="http://schemas.openxmlformats.org/officeDocument/2006/customXml" ds:itemID="{3C8E00D1-8EA3-4E42-801D-0253E1EAFC21}">
-  <ds:schemaRefs>
-    <ds:schemaRef ds:uri="http://schemas.microsoft.com/sharepoint/v3/contenttype/forms"/>
-  </ds:schemaRefs>
-</ds:datastoreItem>
-</file>
-
-<file path=customXml/itemProps2.xml><?xml version="1.0" encoding="utf-8"?>
 <ds:datastoreItem xmlns:ds="http://schemas.openxmlformats.org/officeDocument/2006/customXml" ds:itemID="{ABC329F5-30EE-4BF7-AA2A-B837B51416B4}">
   <ds:schemaRefs>
     <ds:schemaRef ds:uri="http://schemas.microsoft.com/office/2006/metadata/contentType"/>
@@ -17433,6 +18904,14 @@
 </ds:datastoreItem>
 </file>
 
+<file path=customXml/itemProps2.xml><?xml version="1.0" encoding="utf-8"?>
+<ds:datastoreItem xmlns:ds="http://schemas.openxmlformats.org/officeDocument/2006/customXml" ds:itemID="{3C8E00D1-8EA3-4E42-801D-0253E1EAFC21}">
+  <ds:schemaRefs>
+    <ds:schemaRef ds:uri="http://schemas.microsoft.com/sharepoint/v3/contenttype/forms"/>
+  </ds:schemaRefs>
+</ds:datastoreItem>
+</file>
+
 <file path=customXml/itemProps3.xml><?xml version="1.0" encoding="utf-8"?>
 <ds:datastoreItem xmlns:ds="http://schemas.openxmlformats.org/officeDocument/2006/customXml" ds:itemID="{99919F73-B6C2-4A43-95E2-833EC48925FE}">
   <ds:schemaRefs>

--- a/Presentazione/presentazione.pptx
+++ b/Presentazione/presentazione.pptx
@@ -255,7 +255,7 @@
           <a:p>
             <a:fld id="{73EDD7B2-2DB1-4292-9CED-B6D9BDCC5040}" type="datetime1">
               <a:rPr lang="it-IT" smtClean="0"/>
-              <a:t>09/06/2021</a:t>
+              <a:t>10/06/2021</a:t>
             </a:fld>
             <a:endParaRPr lang="it-IT" dirty="0"/>
           </a:p>
@@ -435,7 +435,7 @@
             <a:fld id="{456F714F-066B-41A5-A6BD-50516EB8C346}" type="datetime1">
               <a:rPr lang="it-IT" smtClean="0"/>
               <a:pPr/>
-              <a:t>09/06/2021</a:t>
+              <a:t>10/06/2021</a:t>
             </a:fld>
             <a:endParaRPr lang="it-IT" dirty="0"/>
           </a:p>
@@ -12846,7 +12846,23 @@
                   <a:schemeClr val="tx1"/>
                 </a:solidFill>
               </a:rPr>
-              <a:t> BCM2711 @ 1.5 GHz with 8 GB LPDDR4 @ </a:t>
+              <a:t> BCM2711 @ 1.5 GHz </a:t>
+            </a:r>
+            <a:r>
+              <a:rPr lang="it-IT" sz="2600">
+                <a:solidFill>
+                  <a:schemeClr val="tx1"/>
+                </a:solidFill>
+              </a:rPr>
+              <a:t>with 4 </a:t>
+            </a:r>
+            <a:r>
+              <a:rPr lang="it-IT" sz="2600" dirty="0">
+                <a:solidFill>
+                  <a:schemeClr val="tx1"/>
+                </a:solidFill>
+              </a:rPr>
+              <a:t>GB LPDDR4 @ </a:t>
             </a:r>
             <a:r>
               <a:rPr lang="it-IT" sz="2600">
@@ -18647,6 +18663,15 @@
 </file>
 
 <file path=customXml/item1.xml><?xml version="1.0" encoding="utf-8"?>
+<?mso-contentType ?>
+<FormTemplates xmlns="http://schemas.microsoft.com/sharepoint/v3/contenttype/forms">
+  <Display>DocumentLibraryForm</Display>
+  <Edit>DocumentLibraryForm</Edit>
+  <New>DocumentLibraryForm</New>
+</FormTemplates>
+</file>
+
+<file path=customXml/item2.xml><?xml version="1.0" encoding="utf-8"?>
 <ct:contentTypeSchema xmlns:ct="http://schemas.microsoft.com/office/2006/metadata/contentType" xmlns:ma="http://schemas.microsoft.com/office/2006/metadata/properties/metaAttributes" ct:_="" ma:_="" ma:contentTypeName="Document" ma:contentTypeID="0x01010079F111ED35F8CC479449609E8A0923A6" ma:contentTypeVersion="12" ma:contentTypeDescription="Create a new document." ma:contentTypeScope="" ma:versionID="426e97fa315356fffbdcd9876fe988c2">
   <xsd:schema xmlns:xsd="http://www.w3.org/2001/XMLSchema" xmlns:xs="http://www.w3.org/2001/XMLSchema" xmlns:p="http://schemas.microsoft.com/office/2006/metadata/properties" xmlns:ns2="71af3243-3dd4-4a8d-8c0d-dd76da1f02a5" xmlns:ns3="16c05727-aa75-4e4a-9b5f-8a80a1165891" targetNamespace="http://schemas.microsoft.com/office/2006/metadata/properties" ma:root="true" ma:fieldsID="14b8f0def80e6d70ce3def20c90759ae" ns2:_="" ns3:_="">
     <xsd:import namespace="71af3243-3dd4-4a8d-8c0d-dd76da1f02a5"/>
@@ -18867,15 +18892,6 @@
 </ct:contentTypeSchema>
 </file>
 
-<file path=customXml/item2.xml><?xml version="1.0" encoding="utf-8"?>
-<?mso-contentType ?>
-<FormTemplates xmlns="http://schemas.microsoft.com/sharepoint/v3/contenttype/forms">
-  <Display>DocumentLibraryForm</Display>
-  <Edit>DocumentLibraryForm</Edit>
-  <New>DocumentLibraryForm</New>
-</FormTemplates>
-</file>
-
 <file path=customXml/item3.xml><?xml version="1.0" encoding="utf-8"?>
 <p:properties xmlns:p="http://schemas.microsoft.com/office/2006/metadata/properties" xmlns:xsi="http://www.w3.org/2001/XMLSchema-instance" xmlns:pc="http://schemas.microsoft.com/office/infopath/2007/PartnerControls">
   <documentManagement>
@@ -18886,6 +18902,14 @@
 </file>
 
 <file path=customXml/itemProps1.xml><?xml version="1.0" encoding="utf-8"?>
+<ds:datastoreItem xmlns:ds="http://schemas.openxmlformats.org/officeDocument/2006/customXml" ds:itemID="{3C8E00D1-8EA3-4E42-801D-0253E1EAFC21}">
+  <ds:schemaRefs>
+    <ds:schemaRef ds:uri="http://schemas.microsoft.com/sharepoint/v3/contenttype/forms"/>
+  </ds:schemaRefs>
+</ds:datastoreItem>
+</file>
+
+<file path=customXml/itemProps2.xml><?xml version="1.0" encoding="utf-8"?>
 <ds:datastoreItem xmlns:ds="http://schemas.openxmlformats.org/officeDocument/2006/customXml" ds:itemID="{ABC329F5-30EE-4BF7-AA2A-B837B51416B4}">
   <ds:schemaRefs>
     <ds:schemaRef ds:uri="http://schemas.microsoft.com/office/2006/metadata/contentType"/>
@@ -18904,14 +18928,6 @@
 </ds:datastoreItem>
 </file>
 
-<file path=customXml/itemProps2.xml><?xml version="1.0" encoding="utf-8"?>
-<ds:datastoreItem xmlns:ds="http://schemas.openxmlformats.org/officeDocument/2006/customXml" ds:itemID="{3C8E00D1-8EA3-4E42-801D-0253E1EAFC21}">
-  <ds:schemaRefs>
-    <ds:schemaRef ds:uri="http://schemas.microsoft.com/sharepoint/v3/contenttype/forms"/>
-  </ds:schemaRefs>
-</ds:datastoreItem>
-</file>
-
 <file path=customXml/itemProps3.xml><?xml version="1.0" encoding="utf-8"?>
 <ds:datastoreItem xmlns:ds="http://schemas.openxmlformats.org/officeDocument/2006/customXml" ds:itemID="{99919F73-B6C2-4A43-95E2-833EC48925FE}">
   <ds:schemaRefs>

--- a/Presentazione/presentazione.pptx
+++ b/Presentazione/presentazione.pptx
@@ -255,7 +255,7 @@
           <a:p>
             <a:fld id="{73EDD7B2-2DB1-4292-9CED-B6D9BDCC5040}" type="datetime1">
               <a:rPr lang="it-IT" smtClean="0"/>
-              <a:t>10/06/2021</a:t>
+              <a:t>14/06/2021</a:t>
             </a:fld>
             <a:endParaRPr lang="it-IT" dirty="0"/>
           </a:p>
@@ -435,7 +435,7 @@
             <a:fld id="{456F714F-066B-41A5-A6BD-50516EB8C346}" type="datetime1">
               <a:rPr lang="it-IT" smtClean="0"/>
               <a:pPr/>
-              <a:t>10/06/2021</a:t>
+              <a:t>14/06/2021</a:t>
             </a:fld>
             <a:endParaRPr lang="it-IT" dirty="0"/>
           </a:p>
@@ -12686,7 +12686,7 @@
                   <a:schemeClr val="tx1"/>
                 </a:solidFill>
               </a:rPr>
-              <a:t> an idea on the impact on the </a:t>
+              <a:t> an idea of the impact on the </a:t>
             </a:r>
             <a:r>
               <a:rPr lang="it-IT" sz="2600" dirty="0" err="1">
@@ -12846,31 +12846,7 @@
                   <a:schemeClr val="tx1"/>
                 </a:solidFill>
               </a:rPr>
-              <a:t> BCM2711 @ 1.5 GHz </a:t>
-            </a:r>
-            <a:r>
-              <a:rPr lang="it-IT" sz="2600">
-                <a:solidFill>
-                  <a:schemeClr val="tx1"/>
-                </a:solidFill>
-              </a:rPr>
-              <a:t>with 4 </a:t>
-            </a:r>
-            <a:r>
-              <a:rPr lang="it-IT" sz="2600" dirty="0">
-                <a:solidFill>
-                  <a:schemeClr val="tx1"/>
-                </a:solidFill>
-              </a:rPr>
-              <a:t>GB LPDDR4 @ </a:t>
-            </a:r>
-            <a:r>
-              <a:rPr lang="it-IT" sz="2600">
-                <a:solidFill>
-                  <a:schemeClr val="tx1"/>
-                </a:solidFill>
-              </a:rPr>
-              <a:t>3200 MHz.</a:t>
+              <a:t> BCM2711 @ 1.5 GHz with 4 GB LPDDR4 @ 3200 MHz.</a:t>
             </a:r>
             <a:endParaRPr lang="en-US" sz="2600" dirty="0">
               <a:solidFill>
@@ -18663,15 +18639,6 @@
 </file>
 
 <file path=customXml/item1.xml><?xml version="1.0" encoding="utf-8"?>
-<?mso-contentType ?>
-<FormTemplates xmlns="http://schemas.microsoft.com/sharepoint/v3/contenttype/forms">
-  <Display>DocumentLibraryForm</Display>
-  <Edit>DocumentLibraryForm</Edit>
-  <New>DocumentLibraryForm</New>
-</FormTemplates>
-</file>
-
-<file path=customXml/item2.xml><?xml version="1.0" encoding="utf-8"?>
 <ct:contentTypeSchema xmlns:ct="http://schemas.microsoft.com/office/2006/metadata/contentType" xmlns:ma="http://schemas.microsoft.com/office/2006/metadata/properties/metaAttributes" ct:_="" ma:_="" ma:contentTypeName="Document" ma:contentTypeID="0x01010079F111ED35F8CC479449609E8A0923A6" ma:contentTypeVersion="12" ma:contentTypeDescription="Create a new document." ma:contentTypeScope="" ma:versionID="426e97fa315356fffbdcd9876fe988c2">
   <xsd:schema xmlns:xsd="http://www.w3.org/2001/XMLSchema" xmlns:xs="http://www.w3.org/2001/XMLSchema" xmlns:p="http://schemas.microsoft.com/office/2006/metadata/properties" xmlns:ns2="71af3243-3dd4-4a8d-8c0d-dd76da1f02a5" xmlns:ns3="16c05727-aa75-4e4a-9b5f-8a80a1165891" targetNamespace="http://schemas.microsoft.com/office/2006/metadata/properties" ma:root="true" ma:fieldsID="14b8f0def80e6d70ce3def20c90759ae" ns2:_="" ns3:_="">
     <xsd:import namespace="71af3243-3dd4-4a8d-8c0d-dd76da1f02a5"/>
@@ -18892,6 +18859,15 @@
 </ct:contentTypeSchema>
 </file>
 
+<file path=customXml/item2.xml><?xml version="1.0" encoding="utf-8"?>
+<?mso-contentType ?>
+<FormTemplates xmlns="http://schemas.microsoft.com/sharepoint/v3/contenttype/forms">
+  <Display>DocumentLibraryForm</Display>
+  <Edit>DocumentLibraryForm</Edit>
+  <New>DocumentLibraryForm</New>
+</FormTemplates>
+</file>
+
 <file path=customXml/item3.xml><?xml version="1.0" encoding="utf-8"?>
 <p:properties xmlns:p="http://schemas.microsoft.com/office/2006/metadata/properties" xmlns:xsi="http://www.w3.org/2001/XMLSchema-instance" xmlns:pc="http://schemas.microsoft.com/office/infopath/2007/PartnerControls">
   <documentManagement>
@@ -18902,14 +18878,6 @@
 </file>
 
 <file path=customXml/itemProps1.xml><?xml version="1.0" encoding="utf-8"?>
-<ds:datastoreItem xmlns:ds="http://schemas.openxmlformats.org/officeDocument/2006/customXml" ds:itemID="{3C8E00D1-8EA3-4E42-801D-0253E1EAFC21}">
-  <ds:schemaRefs>
-    <ds:schemaRef ds:uri="http://schemas.microsoft.com/sharepoint/v3/contenttype/forms"/>
-  </ds:schemaRefs>
-</ds:datastoreItem>
-</file>
-
-<file path=customXml/itemProps2.xml><?xml version="1.0" encoding="utf-8"?>
 <ds:datastoreItem xmlns:ds="http://schemas.openxmlformats.org/officeDocument/2006/customXml" ds:itemID="{ABC329F5-30EE-4BF7-AA2A-B837B51416B4}">
   <ds:schemaRefs>
     <ds:schemaRef ds:uri="http://schemas.microsoft.com/office/2006/metadata/contentType"/>
@@ -18928,6 +18896,14 @@
 </ds:datastoreItem>
 </file>
 
+<file path=customXml/itemProps2.xml><?xml version="1.0" encoding="utf-8"?>
+<ds:datastoreItem xmlns:ds="http://schemas.openxmlformats.org/officeDocument/2006/customXml" ds:itemID="{3C8E00D1-8EA3-4E42-801D-0253E1EAFC21}">
+  <ds:schemaRefs>
+    <ds:schemaRef ds:uri="http://schemas.microsoft.com/sharepoint/v3/contenttype/forms"/>
+  </ds:schemaRefs>
+</ds:datastoreItem>
+</file>
+
 <file path=customXml/itemProps3.xml><?xml version="1.0" encoding="utf-8"?>
 <ds:datastoreItem xmlns:ds="http://schemas.openxmlformats.org/officeDocument/2006/customXml" ds:itemID="{99919F73-B6C2-4A43-95E2-833EC48925FE}">
   <ds:schemaRefs>

--- a/Presentazione/presentazione.pptx
+++ b/Presentazione/presentazione.pptx
@@ -5,31 +5,29 @@
     <p:sldMasterId id="2147483696" r:id="rId4"/>
   </p:sldMasterIdLst>
   <p:notesMasterIdLst>
-    <p:notesMasterId r:id="rId24"/>
+    <p:notesMasterId r:id="rId22"/>
   </p:notesMasterIdLst>
   <p:handoutMasterIdLst>
-    <p:handoutMasterId r:id="rId25"/>
+    <p:handoutMasterId r:id="rId23"/>
   </p:handoutMasterIdLst>
   <p:sldIdLst>
     <p:sldId id="306" r:id="rId5"/>
     <p:sldId id="315" r:id="rId6"/>
-    <p:sldId id="319" r:id="rId7"/>
-    <p:sldId id="316" r:id="rId8"/>
-    <p:sldId id="321" r:id="rId9"/>
-    <p:sldId id="317" r:id="rId10"/>
-    <p:sldId id="318" r:id="rId11"/>
-    <p:sldId id="322" r:id="rId12"/>
-    <p:sldId id="324" r:id="rId13"/>
-    <p:sldId id="325" r:id="rId14"/>
-    <p:sldId id="326" r:id="rId15"/>
-    <p:sldId id="327" r:id="rId16"/>
-    <p:sldId id="328" r:id="rId17"/>
-    <p:sldId id="329" r:id="rId18"/>
-    <p:sldId id="330" r:id="rId19"/>
-    <p:sldId id="331" r:id="rId20"/>
-    <p:sldId id="333" r:id="rId21"/>
-    <p:sldId id="334" r:id="rId22"/>
-    <p:sldId id="332" r:id="rId23"/>
+    <p:sldId id="335" r:id="rId7"/>
+    <p:sldId id="321" r:id="rId8"/>
+    <p:sldId id="317" r:id="rId9"/>
+    <p:sldId id="322" r:id="rId10"/>
+    <p:sldId id="324" r:id="rId11"/>
+    <p:sldId id="325" r:id="rId12"/>
+    <p:sldId id="326" r:id="rId13"/>
+    <p:sldId id="327" r:id="rId14"/>
+    <p:sldId id="328" r:id="rId15"/>
+    <p:sldId id="329" r:id="rId16"/>
+    <p:sldId id="336" r:id="rId17"/>
+    <p:sldId id="338" r:id="rId18"/>
+    <p:sldId id="337" r:id="rId19"/>
+    <p:sldId id="339" r:id="rId20"/>
+    <p:sldId id="332" r:id="rId21"/>
   </p:sldIdLst>
   <p:sldSz cx="12192000" cy="6858000"/>
   <p:notesSz cx="6858000" cy="9144000"/>
@@ -161,6 +159,18 @@
 </p188:authorLst>
 </file>
 
+<file path=ppt/commentAuthors.xml><?xml version="1.0" encoding="utf-8"?>
+<p:cmAuthorLst xmlns:a="http://schemas.openxmlformats.org/drawingml/2006/main" xmlns:r="http://schemas.openxmlformats.org/officeDocument/2006/relationships" xmlns:p="http://schemas.openxmlformats.org/presentationml/2006/main">
+  <p:cmAuthor id="1" name="Luca" initials="L" lastIdx="1" clrIdx="0">
+    <p:extLst>
+      <p:ext uri="{19B8F6BF-5375-455C-9EA6-DF929625EA0E}">
+        <p15:presenceInfo xmlns:p15="http://schemas.microsoft.com/office/powerpoint/2012/main" userId="d95489d15ca34522" providerId="Windows Live"/>
+      </p:ext>
+    </p:extLst>
+  </p:cmAuthor>
+</p:cmAuthorLst>
+</file>
+
 <file path=ppt/handoutMasters/handoutMaster1.xml><?xml version="1.0" encoding="utf-8"?>
 <p:handoutMaster xmlns:a="http://schemas.openxmlformats.org/drawingml/2006/main" xmlns:r="http://schemas.openxmlformats.org/officeDocument/2006/relationships" xmlns:p="http://schemas.openxmlformats.org/presentationml/2006/main">
   <p:cSld>
@@ -255,7 +265,7 @@
           <a:p>
             <a:fld id="{73EDD7B2-2DB1-4292-9CED-B6D9BDCC5040}" type="datetime1">
               <a:rPr lang="it-IT" smtClean="0"/>
-              <a:t>09/06/2021</a:t>
+              <a:t>16/06/2021</a:t>
             </a:fld>
             <a:endParaRPr lang="it-IT" dirty="0"/>
           </a:p>
@@ -435,7 +445,7 @@
             <a:fld id="{456F714F-066B-41A5-A6BD-50516EB8C346}" type="datetime1">
               <a:rPr lang="it-IT" smtClean="0"/>
               <a:pPr/>
-              <a:t>09/06/2021</a:t>
+              <a:t>16/06/2021</a:t>
             </a:fld>
             <a:endParaRPr lang="it-IT" dirty="0"/>
           </a:p>
@@ -11699,287 +11709,7 @@
           </a:bodyPr>
           <a:lstStyle/>
           <a:p>
-            <a:r>
-              <a:rPr lang="it-IT" dirty="0">
-                <a:solidFill>
-                  <a:schemeClr val="tx1"/>
-                </a:solidFill>
-              </a:rPr>
-              <a:t>DIFFERENCES ON BMS2</a:t>
-            </a:r>
-          </a:p>
-        </p:txBody>
-      </p:sp>
-      <p:pic>
-        <p:nvPicPr>
-          <p:cNvPr id="8" name="Segnaposto contenuto 7">
-            <a:extLst>
-              <a:ext uri="{FF2B5EF4-FFF2-40B4-BE49-F238E27FC236}">
-                <a16:creationId xmlns:a16="http://schemas.microsoft.com/office/drawing/2014/main" id="{055BF788-E41D-4846-861E-84AE7F9ACE16}"/>
-              </a:ext>
-            </a:extLst>
-          </p:cNvPr>
-          <p:cNvPicPr>
-            <a:picLocks noGrp="1" noChangeAspect="1"/>
-          </p:cNvPicPr>
-          <p:nvPr>
-            <p:ph idx="1"/>
-          </p:nvPr>
-        </p:nvPicPr>
-        <p:blipFill>
-          <a:blip r:embed="rId2"/>
-          <a:stretch>
-            <a:fillRect/>
-          </a:stretch>
-        </p:blipFill>
-        <p:spPr>
-          <a:xfrm>
-            <a:off x="356400" y="1875600"/>
-            <a:ext cx="5486400" cy="4114800"/>
-          </a:xfrm>
-        </p:spPr>
-      </p:pic>
-      <p:pic>
-        <p:nvPicPr>
-          <p:cNvPr id="10" name="Immagine 9">
-            <a:extLst>
-              <a:ext uri="{FF2B5EF4-FFF2-40B4-BE49-F238E27FC236}">
-                <a16:creationId xmlns:a16="http://schemas.microsoft.com/office/drawing/2014/main" id="{38E9A67C-E928-4BF8-9201-DD6ED1400715}"/>
-              </a:ext>
-            </a:extLst>
-          </p:cNvPr>
-          <p:cNvPicPr>
-            <a:picLocks noChangeAspect="1"/>
-          </p:cNvPicPr>
-          <p:nvPr/>
-        </p:nvPicPr>
-        <p:blipFill>
-          <a:blip r:embed="rId3"/>
-          <a:stretch>
-            <a:fillRect/>
-          </a:stretch>
-        </p:blipFill>
-        <p:spPr>
-          <a:xfrm>
-            <a:off x="6310800" y="1875600"/>
-            <a:ext cx="5486400" cy="4114800"/>
-          </a:xfrm>
-          <a:prstGeom prst="rect">
-            <a:avLst/>
-          </a:prstGeom>
-        </p:spPr>
-      </p:pic>
-    </p:spTree>
-    <p:extLst>
-      <p:ext uri="{BB962C8B-B14F-4D97-AF65-F5344CB8AC3E}">
-        <p14:creationId xmlns:p14="http://schemas.microsoft.com/office/powerpoint/2010/main" val="2164925345"/>
-      </p:ext>
-    </p:extLst>
-  </p:cSld>
-  <p:clrMapOvr>
-    <a:masterClrMapping/>
-  </p:clrMapOvr>
-</p:sld>
-</file>
-
-<file path=ppt/slides/slide11.xml><?xml version="1.0" encoding="utf-8"?>
-<p:sld xmlns:a="http://schemas.openxmlformats.org/drawingml/2006/main" xmlns:r="http://schemas.openxmlformats.org/officeDocument/2006/relationships" xmlns:p="http://schemas.openxmlformats.org/presentationml/2006/main">
-  <p:cSld>
-    <p:spTree>
-      <p:nvGrpSpPr>
-        <p:cNvPr id="1" name=""/>
-        <p:cNvGrpSpPr/>
-        <p:nvPr/>
-      </p:nvGrpSpPr>
-      <p:grpSpPr>
-        <a:xfrm>
-          <a:off x="0" y="0"/>
-          <a:ext cx="0" cy="0"/>
-          <a:chOff x="0" y="0"/>
-          <a:chExt cx="0" cy="0"/>
-        </a:xfrm>
-      </p:grpSpPr>
-      <p:sp>
-        <p:nvSpPr>
-          <p:cNvPr id="2" name="Titolo 1">
-            <a:extLst>
-              <a:ext uri="{FF2B5EF4-FFF2-40B4-BE49-F238E27FC236}">
-                <a16:creationId xmlns:a16="http://schemas.microsoft.com/office/drawing/2014/main" id="{92260F29-11ED-4A37-8C5D-A0D4CCE9177A}"/>
-              </a:ext>
-            </a:extLst>
-          </p:cNvPr>
-          <p:cNvSpPr>
-            <a:spLocks noGrp="1"/>
-          </p:cNvSpPr>
-          <p:nvPr>
-            <p:ph type="title"/>
-          </p:nvPr>
-        </p:nvSpPr>
-        <p:spPr/>
-        <p:txBody>
-          <a:bodyPr/>
-          <a:lstStyle/>
-          <a:p>
-            <a:r>
-              <a:rPr lang="it-IT" dirty="0" err="1">
-                <a:solidFill>
-                  <a:schemeClr val="tx1"/>
-                </a:solidFill>
-              </a:rPr>
-              <a:t>TESting</a:t>
-            </a:r>
-            <a:endParaRPr lang="it-IT" dirty="0">
-              <a:solidFill>
-                <a:schemeClr val="tx1"/>
-              </a:solidFill>
-            </a:endParaRPr>
-          </a:p>
-        </p:txBody>
-      </p:sp>
-      <p:sp>
-        <p:nvSpPr>
-          <p:cNvPr id="3" name="Segnaposto contenuto 2">
-            <a:extLst>
-              <a:ext uri="{FF2B5EF4-FFF2-40B4-BE49-F238E27FC236}">
-                <a16:creationId xmlns:a16="http://schemas.microsoft.com/office/drawing/2014/main" id="{03F1FE39-20CD-49DD-9C63-BBB9CB6E564F}"/>
-              </a:ext>
-            </a:extLst>
-          </p:cNvPr>
-          <p:cNvSpPr>
-            <a:spLocks noGrp="1"/>
-          </p:cNvSpPr>
-          <p:nvPr>
-            <p:ph idx="1"/>
-          </p:nvPr>
-        </p:nvSpPr>
-        <p:spPr/>
-        <p:txBody>
-          <a:bodyPr>
-            <a:normAutofit/>
-          </a:bodyPr>
-          <a:lstStyle/>
-          <a:p>
-            <a:pPr>
-              <a:lnSpc>
-                <a:spcPct val="100000"/>
-              </a:lnSpc>
-            </a:pPr>
-            <a:endParaRPr lang="en-US" sz="2600" dirty="0">
-              <a:solidFill>
-                <a:schemeClr val="tx1"/>
-              </a:solidFill>
-            </a:endParaRPr>
-          </a:p>
-          <a:p>
-            <a:pPr>
-              <a:lnSpc>
-                <a:spcPct val="100000"/>
-              </a:lnSpc>
-            </a:pPr>
-            <a:r>
-              <a:rPr lang="en-US" sz="2600" dirty="0">
-                <a:solidFill>
-                  <a:schemeClr val="tx1"/>
-                </a:solidFill>
-              </a:rPr>
-              <a:t>To evaluate the reconstruction error and the execution time we have varied the privacy degree p in the range 4 - 20.</a:t>
-            </a:r>
-          </a:p>
-          <a:p>
-            <a:pPr>
-              <a:lnSpc>
-                <a:spcPct val="100000"/>
-              </a:lnSpc>
-            </a:pPr>
-            <a:r>
-              <a:rPr lang="en-US" sz="2600" dirty="0">
-                <a:solidFill>
-                  <a:schemeClr val="tx1"/>
-                </a:solidFill>
-              </a:rPr>
-              <a:t>We have used a number of m sensitive items that in the first iteration is 10 and in the second is 20.</a:t>
-            </a:r>
-          </a:p>
-          <a:p>
-            <a:pPr>
-              <a:lnSpc>
-                <a:spcPct val="100000"/>
-              </a:lnSpc>
-            </a:pPr>
-            <a:r>
-              <a:rPr lang="en-US" sz="2600" dirty="0">
-                <a:solidFill>
-                  <a:schemeClr val="tx1"/>
-                </a:solidFill>
-              </a:rPr>
-              <a:t>CAHD is time-efficient, with completion time of at most 5.5 and 4 seconds for the BMS1 and BMS2 datasets, respectively.</a:t>
-            </a:r>
-            <a:endParaRPr lang="it-IT" sz="2600" dirty="0">
-              <a:solidFill>
-                <a:schemeClr val="tx1"/>
-              </a:solidFill>
-            </a:endParaRPr>
-          </a:p>
-        </p:txBody>
-      </p:sp>
-    </p:spTree>
-    <p:extLst>
-      <p:ext uri="{BB962C8B-B14F-4D97-AF65-F5344CB8AC3E}">
-        <p14:creationId xmlns:p14="http://schemas.microsoft.com/office/powerpoint/2010/main" val="3959716325"/>
-      </p:ext>
-    </p:extLst>
-  </p:cSld>
-  <p:clrMapOvr>
-    <a:masterClrMapping/>
-  </p:clrMapOvr>
-</p:sld>
-</file>
-
-<file path=ppt/slides/slide12.xml><?xml version="1.0" encoding="utf-8"?>
-<p:sld xmlns:a="http://schemas.openxmlformats.org/drawingml/2006/main" xmlns:r="http://schemas.openxmlformats.org/officeDocument/2006/relationships" xmlns:p="http://schemas.openxmlformats.org/presentationml/2006/main">
-  <p:cSld>
-    <p:spTree>
-      <p:nvGrpSpPr>
-        <p:cNvPr id="1" name=""/>
-        <p:cNvGrpSpPr/>
-        <p:nvPr/>
-      </p:nvGrpSpPr>
-      <p:grpSpPr>
-        <a:xfrm>
-          <a:off x="0" y="0"/>
-          <a:ext cx="0" cy="0"/>
-          <a:chOff x="0" y="0"/>
-          <a:chExt cx="0" cy="0"/>
-        </a:xfrm>
-      </p:grpSpPr>
-      <p:sp>
-        <p:nvSpPr>
-          <p:cNvPr id="2" name="Titolo 1">
-            <a:extLst>
-              <a:ext uri="{FF2B5EF4-FFF2-40B4-BE49-F238E27FC236}">
-                <a16:creationId xmlns:a16="http://schemas.microsoft.com/office/drawing/2014/main" id="{92260F29-11ED-4A37-8C5D-A0D4CCE9177A}"/>
-              </a:ext>
-            </a:extLst>
-          </p:cNvPr>
-          <p:cNvSpPr>
-            <a:spLocks noGrp="1"/>
-          </p:cNvSpPr>
-          <p:nvPr>
-            <p:ph type="title"/>
-          </p:nvPr>
-        </p:nvSpPr>
-        <p:spPr>
-          <a:xfrm>
-            <a:off x="576072" y="365125"/>
-            <a:ext cx="10771632" cy="1325563"/>
-          </a:xfrm>
-        </p:spPr>
-        <p:txBody>
-          <a:bodyPr anchor="ctr">
-            <a:normAutofit/>
-          </a:bodyPr>
-          <a:lstStyle/>
-          <a:p>
+            <a:pPr algn="ctr"/>
             <a:r>
               <a:rPr lang="it-IT" dirty="0">
                 <a:solidFill>
@@ -12063,7 +11793,7 @@
 </p:sld>
 </file>
 
-<file path=ppt/slides/slide13.xml><?xml version="1.0" encoding="utf-8"?>
+<file path=ppt/slides/slide11.xml><?xml version="1.0" encoding="utf-8"?>
 <p:sld xmlns:a="http://schemas.openxmlformats.org/drawingml/2006/main" xmlns:r="http://schemas.openxmlformats.org/officeDocument/2006/relationships" xmlns:p="http://schemas.openxmlformats.org/presentationml/2006/main">
   <p:cSld>
     <p:spTree>
@@ -12108,6 +11838,7 @@
           </a:bodyPr>
           <a:lstStyle/>
           <a:p>
+            <a:pPr algn="ctr"/>
             <a:r>
               <a:rPr lang="it-IT" dirty="0">
                 <a:solidFill>
@@ -12191,6 +11922,939 @@
 </p:sld>
 </file>
 
+<file path=ppt/slides/slide12.xml><?xml version="1.0" encoding="utf-8"?>
+<p:sld xmlns:a="http://schemas.openxmlformats.org/drawingml/2006/main" xmlns:r="http://schemas.openxmlformats.org/officeDocument/2006/relationships" xmlns:p="http://schemas.openxmlformats.org/presentationml/2006/main">
+  <p:cSld>
+    <p:spTree>
+      <p:nvGrpSpPr>
+        <p:cNvPr id="1" name=""/>
+        <p:cNvGrpSpPr/>
+        <p:nvPr/>
+      </p:nvGrpSpPr>
+      <p:grpSpPr>
+        <a:xfrm>
+          <a:off x="0" y="0"/>
+          <a:ext cx="0" cy="0"/>
+          <a:chOff x="0" y="0"/>
+          <a:chExt cx="0" cy="0"/>
+        </a:xfrm>
+      </p:grpSpPr>
+      <p:sp>
+        <p:nvSpPr>
+          <p:cNvPr id="2" name="Titolo 1">
+            <a:extLst>
+              <a:ext uri="{FF2B5EF4-FFF2-40B4-BE49-F238E27FC236}">
+                <a16:creationId xmlns:a16="http://schemas.microsoft.com/office/drawing/2014/main" id="{92260F29-11ED-4A37-8C5D-A0D4CCE9177A}"/>
+              </a:ext>
+            </a:extLst>
+          </p:cNvPr>
+          <p:cNvSpPr>
+            <a:spLocks noGrp="1"/>
+          </p:cNvSpPr>
+          <p:nvPr>
+            <p:ph type="title"/>
+          </p:nvPr>
+        </p:nvSpPr>
+        <p:spPr/>
+        <p:txBody>
+          <a:bodyPr/>
+          <a:lstStyle/>
+          <a:p>
+            <a:pPr algn="ctr"/>
+            <a:r>
+              <a:rPr lang="it-IT" dirty="0">
+                <a:solidFill>
+                  <a:schemeClr val="tx1"/>
+                </a:solidFill>
+              </a:rPr>
+              <a:t>Evaluation of </a:t>
+            </a:r>
+            <a:r>
+              <a:rPr lang="it-IT" dirty="0" err="1">
+                <a:solidFill>
+                  <a:schemeClr val="tx1"/>
+                </a:solidFill>
+              </a:rPr>
+              <a:t>rcm</a:t>
+            </a:r>
+            <a:endParaRPr lang="it-IT" dirty="0">
+              <a:solidFill>
+                <a:schemeClr val="tx1"/>
+              </a:solidFill>
+            </a:endParaRPr>
+          </a:p>
+        </p:txBody>
+      </p:sp>
+      <p:sp>
+        <p:nvSpPr>
+          <p:cNvPr id="3" name="Segnaposto contenuto 2">
+            <a:extLst>
+              <a:ext uri="{FF2B5EF4-FFF2-40B4-BE49-F238E27FC236}">
+                <a16:creationId xmlns:a16="http://schemas.microsoft.com/office/drawing/2014/main" id="{03F1FE39-20CD-49DD-9C63-BBB9CB6E564F}"/>
+              </a:ext>
+            </a:extLst>
+          </p:cNvPr>
+          <p:cNvSpPr>
+            <a:spLocks noGrp="1"/>
+          </p:cNvSpPr>
+          <p:nvPr>
+            <p:ph idx="1"/>
+          </p:nvPr>
+        </p:nvSpPr>
+        <p:spPr>
+          <a:xfrm>
+            <a:off x="710184" y="1835150"/>
+            <a:ext cx="10771632" cy="4351338"/>
+          </a:xfrm>
+        </p:spPr>
+        <p:txBody>
+          <a:bodyPr>
+            <a:normAutofit lnSpcReduction="10000"/>
+          </a:bodyPr>
+          <a:lstStyle/>
+          <a:p>
+            <a:pPr>
+              <a:lnSpc>
+                <a:spcPct val="100000"/>
+              </a:lnSpc>
+            </a:pPr>
+            <a:r>
+              <a:rPr lang="it-IT" sz="2600" dirty="0">
+                <a:solidFill>
+                  <a:schemeClr val="tx1"/>
+                </a:solidFill>
+              </a:rPr>
+              <a:t>To </a:t>
+            </a:r>
+            <a:r>
+              <a:rPr lang="it-IT" sz="2600" dirty="0" err="1">
+                <a:solidFill>
+                  <a:schemeClr val="tx1"/>
+                </a:solidFill>
+              </a:rPr>
+              <a:t>evaluate</a:t>
+            </a:r>
+            <a:r>
+              <a:rPr lang="it-IT" sz="2600" dirty="0">
+                <a:solidFill>
+                  <a:schemeClr val="tx1"/>
+                </a:solidFill>
+              </a:rPr>
+              <a:t> the Reverse </a:t>
+            </a:r>
+            <a:r>
+              <a:rPr lang="it-IT" sz="2600" dirty="0" err="1">
+                <a:solidFill>
+                  <a:schemeClr val="tx1"/>
+                </a:solidFill>
+              </a:rPr>
+              <a:t>Cuthill-McKee</a:t>
+            </a:r>
+            <a:r>
+              <a:rPr lang="it-IT" sz="2600" dirty="0">
+                <a:solidFill>
+                  <a:schemeClr val="tx1"/>
+                </a:solidFill>
+              </a:rPr>
+              <a:t> </a:t>
+            </a:r>
+            <a:r>
+              <a:rPr lang="it-IT" sz="2600" dirty="0" err="1">
+                <a:solidFill>
+                  <a:schemeClr val="tx1"/>
+                </a:solidFill>
+              </a:rPr>
+              <a:t>algorithm</a:t>
+            </a:r>
+            <a:r>
+              <a:rPr lang="it-IT" sz="2600" dirty="0">
+                <a:solidFill>
+                  <a:schemeClr val="tx1"/>
+                </a:solidFill>
+              </a:rPr>
+              <a:t> </a:t>
+            </a:r>
+            <a:r>
+              <a:rPr lang="it-IT" sz="2600" dirty="0" err="1">
+                <a:solidFill>
+                  <a:schemeClr val="tx1"/>
+                </a:solidFill>
+              </a:rPr>
+              <a:t>that</a:t>
+            </a:r>
+            <a:r>
+              <a:rPr lang="it-IT" sz="2600" dirty="0">
+                <a:solidFill>
+                  <a:schemeClr val="tx1"/>
+                </a:solidFill>
+              </a:rPr>
+              <a:t> </a:t>
+            </a:r>
+            <a:r>
+              <a:rPr lang="it-IT" sz="2600" dirty="0" err="1">
+                <a:solidFill>
+                  <a:schemeClr val="tx1"/>
+                </a:solidFill>
+              </a:rPr>
+              <a:t>we</a:t>
+            </a:r>
+            <a:r>
+              <a:rPr lang="it-IT" sz="2600" dirty="0">
+                <a:solidFill>
+                  <a:schemeClr val="tx1"/>
+                </a:solidFill>
+              </a:rPr>
+              <a:t> </a:t>
+            </a:r>
+            <a:r>
+              <a:rPr lang="it-IT" sz="2600" dirty="0" err="1">
+                <a:solidFill>
+                  <a:schemeClr val="tx1"/>
+                </a:solidFill>
+              </a:rPr>
+              <a:t>have</a:t>
+            </a:r>
+            <a:r>
+              <a:rPr lang="it-IT" sz="2600" dirty="0">
+                <a:solidFill>
+                  <a:schemeClr val="tx1"/>
+                </a:solidFill>
+              </a:rPr>
+              <a:t> </a:t>
+            </a:r>
+            <a:r>
+              <a:rPr lang="it-IT" sz="2600" dirty="0" err="1">
+                <a:solidFill>
+                  <a:schemeClr val="tx1"/>
+                </a:solidFill>
+              </a:rPr>
+              <a:t>implemented</a:t>
+            </a:r>
+            <a:r>
+              <a:rPr lang="it-IT" sz="2600" dirty="0">
+                <a:solidFill>
+                  <a:schemeClr val="tx1"/>
+                </a:solidFill>
+              </a:rPr>
+              <a:t> to </a:t>
+            </a:r>
+            <a:r>
+              <a:rPr lang="it-IT" sz="2600" dirty="0" err="1">
+                <a:solidFill>
+                  <a:schemeClr val="tx1"/>
+                </a:solidFill>
+              </a:rPr>
+              <a:t>simplify</a:t>
+            </a:r>
+            <a:r>
+              <a:rPr lang="it-IT" sz="2600" dirty="0">
+                <a:solidFill>
+                  <a:schemeClr val="tx1"/>
+                </a:solidFill>
+              </a:rPr>
+              <a:t> the </a:t>
+            </a:r>
+            <a:r>
+              <a:rPr lang="it-IT" sz="2600" dirty="0" err="1">
+                <a:solidFill>
+                  <a:schemeClr val="tx1"/>
+                </a:solidFill>
+              </a:rPr>
+              <a:t>grouping</a:t>
+            </a:r>
+            <a:r>
+              <a:rPr lang="it-IT" sz="2600" dirty="0">
+                <a:solidFill>
+                  <a:schemeClr val="tx1"/>
+                </a:solidFill>
+              </a:rPr>
+              <a:t> </a:t>
+            </a:r>
+            <a:r>
+              <a:rPr lang="it-IT" sz="2600" dirty="0" err="1">
+                <a:solidFill>
+                  <a:schemeClr val="tx1"/>
+                </a:solidFill>
+              </a:rPr>
+              <a:t>operations</a:t>
+            </a:r>
+            <a:r>
+              <a:rPr lang="it-IT" sz="2600" dirty="0">
+                <a:solidFill>
+                  <a:schemeClr val="tx1"/>
+                </a:solidFill>
+              </a:rPr>
+              <a:t> </a:t>
+            </a:r>
+            <a:r>
+              <a:rPr lang="it-IT" sz="2600" dirty="0" err="1">
+                <a:solidFill>
+                  <a:schemeClr val="tx1"/>
+                </a:solidFill>
+              </a:rPr>
+              <a:t>we</a:t>
+            </a:r>
+            <a:r>
+              <a:rPr lang="it-IT" sz="2600" dirty="0">
+                <a:solidFill>
+                  <a:schemeClr val="tx1"/>
+                </a:solidFill>
+              </a:rPr>
+              <a:t> </a:t>
+            </a:r>
+            <a:r>
+              <a:rPr lang="it-IT" sz="2600" dirty="0" err="1">
+                <a:solidFill>
+                  <a:schemeClr val="tx1"/>
+                </a:solidFill>
+              </a:rPr>
+              <a:t>have</a:t>
+            </a:r>
+            <a:r>
+              <a:rPr lang="it-IT" sz="2600" dirty="0">
+                <a:solidFill>
+                  <a:schemeClr val="tx1"/>
+                </a:solidFill>
+              </a:rPr>
+              <a:t> </a:t>
+            </a:r>
+            <a:r>
+              <a:rPr lang="it-IT" sz="2600" dirty="0" err="1">
+                <a:solidFill>
+                  <a:schemeClr val="tx1"/>
+                </a:solidFill>
+              </a:rPr>
+              <a:t>plotted</a:t>
+            </a:r>
+            <a:r>
+              <a:rPr lang="it-IT" sz="2600" dirty="0">
+                <a:solidFill>
+                  <a:schemeClr val="tx1"/>
+                </a:solidFill>
+              </a:rPr>
+              <a:t> the </a:t>
+            </a:r>
+            <a:r>
+              <a:rPr lang="it-IT" sz="2600" dirty="0" err="1">
+                <a:solidFill>
+                  <a:schemeClr val="tx1"/>
+                </a:solidFill>
+              </a:rPr>
+              <a:t>differences</a:t>
+            </a:r>
+            <a:r>
+              <a:rPr lang="it-IT" sz="2600" dirty="0">
+                <a:solidFill>
+                  <a:schemeClr val="tx1"/>
+                </a:solidFill>
+              </a:rPr>
+              <a:t> in </a:t>
+            </a:r>
+            <a:r>
+              <a:rPr lang="it-IT" sz="2600" dirty="0" err="1">
+                <a:solidFill>
+                  <a:schemeClr val="tx1"/>
+                </a:solidFill>
+              </a:rPr>
+              <a:t>terms</a:t>
+            </a:r>
+            <a:r>
+              <a:rPr lang="it-IT" sz="2600" dirty="0">
+                <a:solidFill>
+                  <a:schemeClr val="tx1"/>
+                </a:solidFill>
+              </a:rPr>
+              <a:t> of </a:t>
+            </a:r>
+            <a:r>
+              <a:rPr lang="it-IT" sz="2600" dirty="0" err="1">
+                <a:solidFill>
+                  <a:schemeClr val="tx1"/>
+                </a:solidFill>
+              </a:rPr>
+              <a:t>execution</a:t>
+            </a:r>
+            <a:r>
+              <a:rPr lang="it-IT" sz="2600" dirty="0">
+                <a:solidFill>
+                  <a:schemeClr val="tx1"/>
+                </a:solidFill>
+              </a:rPr>
+              <a:t> time and </a:t>
+            </a:r>
+            <a:r>
+              <a:rPr lang="it-IT" sz="2600" dirty="0" err="1">
+                <a:solidFill>
+                  <a:schemeClr val="tx1"/>
+                </a:solidFill>
+              </a:rPr>
+              <a:t>reconstruction</a:t>
+            </a:r>
+            <a:r>
+              <a:rPr lang="it-IT" sz="2600" dirty="0">
+                <a:solidFill>
+                  <a:schemeClr val="tx1"/>
+                </a:solidFill>
+              </a:rPr>
+              <a:t> </a:t>
+            </a:r>
+            <a:r>
+              <a:rPr lang="it-IT" sz="2600" dirty="0" err="1">
+                <a:solidFill>
+                  <a:schemeClr val="tx1"/>
+                </a:solidFill>
+              </a:rPr>
+              <a:t>error</a:t>
+            </a:r>
+            <a:r>
+              <a:rPr lang="it-IT" sz="2600" dirty="0">
+                <a:solidFill>
+                  <a:schemeClr val="tx1"/>
+                </a:solidFill>
+              </a:rPr>
+              <a:t> </a:t>
+            </a:r>
+            <a:r>
+              <a:rPr lang="it-IT" sz="2600" dirty="0" err="1">
+                <a:solidFill>
+                  <a:schemeClr val="tx1"/>
+                </a:solidFill>
+              </a:rPr>
+              <a:t>between</a:t>
+            </a:r>
+            <a:r>
+              <a:rPr lang="it-IT" sz="2600" dirty="0">
+                <a:solidFill>
+                  <a:schemeClr val="tx1"/>
+                </a:solidFill>
+              </a:rPr>
+              <a:t> the </a:t>
+            </a:r>
+            <a:r>
+              <a:rPr lang="it-IT" sz="2600" dirty="0" err="1">
+                <a:solidFill>
+                  <a:schemeClr val="tx1"/>
+                </a:solidFill>
+              </a:rPr>
+              <a:t>usage</a:t>
+            </a:r>
+            <a:r>
+              <a:rPr lang="it-IT" sz="2600" dirty="0">
+                <a:solidFill>
+                  <a:schemeClr val="tx1"/>
+                </a:solidFill>
+              </a:rPr>
+              <a:t> of RCM and </a:t>
+            </a:r>
+            <a:r>
+              <a:rPr lang="it-IT" sz="2600" dirty="0" err="1">
+                <a:solidFill>
+                  <a:schemeClr val="tx1"/>
+                </a:solidFill>
+              </a:rPr>
+              <a:t>without</a:t>
+            </a:r>
+            <a:r>
+              <a:rPr lang="it-IT" sz="2600" dirty="0">
+                <a:solidFill>
+                  <a:schemeClr val="tx1"/>
+                </a:solidFill>
+              </a:rPr>
+              <a:t> </a:t>
+            </a:r>
+            <a:r>
+              <a:rPr lang="it-IT" sz="2600" dirty="0" err="1">
+                <a:solidFill>
+                  <a:schemeClr val="tx1"/>
+                </a:solidFill>
+              </a:rPr>
+              <a:t>using</a:t>
+            </a:r>
+            <a:r>
+              <a:rPr lang="it-IT" sz="2600" dirty="0">
+                <a:solidFill>
+                  <a:schemeClr val="tx1"/>
+                </a:solidFill>
+              </a:rPr>
+              <a:t> </a:t>
+            </a:r>
+            <a:r>
+              <a:rPr lang="it-IT" sz="2600" dirty="0" err="1">
+                <a:solidFill>
+                  <a:schemeClr val="tx1"/>
+                </a:solidFill>
+              </a:rPr>
+              <a:t>it</a:t>
+            </a:r>
+            <a:r>
+              <a:rPr lang="it-IT" sz="2600" dirty="0">
+                <a:solidFill>
+                  <a:schemeClr val="tx1"/>
+                </a:solidFill>
+              </a:rPr>
+              <a:t>.</a:t>
+            </a:r>
+          </a:p>
+          <a:p>
+            <a:pPr>
+              <a:lnSpc>
+                <a:spcPct val="100000"/>
+              </a:lnSpc>
+            </a:pPr>
+            <a:r>
+              <a:rPr lang="it-IT" sz="2600" dirty="0">
+                <a:solidFill>
+                  <a:schemeClr val="tx1"/>
+                </a:solidFill>
+              </a:rPr>
+              <a:t>To </a:t>
+            </a:r>
+            <a:r>
+              <a:rPr lang="it-IT" sz="2600" dirty="0" err="1">
+                <a:solidFill>
+                  <a:schemeClr val="tx1"/>
+                </a:solidFill>
+              </a:rPr>
+              <a:t>have</a:t>
+            </a:r>
+            <a:r>
+              <a:rPr lang="it-IT" sz="2600" dirty="0">
+                <a:solidFill>
+                  <a:schemeClr val="tx1"/>
+                </a:solidFill>
+              </a:rPr>
+              <a:t> an idea on the impact on the </a:t>
+            </a:r>
+            <a:r>
+              <a:rPr lang="it-IT" sz="2600" dirty="0" err="1">
+                <a:solidFill>
+                  <a:schemeClr val="tx1"/>
+                </a:solidFill>
+              </a:rPr>
+              <a:t>resources</a:t>
+            </a:r>
+            <a:r>
+              <a:rPr lang="it-IT" sz="2600" dirty="0">
+                <a:solidFill>
+                  <a:schemeClr val="tx1"/>
+                </a:solidFill>
+              </a:rPr>
+              <a:t> of </a:t>
+            </a:r>
+            <a:r>
+              <a:rPr lang="it-IT" sz="2600" dirty="0" err="1">
+                <a:solidFill>
+                  <a:schemeClr val="tx1"/>
+                </a:solidFill>
+              </a:rPr>
+              <a:t>our</a:t>
+            </a:r>
+            <a:r>
+              <a:rPr lang="it-IT" sz="2600" dirty="0">
+                <a:solidFill>
+                  <a:schemeClr val="tx1"/>
+                </a:solidFill>
+              </a:rPr>
+              <a:t> </a:t>
+            </a:r>
+            <a:r>
+              <a:rPr lang="it-IT" sz="2600" dirty="0" err="1">
+                <a:solidFill>
+                  <a:schemeClr val="tx1"/>
+                </a:solidFill>
+              </a:rPr>
+              <a:t>implementation</a:t>
+            </a:r>
+            <a:r>
+              <a:rPr lang="it-IT" sz="2600" dirty="0">
+                <a:solidFill>
+                  <a:schemeClr val="tx1"/>
+                </a:solidFill>
+              </a:rPr>
+              <a:t> </a:t>
+            </a:r>
+            <a:r>
+              <a:rPr lang="it-IT" sz="2600" dirty="0" err="1">
+                <a:solidFill>
+                  <a:schemeClr val="tx1"/>
+                </a:solidFill>
+              </a:rPr>
+              <a:t>we</a:t>
+            </a:r>
+            <a:r>
+              <a:rPr lang="it-IT" sz="2600" dirty="0">
+                <a:solidFill>
+                  <a:schemeClr val="tx1"/>
+                </a:solidFill>
+              </a:rPr>
+              <a:t> </a:t>
+            </a:r>
+            <a:r>
+              <a:rPr lang="it-IT" sz="2600" dirty="0" err="1">
+                <a:solidFill>
+                  <a:schemeClr val="tx1"/>
+                </a:solidFill>
+              </a:rPr>
+              <a:t>have</a:t>
+            </a:r>
+            <a:r>
+              <a:rPr lang="it-IT" sz="2600" dirty="0">
+                <a:solidFill>
+                  <a:schemeClr val="tx1"/>
+                </a:solidFill>
+              </a:rPr>
+              <a:t> </a:t>
+            </a:r>
+            <a:r>
+              <a:rPr lang="it-IT" sz="2600" dirty="0" err="1">
+                <a:solidFill>
+                  <a:schemeClr val="tx1"/>
+                </a:solidFill>
+              </a:rPr>
+              <a:t>used</a:t>
+            </a:r>
+            <a:r>
+              <a:rPr lang="it-IT" sz="2600" dirty="0">
+                <a:solidFill>
+                  <a:schemeClr val="tx1"/>
+                </a:solidFill>
+              </a:rPr>
+              <a:t> </a:t>
+            </a:r>
+            <a:r>
+              <a:rPr lang="it-IT" sz="2600" dirty="0" err="1">
+                <a:solidFill>
+                  <a:schemeClr val="tx1"/>
+                </a:solidFill>
+              </a:rPr>
+              <a:t>two</a:t>
+            </a:r>
+            <a:r>
+              <a:rPr lang="it-IT" sz="2600" dirty="0">
+                <a:solidFill>
+                  <a:schemeClr val="tx1"/>
+                </a:solidFill>
+              </a:rPr>
+              <a:t> </a:t>
+            </a:r>
+            <a:r>
+              <a:rPr lang="it-IT" sz="2600" dirty="0" err="1">
+                <a:solidFill>
+                  <a:schemeClr val="tx1"/>
+                </a:solidFill>
+              </a:rPr>
+              <a:t>different</a:t>
+            </a:r>
+            <a:r>
+              <a:rPr lang="it-IT" sz="2600" dirty="0">
+                <a:solidFill>
+                  <a:schemeClr val="tx1"/>
+                </a:solidFill>
+              </a:rPr>
+              <a:t> setups, an AMD </a:t>
+            </a:r>
+            <a:r>
+              <a:rPr lang="it-IT" sz="2600" dirty="0" err="1">
+                <a:solidFill>
+                  <a:schemeClr val="tx1"/>
+                </a:solidFill>
+              </a:rPr>
+              <a:t>Ryzen</a:t>
+            </a:r>
+            <a:r>
+              <a:rPr lang="it-IT" sz="2600" dirty="0">
+                <a:solidFill>
+                  <a:schemeClr val="tx1"/>
+                </a:solidFill>
+              </a:rPr>
+              <a:t> 9 3900x @ 4.6 GHz with 16 GB DDR4 @ 3200 MHz and a </a:t>
+            </a:r>
+            <a:r>
+              <a:rPr lang="it-IT" sz="2600" dirty="0" err="1">
+                <a:solidFill>
+                  <a:schemeClr val="tx1"/>
+                </a:solidFill>
+              </a:rPr>
+              <a:t>Broadcom</a:t>
+            </a:r>
+            <a:r>
+              <a:rPr lang="it-IT" sz="2600" dirty="0">
+                <a:solidFill>
+                  <a:schemeClr val="tx1"/>
+                </a:solidFill>
+              </a:rPr>
+              <a:t> BCM2711 @ 1.5 GHz with 4 GB LPDDR4 @ 3200 MHz.</a:t>
+            </a:r>
+            <a:endParaRPr lang="en-US" sz="2600" dirty="0">
+              <a:solidFill>
+                <a:schemeClr val="tx1"/>
+              </a:solidFill>
+            </a:endParaRPr>
+          </a:p>
+          <a:p>
+            <a:pPr marL="0" indent="0">
+              <a:lnSpc>
+                <a:spcPct val="100000"/>
+              </a:lnSpc>
+              <a:buNone/>
+            </a:pPr>
+            <a:endParaRPr lang="it-IT" sz="2600" dirty="0">
+              <a:solidFill>
+                <a:schemeClr val="tx1"/>
+              </a:solidFill>
+            </a:endParaRPr>
+          </a:p>
+          <a:p>
+            <a:pPr marL="0" indent="0">
+              <a:lnSpc>
+                <a:spcPct val="100000"/>
+              </a:lnSpc>
+              <a:buNone/>
+            </a:pPr>
+            <a:r>
+              <a:rPr lang="it-IT" sz="2600" dirty="0">
+                <a:solidFill>
+                  <a:schemeClr val="tx1"/>
+                </a:solidFill>
+              </a:rPr>
+              <a:t> </a:t>
+            </a:r>
+          </a:p>
+        </p:txBody>
+      </p:sp>
+    </p:spTree>
+    <p:extLst>
+      <p:ext uri="{BB962C8B-B14F-4D97-AF65-F5344CB8AC3E}">
+        <p14:creationId xmlns:p14="http://schemas.microsoft.com/office/powerpoint/2010/main" val="4266073266"/>
+      </p:ext>
+    </p:extLst>
+  </p:cSld>
+  <p:clrMapOvr>
+    <a:masterClrMapping/>
+  </p:clrMapOvr>
+</p:sld>
+</file>
+
+<file path=ppt/slides/slide13.xml><?xml version="1.0" encoding="utf-8"?>
+<p:sld xmlns:a="http://schemas.openxmlformats.org/drawingml/2006/main" xmlns:r="http://schemas.openxmlformats.org/officeDocument/2006/relationships" xmlns:p="http://schemas.openxmlformats.org/presentationml/2006/main">
+  <p:cSld>
+    <p:spTree>
+      <p:nvGrpSpPr>
+        <p:cNvPr id="1" name=""/>
+        <p:cNvGrpSpPr/>
+        <p:nvPr/>
+      </p:nvGrpSpPr>
+      <p:grpSpPr>
+        <a:xfrm>
+          <a:off x="0" y="0"/>
+          <a:ext cx="0" cy="0"/>
+          <a:chOff x="0" y="0"/>
+          <a:chExt cx="0" cy="0"/>
+        </a:xfrm>
+      </p:grpSpPr>
+      <p:sp>
+        <p:nvSpPr>
+          <p:cNvPr id="2" name="Titolo 1">
+            <a:extLst>
+              <a:ext uri="{FF2B5EF4-FFF2-40B4-BE49-F238E27FC236}">
+                <a16:creationId xmlns:a16="http://schemas.microsoft.com/office/drawing/2014/main" id="{92260F29-11ED-4A37-8C5D-A0D4CCE9177A}"/>
+              </a:ext>
+            </a:extLst>
+          </p:cNvPr>
+          <p:cNvSpPr>
+            <a:spLocks noGrp="1"/>
+          </p:cNvSpPr>
+          <p:nvPr>
+            <p:ph type="title"/>
+          </p:nvPr>
+        </p:nvSpPr>
+        <p:spPr>
+          <a:xfrm>
+            <a:off x="576072" y="365125"/>
+            <a:ext cx="10771632" cy="1325563"/>
+          </a:xfrm>
+        </p:spPr>
+        <p:txBody>
+          <a:bodyPr anchor="ctr">
+            <a:normAutofit/>
+          </a:bodyPr>
+          <a:lstStyle/>
+          <a:p>
+            <a:pPr algn="ctr"/>
+            <a:r>
+              <a:rPr lang="it-IT" dirty="0" err="1">
+                <a:solidFill>
+                  <a:schemeClr val="tx1"/>
+                </a:solidFill>
+              </a:rPr>
+              <a:t>kl-divERGENCE</a:t>
+            </a:r>
+            <a:r>
+              <a:rPr lang="it-IT" dirty="0">
+                <a:solidFill>
+                  <a:schemeClr val="tx1"/>
+                </a:solidFill>
+              </a:rPr>
+              <a:t> w/o </a:t>
+            </a:r>
+            <a:r>
+              <a:rPr lang="it-IT" dirty="0" err="1">
+                <a:solidFill>
+                  <a:schemeClr val="tx1"/>
+                </a:solidFill>
+              </a:rPr>
+              <a:t>rcm</a:t>
+            </a:r>
+            <a:endParaRPr lang="it-IT" dirty="0">
+              <a:solidFill>
+                <a:schemeClr val="tx1"/>
+              </a:solidFill>
+            </a:endParaRPr>
+          </a:p>
+        </p:txBody>
+      </p:sp>
+      <p:pic>
+        <p:nvPicPr>
+          <p:cNvPr id="10" name="Segnaposto contenuto 4">
+            <a:extLst>
+              <a:ext uri="{FF2B5EF4-FFF2-40B4-BE49-F238E27FC236}">
+                <a16:creationId xmlns:a16="http://schemas.microsoft.com/office/drawing/2014/main" id="{14ED7653-15BA-4F87-9F88-77681B17B49E}"/>
+              </a:ext>
+            </a:extLst>
+          </p:cNvPr>
+          <p:cNvPicPr>
+            <a:picLocks noChangeAspect="1"/>
+          </p:cNvPicPr>
+          <p:nvPr/>
+        </p:nvPicPr>
+        <p:blipFill>
+          <a:blip r:embed="rId2"/>
+          <a:stretch>
+            <a:fillRect/>
+          </a:stretch>
+        </p:blipFill>
+        <p:spPr>
+          <a:xfrm>
+            <a:off x="356400" y="1875600"/>
+            <a:ext cx="5486400" cy="4114800"/>
+          </a:xfrm>
+          <a:prstGeom prst="rect">
+            <a:avLst/>
+          </a:prstGeom>
+        </p:spPr>
+      </p:pic>
+      <p:pic>
+        <p:nvPicPr>
+          <p:cNvPr id="15" name="Segnaposto contenuto 14">
+            <a:extLst>
+              <a:ext uri="{FF2B5EF4-FFF2-40B4-BE49-F238E27FC236}">
+                <a16:creationId xmlns:a16="http://schemas.microsoft.com/office/drawing/2014/main" id="{E585F543-2CF7-49F4-87ED-2091C532C22F}"/>
+              </a:ext>
+            </a:extLst>
+          </p:cNvPr>
+          <p:cNvPicPr>
+            <a:picLocks noGrp="1" noChangeAspect="1"/>
+          </p:cNvPicPr>
+          <p:nvPr>
+            <p:ph idx="1"/>
+          </p:nvPr>
+        </p:nvPicPr>
+        <p:blipFill>
+          <a:blip r:embed="rId3"/>
+          <a:stretch>
+            <a:fillRect/>
+          </a:stretch>
+        </p:blipFill>
+        <p:spPr>
+          <a:xfrm>
+            <a:off x="6310800" y="1875600"/>
+            <a:ext cx="5486400" cy="4114800"/>
+          </a:xfrm>
+        </p:spPr>
+      </p:pic>
+      <p:sp>
+        <p:nvSpPr>
+          <p:cNvPr id="17" name="CasellaDiTesto 16">
+            <a:extLst>
+              <a:ext uri="{FF2B5EF4-FFF2-40B4-BE49-F238E27FC236}">
+                <a16:creationId xmlns:a16="http://schemas.microsoft.com/office/drawing/2014/main" id="{AC45B3D9-42E6-4400-9325-2FC2FB543B89}"/>
+              </a:ext>
+            </a:extLst>
+          </p:cNvPr>
+          <p:cNvSpPr txBox="1"/>
+          <p:nvPr/>
+        </p:nvSpPr>
+        <p:spPr>
+          <a:xfrm>
+            <a:off x="2378171" y="6114471"/>
+            <a:ext cx="1223412" cy="369332"/>
+          </a:xfrm>
+          <a:prstGeom prst="rect">
+            <a:avLst/>
+          </a:prstGeom>
+          <a:noFill/>
+        </p:spPr>
+        <p:txBody>
+          <a:bodyPr wrap="none" rtlCol="0">
+            <a:spAutoFit/>
+          </a:bodyPr>
+          <a:lstStyle/>
+          <a:p>
+            <a:r>
+              <a:rPr lang="it-IT" dirty="0"/>
+              <a:t>BCM2711</a:t>
+            </a:r>
+          </a:p>
+        </p:txBody>
+      </p:sp>
+      <p:sp>
+        <p:nvSpPr>
+          <p:cNvPr id="18" name="CasellaDiTesto 17">
+            <a:extLst>
+              <a:ext uri="{FF2B5EF4-FFF2-40B4-BE49-F238E27FC236}">
+                <a16:creationId xmlns:a16="http://schemas.microsoft.com/office/drawing/2014/main" id="{1C548E27-A8B8-4CBF-8132-230BEF3D6C7D}"/>
+              </a:ext>
+            </a:extLst>
+          </p:cNvPr>
+          <p:cNvSpPr txBox="1"/>
+          <p:nvPr/>
+        </p:nvSpPr>
+        <p:spPr>
+          <a:xfrm>
+            <a:off x="8641066" y="6114471"/>
+            <a:ext cx="825867" cy="369332"/>
+          </a:xfrm>
+          <a:prstGeom prst="rect">
+            <a:avLst/>
+          </a:prstGeom>
+          <a:noFill/>
+        </p:spPr>
+        <p:txBody>
+          <a:bodyPr wrap="none" rtlCol="0">
+            <a:spAutoFit/>
+          </a:bodyPr>
+          <a:lstStyle/>
+          <a:p>
+            <a:r>
+              <a:rPr lang="it-IT" dirty="0"/>
+              <a:t>3900x</a:t>
+            </a:r>
+          </a:p>
+        </p:txBody>
+      </p:sp>
+    </p:spTree>
+    <p:extLst>
+      <p:ext uri="{BB962C8B-B14F-4D97-AF65-F5344CB8AC3E}">
+        <p14:creationId xmlns:p14="http://schemas.microsoft.com/office/powerpoint/2010/main" val="2798178779"/>
+      </p:ext>
+    </p:extLst>
+  </p:cSld>
+  <p:clrMapOvr>
+    <a:masterClrMapping/>
+  </p:clrMapOvr>
+</p:sld>
+</file>
+
 <file path=ppt/slides/slide14.xml><?xml version="1.0" encoding="utf-8"?>
 <p:sld xmlns:a="http://schemas.openxmlformats.org/drawingml/2006/main" xmlns:r="http://schemas.openxmlformats.org/officeDocument/2006/relationships" xmlns:p="http://schemas.openxmlformats.org/presentationml/2006/main">
   <p:cSld>
@@ -12224,18 +12888,34 @@
             <p:ph type="title"/>
           </p:nvPr>
         </p:nvSpPr>
-        <p:spPr/>
+        <p:spPr>
+          <a:xfrm>
+            <a:off x="576072" y="365125"/>
+            <a:ext cx="10771632" cy="1325563"/>
+          </a:xfrm>
+        </p:spPr>
         <p:txBody>
-          <a:bodyPr/>
+          <a:bodyPr anchor="ctr">
+            <a:normAutofit/>
+          </a:bodyPr>
           <a:lstStyle/>
           <a:p>
+            <a:pPr algn="ctr"/>
+            <a:r>
+              <a:rPr lang="it-IT" dirty="0" err="1">
+                <a:solidFill>
+                  <a:schemeClr val="tx1"/>
+                </a:solidFill>
+              </a:rPr>
+              <a:t>Kl-divERGENCE</a:t>
+            </a:r>
             <a:r>
               <a:rPr lang="it-IT" dirty="0">
                 <a:solidFill>
                   <a:schemeClr val="tx1"/>
                 </a:solidFill>
               </a:rPr>
-              <a:t>Evaluation of </a:t>
+              <a:t> with </a:t>
             </a:r>
             <a:r>
               <a:rPr lang="it-IT" dirty="0" err="1">
@@ -12243,7 +12923,7 @@
                   <a:schemeClr val="tx1"/>
                 </a:solidFill>
               </a:rPr>
-              <a:t>rcm</a:t>
+              <a:t>rcM</a:t>
             </a:r>
             <a:endParaRPr lang="it-IT" dirty="0">
               <a:solidFill>
@@ -12253,642 +12933,131 @@
           </a:p>
         </p:txBody>
       </p:sp>
-      <p:sp>
-        <p:nvSpPr>
-          <p:cNvPr id="3" name="Segnaposto contenuto 2">
-            <a:extLst>
-              <a:ext uri="{FF2B5EF4-FFF2-40B4-BE49-F238E27FC236}">
-                <a16:creationId xmlns:a16="http://schemas.microsoft.com/office/drawing/2014/main" id="{03F1FE39-20CD-49DD-9C63-BBB9CB6E564F}"/>
-              </a:ext>
-            </a:extLst>
-          </p:cNvPr>
-          <p:cNvSpPr>
-            <a:spLocks noGrp="1"/>
-          </p:cNvSpPr>
+      <p:pic>
+        <p:nvPicPr>
+          <p:cNvPr id="8" name="Segnaposto contenuto 4">
+            <a:extLst>
+              <a:ext uri="{FF2B5EF4-FFF2-40B4-BE49-F238E27FC236}">
+                <a16:creationId xmlns:a16="http://schemas.microsoft.com/office/drawing/2014/main" id="{BCFF9F24-7F62-44A9-95BD-5690548AE54D}"/>
+              </a:ext>
+            </a:extLst>
+          </p:cNvPr>
+          <p:cNvPicPr>
+            <a:picLocks noGrp="1" noChangeAspect="1"/>
+          </p:cNvPicPr>
           <p:nvPr>
             <p:ph idx="1"/>
           </p:nvPr>
+        </p:nvPicPr>
+        <p:blipFill>
+          <a:blip r:embed="rId2"/>
+          <a:stretch>
+            <a:fillRect/>
+          </a:stretch>
+        </p:blipFill>
+        <p:spPr>
+          <a:xfrm>
+            <a:off x="356399" y="1875600"/>
+            <a:ext cx="5486400" cy="4114800"/>
+          </a:xfrm>
+        </p:spPr>
+      </p:pic>
+      <p:pic>
+        <p:nvPicPr>
+          <p:cNvPr id="12" name="Immagine 11">
+            <a:extLst>
+              <a:ext uri="{FF2B5EF4-FFF2-40B4-BE49-F238E27FC236}">
+                <a16:creationId xmlns:a16="http://schemas.microsoft.com/office/drawing/2014/main" id="{EEC69A2C-1770-43A6-892C-9B3D2576D11D}"/>
+              </a:ext>
+            </a:extLst>
+          </p:cNvPr>
+          <p:cNvPicPr>
+            <a:picLocks noChangeAspect="1"/>
+          </p:cNvPicPr>
+          <p:nvPr/>
+        </p:nvPicPr>
+        <p:blipFill>
+          <a:blip r:embed="rId3"/>
+          <a:stretch>
+            <a:fillRect/>
+          </a:stretch>
+        </p:blipFill>
+        <p:spPr>
+          <a:xfrm>
+            <a:off x="6310800" y="1875600"/>
+            <a:ext cx="5486400" cy="4114800"/>
+          </a:xfrm>
+          <a:prstGeom prst="rect">
+            <a:avLst/>
+          </a:prstGeom>
+        </p:spPr>
+      </p:pic>
+      <p:sp>
+        <p:nvSpPr>
+          <p:cNvPr id="13" name="CasellaDiTesto 12">
+            <a:extLst>
+              <a:ext uri="{FF2B5EF4-FFF2-40B4-BE49-F238E27FC236}">
+                <a16:creationId xmlns:a16="http://schemas.microsoft.com/office/drawing/2014/main" id="{13200B94-3FDB-43FA-8384-EDDD728FE8A4}"/>
+              </a:ext>
+            </a:extLst>
+          </p:cNvPr>
+          <p:cNvSpPr txBox="1"/>
+          <p:nvPr/>
         </p:nvSpPr>
-        <p:spPr/>
+        <p:spPr>
+          <a:xfrm>
+            <a:off x="8641066" y="6114471"/>
+            <a:ext cx="825867" cy="369332"/>
+          </a:xfrm>
+          <a:prstGeom prst="rect">
+            <a:avLst/>
+          </a:prstGeom>
+          <a:noFill/>
+        </p:spPr>
         <p:txBody>
-          <a:bodyPr>
-            <a:normAutofit lnSpcReduction="10000"/>
+          <a:bodyPr wrap="none" rtlCol="0">
+            <a:spAutoFit/>
           </a:bodyPr>
           <a:lstStyle/>
           <a:p>
-            <a:pPr>
-              <a:lnSpc>
-                <a:spcPct val="100000"/>
-              </a:lnSpc>
-            </a:pPr>
-            <a:r>
-              <a:rPr lang="it-IT" sz="2600" dirty="0">
-                <a:solidFill>
-                  <a:schemeClr val="tx1"/>
-                </a:solidFill>
-              </a:rPr>
-              <a:t>To </a:t>
-            </a:r>
-            <a:r>
-              <a:rPr lang="it-IT" sz="2600" dirty="0" err="1">
-                <a:solidFill>
-                  <a:schemeClr val="tx1"/>
-                </a:solidFill>
-              </a:rPr>
-              <a:t>evaluate</a:t>
-            </a:r>
-            <a:r>
-              <a:rPr lang="it-IT" sz="2600" dirty="0">
-                <a:solidFill>
-                  <a:schemeClr val="tx1"/>
-                </a:solidFill>
-              </a:rPr>
-              <a:t> the Reverse </a:t>
-            </a:r>
-            <a:r>
-              <a:rPr lang="it-IT" sz="2600" dirty="0" err="1">
-                <a:solidFill>
-                  <a:schemeClr val="tx1"/>
-                </a:solidFill>
-              </a:rPr>
-              <a:t>Cuthill-McKee</a:t>
-            </a:r>
-            <a:r>
-              <a:rPr lang="it-IT" sz="2600" dirty="0">
-                <a:solidFill>
-                  <a:schemeClr val="tx1"/>
-                </a:solidFill>
-              </a:rPr>
-              <a:t> </a:t>
-            </a:r>
-            <a:r>
-              <a:rPr lang="it-IT" sz="2600" dirty="0" err="1">
-                <a:solidFill>
-                  <a:schemeClr val="tx1"/>
-                </a:solidFill>
-              </a:rPr>
-              <a:t>algorithm</a:t>
-            </a:r>
-            <a:r>
-              <a:rPr lang="it-IT" sz="2600" dirty="0">
-                <a:solidFill>
-                  <a:schemeClr val="tx1"/>
-                </a:solidFill>
-              </a:rPr>
-              <a:t> </a:t>
-            </a:r>
-            <a:r>
-              <a:rPr lang="it-IT" sz="2600" dirty="0" err="1">
-                <a:solidFill>
-                  <a:schemeClr val="tx1"/>
-                </a:solidFill>
-              </a:rPr>
-              <a:t>that</a:t>
-            </a:r>
-            <a:r>
-              <a:rPr lang="it-IT" sz="2600" dirty="0">
-                <a:solidFill>
-                  <a:schemeClr val="tx1"/>
-                </a:solidFill>
-              </a:rPr>
-              <a:t> </a:t>
-            </a:r>
-            <a:r>
-              <a:rPr lang="it-IT" sz="2600" dirty="0" err="1">
-                <a:solidFill>
-                  <a:schemeClr val="tx1"/>
-                </a:solidFill>
-              </a:rPr>
-              <a:t>we</a:t>
-            </a:r>
-            <a:r>
-              <a:rPr lang="it-IT" sz="2600" dirty="0">
-                <a:solidFill>
-                  <a:schemeClr val="tx1"/>
-                </a:solidFill>
-              </a:rPr>
-              <a:t> </a:t>
-            </a:r>
-            <a:r>
-              <a:rPr lang="it-IT" sz="2600" dirty="0" err="1">
-                <a:solidFill>
-                  <a:schemeClr val="tx1"/>
-                </a:solidFill>
-              </a:rPr>
-              <a:t>have</a:t>
-            </a:r>
-            <a:r>
-              <a:rPr lang="it-IT" sz="2600" dirty="0">
-                <a:solidFill>
-                  <a:schemeClr val="tx1"/>
-                </a:solidFill>
-              </a:rPr>
-              <a:t> </a:t>
-            </a:r>
-            <a:r>
-              <a:rPr lang="it-IT" sz="2600" dirty="0" err="1">
-                <a:solidFill>
-                  <a:schemeClr val="tx1"/>
-                </a:solidFill>
-              </a:rPr>
-              <a:t>implemented</a:t>
-            </a:r>
-            <a:r>
-              <a:rPr lang="it-IT" sz="2600" dirty="0">
-                <a:solidFill>
-                  <a:schemeClr val="tx1"/>
-                </a:solidFill>
-              </a:rPr>
-              <a:t> to </a:t>
-            </a:r>
-            <a:r>
-              <a:rPr lang="it-IT" sz="2600" dirty="0" err="1">
-                <a:solidFill>
-                  <a:schemeClr val="tx1"/>
-                </a:solidFill>
-              </a:rPr>
-              <a:t>simplify</a:t>
-            </a:r>
-            <a:r>
-              <a:rPr lang="it-IT" sz="2600" dirty="0">
-                <a:solidFill>
-                  <a:schemeClr val="tx1"/>
-                </a:solidFill>
-              </a:rPr>
-              <a:t> the </a:t>
-            </a:r>
-            <a:r>
-              <a:rPr lang="it-IT" sz="2600" dirty="0" err="1">
-                <a:solidFill>
-                  <a:schemeClr val="tx1"/>
-                </a:solidFill>
-              </a:rPr>
-              <a:t>grouping</a:t>
-            </a:r>
-            <a:r>
-              <a:rPr lang="it-IT" sz="2600" dirty="0">
-                <a:solidFill>
-                  <a:schemeClr val="tx1"/>
-                </a:solidFill>
-              </a:rPr>
-              <a:t> </a:t>
-            </a:r>
-            <a:r>
-              <a:rPr lang="it-IT" sz="2600" dirty="0" err="1">
-                <a:solidFill>
-                  <a:schemeClr val="tx1"/>
-                </a:solidFill>
-              </a:rPr>
-              <a:t>operations</a:t>
-            </a:r>
-            <a:r>
-              <a:rPr lang="it-IT" sz="2600" dirty="0">
-                <a:solidFill>
-                  <a:schemeClr val="tx1"/>
-                </a:solidFill>
-              </a:rPr>
-              <a:t> </a:t>
-            </a:r>
-            <a:r>
-              <a:rPr lang="it-IT" sz="2600" dirty="0" err="1">
-                <a:solidFill>
-                  <a:schemeClr val="tx1"/>
-                </a:solidFill>
-              </a:rPr>
-              <a:t>we</a:t>
-            </a:r>
-            <a:r>
-              <a:rPr lang="it-IT" sz="2600" dirty="0">
-                <a:solidFill>
-                  <a:schemeClr val="tx1"/>
-                </a:solidFill>
-              </a:rPr>
-              <a:t> </a:t>
-            </a:r>
-            <a:r>
-              <a:rPr lang="it-IT" sz="2600" dirty="0" err="1">
-                <a:solidFill>
-                  <a:schemeClr val="tx1"/>
-                </a:solidFill>
-              </a:rPr>
-              <a:t>have</a:t>
-            </a:r>
-            <a:r>
-              <a:rPr lang="it-IT" sz="2600" dirty="0">
-                <a:solidFill>
-                  <a:schemeClr val="tx1"/>
-                </a:solidFill>
-              </a:rPr>
-              <a:t> </a:t>
-            </a:r>
-            <a:r>
-              <a:rPr lang="it-IT" sz="2600" dirty="0" err="1">
-                <a:solidFill>
-                  <a:schemeClr val="tx1"/>
-                </a:solidFill>
-              </a:rPr>
-              <a:t>plotted</a:t>
-            </a:r>
-            <a:r>
-              <a:rPr lang="it-IT" sz="2600" dirty="0">
-                <a:solidFill>
-                  <a:schemeClr val="tx1"/>
-                </a:solidFill>
-              </a:rPr>
-              <a:t> the </a:t>
-            </a:r>
-            <a:r>
-              <a:rPr lang="it-IT" sz="2600" dirty="0" err="1">
-                <a:solidFill>
-                  <a:schemeClr val="tx1"/>
-                </a:solidFill>
-              </a:rPr>
-              <a:t>differences</a:t>
-            </a:r>
-            <a:r>
-              <a:rPr lang="it-IT" sz="2600" dirty="0">
-                <a:solidFill>
-                  <a:schemeClr val="tx1"/>
-                </a:solidFill>
-              </a:rPr>
-              <a:t> in </a:t>
-            </a:r>
-            <a:r>
-              <a:rPr lang="it-IT" sz="2600" dirty="0" err="1">
-                <a:solidFill>
-                  <a:schemeClr val="tx1"/>
-                </a:solidFill>
-              </a:rPr>
-              <a:t>terms</a:t>
-            </a:r>
-            <a:r>
-              <a:rPr lang="it-IT" sz="2600" dirty="0">
-                <a:solidFill>
-                  <a:schemeClr val="tx1"/>
-                </a:solidFill>
-              </a:rPr>
-              <a:t> of </a:t>
-            </a:r>
-            <a:r>
-              <a:rPr lang="it-IT" sz="2600" dirty="0" err="1">
-                <a:solidFill>
-                  <a:schemeClr val="tx1"/>
-                </a:solidFill>
-              </a:rPr>
-              <a:t>execution</a:t>
-            </a:r>
-            <a:r>
-              <a:rPr lang="it-IT" sz="2600" dirty="0">
-                <a:solidFill>
-                  <a:schemeClr val="tx1"/>
-                </a:solidFill>
-              </a:rPr>
-              <a:t> time and </a:t>
-            </a:r>
-            <a:r>
-              <a:rPr lang="it-IT" sz="2600" dirty="0" err="1">
-                <a:solidFill>
-                  <a:schemeClr val="tx1"/>
-                </a:solidFill>
-              </a:rPr>
-              <a:t>reconstruction</a:t>
-            </a:r>
-            <a:r>
-              <a:rPr lang="it-IT" sz="2600" dirty="0">
-                <a:solidFill>
-                  <a:schemeClr val="tx1"/>
-                </a:solidFill>
-              </a:rPr>
-              <a:t> </a:t>
-            </a:r>
-            <a:r>
-              <a:rPr lang="it-IT" sz="2600" dirty="0" err="1">
-                <a:solidFill>
-                  <a:schemeClr val="tx1"/>
-                </a:solidFill>
-              </a:rPr>
-              <a:t>error</a:t>
-            </a:r>
-            <a:r>
-              <a:rPr lang="it-IT" sz="2600" dirty="0">
-                <a:solidFill>
-                  <a:schemeClr val="tx1"/>
-                </a:solidFill>
-              </a:rPr>
-              <a:t> </a:t>
-            </a:r>
-            <a:r>
-              <a:rPr lang="it-IT" sz="2600" dirty="0" err="1">
-                <a:solidFill>
-                  <a:schemeClr val="tx1"/>
-                </a:solidFill>
-              </a:rPr>
-              <a:t>between</a:t>
-            </a:r>
-            <a:r>
-              <a:rPr lang="it-IT" sz="2600" dirty="0">
-                <a:solidFill>
-                  <a:schemeClr val="tx1"/>
-                </a:solidFill>
-              </a:rPr>
-              <a:t> the </a:t>
-            </a:r>
-            <a:r>
-              <a:rPr lang="it-IT" sz="2600" dirty="0" err="1">
-                <a:solidFill>
-                  <a:schemeClr val="tx1"/>
-                </a:solidFill>
-              </a:rPr>
-              <a:t>usage</a:t>
-            </a:r>
-            <a:r>
-              <a:rPr lang="it-IT" sz="2600" dirty="0">
-                <a:solidFill>
-                  <a:schemeClr val="tx1"/>
-                </a:solidFill>
-              </a:rPr>
-              <a:t> of RCM and </a:t>
-            </a:r>
-            <a:r>
-              <a:rPr lang="it-IT" sz="2600" dirty="0" err="1">
-                <a:solidFill>
-                  <a:schemeClr val="tx1"/>
-                </a:solidFill>
-              </a:rPr>
-              <a:t>without</a:t>
-            </a:r>
-            <a:r>
-              <a:rPr lang="it-IT" sz="2600" dirty="0">
-                <a:solidFill>
-                  <a:schemeClr val="tx1"/>
-                </a:solidFill>
-              </a:rPr>
-              <a:t> </a:t>
-            </a:r>
-            <a:r>
-              <a:rPr lang="it-IT" sz="2600" dirty="0" err="1">
-                <a:solidFill>
-                  <a:schemeClr val="tx1"/>
-                </a:solidFill>
-              </a:rPr>
-              <a:t>using</a:t>
-            </a:r>
-            <a:r>
-              <a:rPr lang="it-IT" sz="2600" dirty="0">
-                <a:solidFill>
-                  <a:schemeClr val="tx1"/>
-                </a:solidFill>
-              </a:rPr>
-              <a:t> </a:t>
-            </a:r>
-            <a:r>
-              <a:rPr lang="it-IT" sz="2600" dirty="0" err="1">
-                <a:solidFill>
-                  <a:schemeClr val="tx1"/>
-                </a:solidFill>
-              </a:rPr>
-              <a:t>it</a:t>
-            </a:r>
-            <a:r>
-              <a:rPr lang="it-IT" sz="2600" dirty="0">
-                <a:solidFill>
-                  <a:schemeClr val="tx1"/>
-                </a:solidFill>
-              </a:rPr>
-              <a:t>.</a:t>
-            </a:r>
-          </a:p>
-          <a:p>
-            <a:pPr>
-              <a:lnSpc>
-                <a:spcPct val="100000"/>
-              </a:lnSpc>
-            </a:pPr>
-            <a:r>
-              <a:rPr lang="it-IT" sz="2600" dirty="0">
-                <a:solidFill>
-                  <a:schemeClr val="tx1"/>
-                </a:solidFill>
-              </a:rPr>
-              <a:t>To </a:t>
-            </a:r>
-            <a:r>
-              <a:rPr lang="it-IT" sz="2600" dirty="0" err="1">
-                <a:solidFill>
-                  <a:schemeClr val="tx1"/>
-                </a:solidFill>
-              </a:rPr>
-              <a:t>have</a:t>
-            </a:r>
-            <a:r>
-              <a:rPr lang="it-IT" sz="2600" dirty="0">
-                <a:solidFill>
-                  <a:schemeClr val="tx1"/>
-                </a:solidFill>
-              </a:rPr>
-              <a:t> an idea on the impact on the </a:t>
-            </a:r>
-            <a:r>
-              <a:rPr lang="it-IT" sz="2600" dirty="0" err="1">
-                <a:solidFill>
-                  <a:schemeClr val="tx1"/>
-                </a:solidFill>
-              </a:rPr>
-              <a:t>resources</a:t>
-            </a:r>
-            <a:r>
-              <a:rPr lang="it-IT" sz="2600" dirty="0">
-                <a:solidFill>
-                  <a:schemeClr val="tx1"/>
-                </a:solidFill>
-              </a:rPr>
-              <a:t> of </a:t>
-            </a:r>
-            <a:r>
-              <a:rPr lang="it-IT" sz="2600" dirty="0" err="1">
-                <a:solidFill>
-                  <a:schemeClr val="tx1"/>
-                </a:solidFill>
-              </a:rPr>
-              <a:t>our</a:t>
-            </a:r>
-            <a:r>
-              <a:rPr lang="it-IT" sz="2600" dirty="0">
-                <a:solidFill>
-                  <a:schemeClr val="tx1"/>
-                </a:solidFill>
-              </a:rPr>
-              <a:t> </a:t>
-            </a:r>
-            <a:r>
-              <a:rPr lang="it-IT" sz="2600" dirty="0" err="1">
-                <a:solidFill>
-                  <a:schemeClr val="tx1"/>
-                </a:solidFill>
-              </a:rPr>
-              <a:t>implementation</a:t>
-            </a:r>
-            <a:r>
-              <a:rPr lang="it-IT" sz="2600" dirty="0">
-                <a:solidFill>
-                  <a:schemeClr val="tx1"/>
-                </a:solidFill>
-              </a:rPr>
-              <a:t> </a:t>
-            </a:r>
-            <a:r>
-              <a:rPr lang="it-IT" sz="2600" dirty="0" err="1">
-                <a:solidFill>
-                  <a:schemeClr val="tx1"/>
-                </a:solidFill>
-              </a:rPr>
-              <a:t>we</a:t>
-            </a:r>
-            <a:r>
-              <a:rPr lang="it-IT" sz="2600" dirty="0">
-                <a:solidFill>
-                  <a:schemeClr val="tx1"/>
-                </a:solidFill>
-              </a:rPr>
-              <a:t> </a:t>
-            </a:r>
-            <a:r>
-              <a:rPr lang="it-IT" sz="2600" dirty="0" err="1">
-                <a:solidFill>
-                  <a:schemeClr val="tx1"/>
-                </a:solidFill>
-              </a:rPr>
-              <a:t>have</a:t>
-            </a:r>
-            <a:r>
-              <a:rPr lang="it-IT" sz="2600" dirty="0">
-                <a:solidFill>
-                  <a:schemeClr val="tx1"/>
-                </a:solidFill>
-              </a:rPr>
-              <a:t> </a:t>
-            </a:r>
-            <a:r>
-              <a:rPr lang="it-IT" sz="2600" dirty="0" err="1">
-                <a:solidFill>
-                  <a:schemeClr val="tx1"/>
-                </a:solidFill>
-              </a:rPr>
-              <a:t>used</a:t>
-            </a:r>
-            <a:r>
-              <a:rPr lang="it-IT" sz="2600" dirty="0">
-                <a:solidFill>
-                  <a:schemeClr val="tx1"/>
-                </a:solidFill>
-              </a:rPr>
-              <a:t> </a:t>
-            </a:r>
-            <a:r>
-              <a:rPr lang="it-IT" sz="2600" dirty="0" err="1">
-                <a:solidFill>
-                  <a:schemeClr val="tx1"/>
-                </a:solidFill>
-              </a:rPr>
-              <a:t>two</a:t>
-            </a:r>
-            <a:r>
-              <a:rPr lang="it-IT" sz="2600" dirty="0">
-                <a:solidFill>
-                  <a:schemeClr val="tx1"/>
-                </a:solidFill>
-              </a:rPr>
-              <a:t> </a:t>
-            </a:r>
-            <a:r>
-              <a:rPr lang="it-IT" sz="2600" dirty="0" err="1">
-                <a:solidFill>
-                  <a:schemeClr val="tx1"/>
-                </a:solidFill>
-              </a:rPr>
-              <a:t>different</a:t>
-            </a:r>
-            <a:r>
-              <a:rPr lang="it-IT" sz="2600" dirty="0">
-                <a:solidFill>
-                  <a:schemeClr val="tx1"/>
-                </a:solidFill>
-              </a:rPr>
-              <a:t> setups, an AMD </a:t>
-            </a:r>
-            <a:r>
-              <a:rPr lang="it-IT" sz="2600" dirty="0" err="1">
-                <a:solidFill>
-                  <a:schemeClr val="tx1"/>
-                </a:solidFill>
-              </a:rPr>
-              <a:t>Ryzen</a:t>
-            </a:r>
-            <a:r>
-              <a:rPr lang="it-IT" sz="2600" dirty="0">
-                <a:solidFill>
-                  <a:schemeClr val="tx1"/>
-                </a:solidFill>
-              </a:rPr>
-              <a:t> 9 3900x @ 4.6 GHz with 16 GB DDR4 @ 3200 MHz and a </a:t>
-            </a:r>
-            <a:r>
-              <a:rPr lang="it-IT" sz="2600" dirty="0" err="1">
-                <a:solidFill>
-                  <a:schemeClr val="tx1"/>
-                </a:solidFill>
-              </a:rPr>
-              <a:t>Broadcom</a:t>
-            </a:r>
-            <a:r>
-              <a:rPr lang="it-IT" sz="2600" dirty="0">
-                <a:solidFill>
-                  <a:schemeClr val="tx1"/>
-                </a:solidFill>
-              </a:rPr>
-              <a:t> BCM2711 @ 1.5 GHz with 8 GB LPDDR4 @ </a:t>
-            </a:r>
-            <a:r>
-              <a:rPr lang="it-IT" sz="2600">
-                <a:solidFill>
-                  <a:schemeClr val="tx1"/>
-                </a:solidFill>
-              </a:rPr>
-              <a:t>3200 MHz.</a:t>
-            </a:r>
-            <a:endParaRPr lang="en-US" sz="2600" dirty="0">
-              <a:solidFill>
-                <a:schemeClr val="tx1"/>
-              </a:solidFill>
-            </a:endParaRPr>
-          </a:p>
-          <a:p>
-            <a:pPr marL="0" indent="0">
-              <a:lnSpc>
-                <a:spcPct val="100000"/>
-              </a:lnSpc>
-              <a:buNone/>
-            </a:pPr>
-            <a:endParaRPr lang="it-IT" sz="2600" dirty="0">
-              <a:solidFill>
-                <a:schemeClr val="tx1"/>
-              </a:solidFill>
-            </a:endParaRPr>
-          </a:p>
-          <a:p>
-            <a:pPr marL="0" indent="0">
-              <a:lnSpc>
-                <a:spcPct val="100000"/>
-              </a:lnSpc>
-              <a:buNone/>
-            </a:pPr>
-            <a:r>
-              <a:rPr lang="it-IT" sz="2600" dirty="0">
-                <a:solidFill>
-                  <a:schemeClr val="tx1"/>
-                </a:solidFill>
-              </a:rPr>
-              <a:t> </a:t>
+            <a:r>
+              <a:rPr lang="it-IT" dirty="0"/>
+              <a:t>3900x</a:t>
+            </a:r>
+          </a:p>
+        </p:txBody>
+      </p:sp>
+      <p:sp>
+        <p:nvSpPr>
+          <p:cNvPr id="14" name="CasellaDiTesto 13">
+            <a:extLst>
+              <a:ext uri="{FF2B5EF4-FFF2-40B4-BE49-F238E27FC236}">
+                <a16:creationId xmlns:a16="http://schemas.microsoft.com/office/drawing/2014/main" id="{6BEB8A1C-6878-4089-AD31-CC074A81EBDB}"/>
+              </a:ext>
+            </a:extLst>
+          </p:cNvPr>
+          <p:cNvSpPr txBox="1"/>
+          <p:nvPr/>
+        </p:nvSpPr>
+        <p:spPr>
+          <a:xfrm>
+            <a:off x="2378171" y="6114471"/>
+            <a:ext cx="1223412" cy="369332"/>
+          </a:xfrm>
+          <a:prstGeom prst="rect">
+            <a:avLst/>
+          </a:prstGeom>
+          <a:noFill/>
+        </p:spPr>
+        <p:txBody>
+          <a:bodyPr wrap="none" rtlCol="0">
+            <a:spAutoFit/>
+          </a:bodyPr>
+          <a:lstStyle/>
+          <a:p>
+            <a:r>
+              <a:rPr lang="it-IT" dirty="0"/>
+              <a:t>BCM2711</a:t>
             </a:r>
           </a:p>
         </p:txBody>
@@ -12896,7 +13065,7 @@
     </p:spTree>
     <p:extLst>
       <p:ext uri="{BB962C8B-B14F-4D97-AF65-F5344CB8AC3E}">
-        <p14:creationId xmlns:p14="http://schemas.microsoft.com/office/powerpoint/2010/main" val="4266073266"/>
+        <p14:creationId xmlns:p14="http://schemas.microsoft.com/office/powerpoint/2010/main" val="3375617145"/>
       </p:ext>
     </p:extLst>
   </p:cSld>
@@ -12951,13 +13120,22 @@
           </a:bodyPr>
           <a:lstStyle/>
           <a:p>
+            <a:pPr algn="ctr"/>
+            <a:r>
+              <a:rPr lang="it-IT" dirty="0" err="1">
+                <a:solidFill>
+                  <a:schemeClr val="tx1"/>
+                </a:solidFill>
+              </a:rPr>
+              <a:t>Execution</a:t>
+            </a:r>
             <a:r>
               <a:rPr lang="it-IT" dirty="0">
                 <a:solidFill>
                   <a:schemeClr val="tx1"/>
                 </a:solidFill>
               </a:rPr>
-              <a:t>Test </a:t>
+              <a:t> time w/o </a:t>
             </a:r>
             <a:r>
               <a:rPr lang="it-IT" dirty="0" err="1">
@@ -12965,46 +13143,27 @@
                   <a:schemeClr val="tx1"/>
                 </a:solidFill>
               </a:rPr>
-              <a:t>without</a:t>
-            </a:r>
-            <a:r>
-              <a:rPr lang="it-IT" dirty="0">
-                <a:solidFill>
-                  <a:schemeClr val="tx1"/>
-                </a:solidFill>
-              </a:rPr>
-              <a:t> </a:t>
-            </a:r>
-            <a:r>
-              <a:rPr lang="it-IT" dirty="0" err="1">
-                <a:solidFill>
-                  <a:schemeClr val="tx1"/>
-                </a:solidFill>
-              </a:rPr>
               <a:t>rcm</a:t>
             </a:r>
-            <a:r>
-              <a:rPr lang="it-IT" dirty="0">
-                <a:solidFill>
-                  <a:schemeClr val="tx1"/>
-                </a:solidFill>
-              </a:rPr>
-              <a:t> 3900x</a:t>
-            </a:r>
+            <a:endParaRPr lang="it-IT" dirty="0">
+              <a:solidFill>
+                <a:schemeClr val="tx1"/>
+              </a:solidFill>
+            </a:endParaRPr>
           </a:p>
         </p:txBody>
       </p:sp>
       <p:pic>
         <p:nvPicPr>
-          <p:cNvPr id="6" name="Segnaposto contenuto 5">
-            <a:extLst>
-              <a:ext uri="{FF2B5EF4-FFF2-40B4-BE49-F238E27FC236}">
-                <a16:creationId xmlns:a16="http://schemas.microsoft.com/office/drawing/2014/main" id="{6FC10359-CA26-43BE-9AE2-8E9133974749}"/>
+          <p:cNvPr id="8" name="Segnaposto contenuto 7">
+            <a:extLst>
+              <a:ext uri="{FF2B5EF4-FFF2-40B4-BE49-F238E27FC236}">
+                <a16:creationId xmlns:a16="http://schemas.microsoft.com/office/drawing/2014/main" id="{C8BD2F43-A7FA-45E6-976F-5EB4833B9F4C}"/>
               </a:ext>
             </a:extLst>
           </p:cNvPr>
           <p:cNvPicPr>
-            <a:picLocks noGrp="1" noChangeAspect="1"/>
+            <a:picLocks noGrp="1"/>
           </p:cNvPicPr>
           <p:nvPr>
             <p:ph idx="1"/>
@@ -13019,16 +13178,19 @@
         <p:spPr>
           <a:xfrm>
             <a:off x="356400" y="1875600"/>
-            <a:ext cx="5486400" cy="4114800"/>
+            <a:ext cx="5497200" cy="4114800"/>
           </a:xfrm>
+          <a:prstGeom prst="rect">
+            <a:avLst/>
+          </a:prstGeom>
         </p:spPr>
       </p:pic>
       <p:pic>
         <p:nvPicPr>
-          <p:cNvPr id="9" name="Immagine 8">
-            <a:extLst>
-              <a:ext uri="{FF2B5EF4-FFF2-40B4-BE49-F238E27FC236}">
-                <a16:creationId xmlns:a16="http://schemas.microsoft.com/office/drawing/2014/main" id="{5914E1AF-A5E8-41CC-B28E-797F242D9C8D}"/>
+          <p:cNvPr id="12" name="Immagine 11">
+            <a:extLst>
+              <a:ext uri="{FF2B5EF4-FFF2-40B4-BE49-F238E27FC236}">
+                <a16:creationId xmlns:a16="http://schemas.microsoft.com/office/drawing/2014/main" id="{60DFB742-78C4-4700-B86F-70956C73E25B}"/>
               </a:ext>
             </a:extLst>
           </p:cNvPr>
@@ -13046,17 +13208,87 @@
         <p:spPr>
           <a:xfrm>
             <a:off x="6310800" y="1875600"/>
-            <a:ext cx="5486400" cy="4114800"/>
+            <a:ext cx="5497200" cy="4122900"/>
           </a:xfrm>
           <a:prstGeom prst="rect">
             <a:avLst/>
           </a:prstGeom>
         </p:spPr>
       </p:pic>
+      <p:sp>
+        <p:nvSpPr>
+          <p:cNvPr id="14" name="CasellaDiTesto 13">
+            <a:extLst>
+              <a:ext uri="{FF2B5EF4-FFF2-40B4-BE49-F238E27FC236}">
+                <a16:creationId xmlns:a16="http://schemas.microsoft.com/office/drawing/2014/main" id="{D1A3E58E-3B93-4EC9-8DEB-FBFDF5DA40E4}"/>
+              </a:ext>
+            </a:extLst>
+          </p:cNvPr>
+          <p:cNvSpPr txBox="1"/>
+          <p:nvPr/>
+        </p:nvSpPr>
+        <p:spPr>
+          <a:xfrm>
+            <a:off x="8641066" y="6114471"/>
+            <a:ext cx="825867" cy="369332"/>
+          </a:xfrm>
+          <a:prstGeom prst="rect">
+            <a:avLst/>
+          </a:prstGeom>
+          <a:noFill/>
+        </p:spPr>
+        <p:txBody>
+          <a:bodyPr wrap="none" rtlCol="0">
+            <a:spAutoFit/>
+          </a:bodyPr>
+          <a:lstStyle/>
+          <a:p>
+            <a:r>
+              <a:rPr lang="it-IT" dirty="0"/>
+              <a:t>3900x</a:t>
+            </a:r>
+          </a:p>
+        </p:txBody>
+      </p:sp>
+      <p:sp>
+        <p:nvSpPr>
+          <p:cNvPr id="15" name="CasellaDiTesto 14">
+            <a:extLst>
+              <a:ext uri="{FF2B5EF4-FFF2-40B4-BE49-F238E27FC236}">
+                <a16:creationId xmlns:a16="http://schemas.microsoft.com/office/drawing/2014/main" id="{5B1118EC-244B-4A40-9915-2292FB5311A7}"/>
+              </a:ext>
+            </a:extLst>
+          </p:cNvPr>
+          <p:cNvSpPr txBox="1"/>
+          <p:nvPr/>
+        </p:nvSpPr>
+        <p:spPr>
+          <a:xfrm>
+            <a:off x="2378171" y="6114471"/>
+            <a:ext cx="1223412" cy="369332"/>
+          </a:xfrm>
+          <a:prstGeom prst="rect">
+            <a:avLst/>
+          </a:prstGeom>
+          <a:noFill/>
+        </p:spPr>
+        <p:txBody>
+          <a:bodyPr wrap="none" rtlCol="0">
+            <a:spAutoFit/>
+          </a:bodyPr>
+          <a:lstStyle/>
+          <a:p>
+            <a:r>
+              <a:rPr lang="it-IT" dirty="0"/>
+              <a:t>BCM2711</a:t>
+            </a:r>
+          </a:p>
+        </p:txBody>
+      </p:sp>
     </p:spTree>
     <p:extLst>
       <p:ext uri="{BB962C8B-B14F-4D97-AF65-F5344CB8AC3E}">
-        <p14:creationId xmlns:p14="http://schemas.microsoft.com/office/powerpoint/2010/main" val="3467083650"/>
+        <p14:creationId xmlns:p14="http://schemas.microsoft.com/office/powerpoint/2010/main" val="1188538047"/>
       </p:ext>
     </p:extLst>
   </p:cSld>
@@ -13111,13 +13343,22 @@
           </a:bodyPr>
           <a:lstStyle/>
           <a:p>
+            <a:pPr algn="ctr"/>
+            <a:r>
+              <a:rPr lang="it-IT" dirty="0" err="1">
+                <a:solidFill>
+                  <a:schemeClr val="tx1"/>
+                </a:solidFill>
+              </a:rPr>
+              <a:t>Execution</a:t>
+            </a:r>
             <a:r>
               <a:rPr lang="it-IT" dirty="0">
                 <a:solidFill>
                   <a:schemeClr val="tx1"/>
                 </a:solidFill>
               </a:rPr>
-              <a:t>Test with </a:t>
+              <a:t> time with </a:t>
             </a:r>
             <a:r>
               <a:rPr lang="it-IT" dirty="0" err="1">
@@ -13127,23 +13368,20 @@
               </a:rPr>
               <a:t>rcm</a:t>
             </a:r>
-            <a:r>
-              <a:rPr lang="it-IT" dirty="0">
-                <a:solidFill>
-                  <a:schemeClr val="tx1"/>
-                </a:solidFill>
-              </a:rPr>
-              <a:t> 3900x</a:t>
-            </a:r>
+            <a:endParaRPr lang="it-IT" dirty="0">
+              <a:solidFill>
+                <a:schemeClr val="tx1"/>
+              </a:solidFill>
+            </a:endParaRPr>
           </a:p>
         </p:txBody>
       </p:sp>
       <p:pic>
         <p:nvPicPr>
-          <p:cNvPr id="5" name="Segnaposto contenuto 4">
-            <a:extLst>
-              <a:ext uri="{FF2B5EF4-FFF2-40B4-BE49-F238E27FC236}">
-                <a16:creationId xmlns:a16="http://schemas.microsoft.com/office/drawing/2014/main" id="{E9255F73-AA06-4273-AAF0-B0971DCA1206}"/>
+          <p:cNvPr id="8" name="Segnaposto contenuto 7">
+            <a:extLst>
+              <a:ext uri="{FF2B5EF4-FFF2-40B4-BE49-F238E27FC236}">
+                <a16:creationId xmlns:a16="http://schemas.microsoft.com/office/drawing/2014/main" id="{E89F0612-4FBE-4855-8119-0A213360C12E}"/>
               </a:ext>
             </a:extLst>
           </p:cNvPr>
@@ -13165,14 +13403,17 @@
             <a:off x="356400" y="1875600"/>
             <a:ext cx="5486400" cy="4114800"/>
           </a:xfrm>
+          <a:prstGeom prst="rect">
+            <a:avLst/>
+          </a:prstGeom>
         </p:spPr>
       </p:pic>
       <p:pic>
         <p:nvPicPr>
-          <p:cNvPr id="7" name="Immagine 6">
-            <a:extLst>
-              <a:ext uri="{FF2B5EF4-FFF2-40B4-BE49-F238E27FC236}">
-                <a16:creationId xmlns:a16="http://schemas.microsoft.com/office/drawing/2014/main" id="{64AB8974-2ABF-4C1D-A2A6-6180F423DD7D}"/>
+          <p:cNvPr id="12" name="Immagine 11">
+            <a:extLst>
+              <a:ext uri="{FF2B5EF4-FFF2-40B4-BE49-F238E27FC236}">
+                <a16:creationId xmlns:a16="http://schemas.microsoft.com/office/drawing/2014/main" id="{7EE33C42-3076-4544-B07B-D91A2B79E07D}"/>
               </a:ext>
             </a:extLst>
           </p:cNvPr>
@@ -13197,10 +13438,80 @@
           </a:prstGeom>
         </p:spPr>
       </p:pic>
+      <p:sp>
+        <p:nvSpPr>
+          <p:cNvPr id="14" name="CasellaDiTesto 13">
+            <a:extLst>
+              <a:ext uri="{FF2B5EF4-FFF2-40B4-BE49-F238E27FC236}">
+                <a16:creationId xmlns:a16="http://schemas.microsoft.com/office/drawing/2014/main" id="{4F9DA27D-5BCA-41F1-A48A-7E331CC304F6}"/>
+              </a:ext>
+            </a:extLst>
+          </p:cNvPr>
+          <p:cNvSpPr txBox="1"/>
+          <p:nvPr/>
+        </p:nvSpPr>
+        <p:spPr>
+          <a:xfrm>
+            <a:off x="8641066" y="6114471"/>
+            <a:ext cx="825867" cy="369332"/>
+          </a:xfrm>
+          <a:prstGeom prst="rect">
+            <a:avLst/>
+          </a:prstGeom>
+          <a:noFill/>
+        </p:spPr>
+        <p:txBody>
+          <a:bodyPr wrap="none" rtlCol="0">
+            <a:spAutoFit/>
+          </a:bodyPr>
+          <a:lstStyle/>
+          <a:p>
+            <a:r>
+              <a:rPr lang="it-IT" dirty="0"/>
+              <a:t>3900x</a:t>
+            </a:r>
+          </a:p>
+        </p:txBody>
+      </p:sp>
+      <p:sp>
+        <p:nvSpPr>
+          <p:cNvPr id="15" name="CasellaDiTesto 14">
+            <a:extLst>
+              <a:ext uri="{FF2B5EF4-FFF2-40B4-BE49-F238E27FC236}">
+                <a16:creationId xmlns:a16="http://schemas.microsoft.com/office/drawing/2014/main" id="{66870365-463B-45ED-B10F-DE2F8879E58E}"/>
+              </a:ext>
+            </a:extLst>
+          </p:cNvPr>
+          <p:cNvSpPr txBox="1"/>
+          <p:nvPr/>
+        </p:nvSpPr>
+        <p:spPr>
+          <a:xfrm>
+            <a:off x="2378171" y="6114471"/>
+            <a:ext cx="1223412" cy="369332"/>
+          </a:xfrm>
+          <a:prstGeom prst="rect">
+            <a:avLst/>
+          </a:prstGeom>
+          <a:noFill/>
+        </p:spPr>
+        <p:txBody>
+          <a:bodyPr wrap="none" rtlCol="0">
+            <a:spAutoFit/>
+          </a:bodyPr>
+          <a:lstStyle/>
+          <a:p>
+            <a:r>
+              <a:rPr lang="it-IT" dirty="0"/>
+              <a:t>BCM2711</a:t>
+            </a:r>
+          </a:p>
+        </p:txBody>
+      </p:sp>
     </p:spTree>
     <p:extLst>
       <p:ext uri="{BB962C8B-B14F-4D97-AF65-F5344CB8AC3E}">
-        <p14:creationId xmlns:p14="http://schemas.microsoft.com/office/powerpoint/2010/main" val="4211842913"/>
+        <p14:creationId xmlns:p14="http://schemas.microsoft.com/office/powerpoint/2010/main" val="3794830009"/>
       </p:ext>
     </p:extLst>
   </p:cSld>
@@ -13255,310 +13566,7 @@
           </a:bodyPr>
           <a:lstStyle/>
           <a:p>
-            <a:r>
-              <a:rPr lang="it-IT" dirty="0">
-                <a:solidFill>
-                  <a:schemeClr val="tx1"/>
-                </a:solidFill>
-              </a:rPr>
-              <a:t>Test </a:t>
-            </a:r>
-            <a:r>
-              <a:rPr lang="it-IT" dirty="0" err="1">
-                <a:solidFill>
-                  <a:schemeClr val="tx1"/>
-                </a:solidFill>
-              </a:rPr>
-              <a:t>without</a:t>
-            </a:r>
-            <a:r>
-              <a:rPr lang="it-IT" dirty="0">
-                <a:solidFill>
-                  <a:schemeClr val="tx1"/>
-                </a:solidFill>
-              </a:rPr>
-              <a:t> </a:t>
-            </a:r>
-            <a:r>
-              <a:rPr lang="it-IT" dirty="0" err="1">
-                <a:solidFill>
-                  <a:schemeClr val="tx1"/>
-                </a:solidFill>
-              </a:rPr>
-              <a:t>rcm</a:t>
-            </a:r>
-            <a:r>
-              <a:rPr lang="it-IT" dirty="0">
-                <a:solidFill>
-                  <a:schemeClr val="tx1"/>
-                </a:solidFill>
-              </a:rPr>
-              <a:t> bcm2711</a:t>
-            </a:r>
-          </a:p>
-        </p:txBody>
-      </p:sp>
-      <p:pic>
-        <p:nvPicPr>
-          <p:cNvPr id="5" name="Segnaposto contenuto 4">
-            <a:extLst>
-              <a:ext uri="{FF2B5EF4-FFF2-40B4-BE49-F238E27FC236}">
-                <a16:creationId xmlns:a16="http://schemas.microsoft.com/office/drawing/2014/main" id="{7A141EBB-02C6-4725-81E3-A7C0AA364093}"/>
-              </a:ext>
-            </a:extLst>
-          </p:cNvPr>
-          <p:cNvPicPr>
-            <a:picLocks noGrp="1" noChangeAspect="1"/>
-          </p:cNvPicPr>
-          <p:nvPr>
-            <p:ph idx="1"/>
-          </p:nvPr>
-        </p:nvPicPr>
-        <p:blipFill>
-          <a:blip r:embed="rId2"/>
-          <a:stretch>
-            <a:fillRect/>
-          </a:stretch>
-        </p:blipFill>
-        <p:spPr>
-          <a:xfrm>
-            <a:off x="356400" y="1875600"/>
-            <a:ext cx="5486400" cy="4114800"/>
-          </a:xfrm>
-        </p:spPr>
-      </p:pic>
-      <p:pic>
-        <p:nvPicPr>
-          <p:cNvPr id="7" name="Immagine 6">
-            <a:extLst>
-              <a:ext uri="{FF2B5EF4-FFF2-40B4-BE49-F238E27FC236}">
-                <a16:creationId xmlns:a16="http://schemas.microsoft.com/office/drawing/2014/main" id="{A37F1D62-8C19-4E35-9BAC-FDDD6BBF889B}"/>
-              </a:ext>
-            </a:extLst>
-          </p:cNvPr>
-          <p:cNvPicPr>
-            <a:picLocks noChangeAspect="1"/>
-          </p:cNvPicPr>
-          <p:nvPr/>
-        </p:nvPicPr>
-        <p:blipFill>
-          <a:blip r:embed="rId3"/>
-          <a:stretch>
-            <a:fillRect/>
-          </a:stretch>
-        </p:blipFill>
-        <p:spPr>
-          <a:xfrm>
-            <a:off x="6310800" y="1875600"/>
-            <a:ext cx="5486400" cy="4114800"/>
-          </a:xfrm>
-          <a:prstGeom prst="rect">
-            <a:avLst/>
-          </a:prstGeom>
-        </p:spPr>
-      </p:pic>
-    </p:spTree>
-    <p:extLst>
-      <p:ext uri="{BB962C8B-B14F-4D97-AF65-F5344CB8AC3E}">
-        <p14:creationId xmlns:p14="http://schemas.microsoft.com/office/powerpoint/2010/main" val="2267199963"/>
-      </p:ext>
-    </p:extLst>
-  </p:cSld>
-  <p:clrMapOvr>
-    <a:masterClrMapping/>
-  </p:clrMapOvr>
-</p:sld>
-</file>
-
-<file path=ppt/slides/slide18.xml><?xml version="1.0" encoding="utf-8"?>
-<p:sld xmlns:a="http://schemas.openxmlformats.org/drawingml/2006/main" xmlns:r="http://schemas.openxmlformats.org/officeDocument/2006/relationships" xmlns:p="http://schemas.openxmlformats.org/presentationml/2006/main">
-  <p:cSld>
-    <p:spTree>
-      <p:nvGrpSpPr>
-        <p:cNvPr id="1" name=""/>
-        <p:cNvGrpSpPr/>
-        <p:nvPr/>
-      </p:nvGrpSpPr>
-      <p:grpSpPr>
-        <a:xfrm>
-          <a:off x="0" y="0"/>
-          <a:ext cx="0" cy="0"/>
-          <a:chOff x="0" y="0"/>
-          <a:chExt cx="0" cy="0"/>
-        </a:xfrm>
-      </p:grpSpPr>
-      <p:sp>
-        <p:nvSpPr>
-          <p:cNvPr id="2" name="Titolo 1">
-            <a:extLst>
-              <a:ext uri="{FF2B5EF4-FFF2-40B4-BE49-F238E27FC236}">
-                <a16:creationId xmlns:a16="http://schemas.microsoft.com/office/drawing/2014/main" id="{92260F29-11ED-4A37-8C5D-A0D4CCE9177A}"/>
-              </a:ext>
-            </a:extLst>
-          </p:cNvPr>
-          <p:cNvSpPr>
-            <a:spLocks noGrp="1"/>
-          </p:cNvSpPr>
-          <p:nvPr>
-            <p:ph type="title"/>
-          </p:nvPr>
-        </p:nvSpPr>
-        <p:spPr>
-          <a:xfrm>
-            <a:off x="576072" y="365125"/>
-            <a:ext cx="10771632" cy="1325563"/>
-          </a:xfrm>
-        </p:spPr>
-        <p:txBody>
-          <a:bodyPr anchor="ctr">
-            <a:normAutofit/>
-          </a:bodyPr>
-          <a:lstStyle/>
-          <a:p>
-            <a:r>
-              <a:rPr lang="it-IT" dirty="0">
-                <a:solidFill>
-                  <a:schemeClr val="tx1"/>
-                </a:solidFill>
-              </a:rPr>
-              <a:t>Test with </a:t>
-            </a:r>
-            <a:r>
-              <a:rPr lang="it-IT" dirty="0" err="1">
-                <a:solidFill>
-                  <a:schemeClr val="tx1"/>
-                </a:solidFill>
-              </a:rPr>
-              <a:t>rcm</a:t>
-            </a:r>
-            <a:r>
-              <a:rPr lang="it-IT" dirty="0">
-                <a:solidFill>
-                  <a:schemeClr val="tx1"/>
-                </a:solidFill>
-              </a:rPr>
-              <a:t> bcm2711</a:t>
-            </a:r>
-          </a:p>
-        </p:txBody>
-      </p:sp>
-      <p:pic>
-        <p:nvPicPr>
-          <p:cNvPr id="5" name="Segnaposto contenuto 4">
-            <a:extLst>
-              <a:ext uri="{FF2B5EF4-FFF2-40B4-BE49-F238E27FC236}">
-                <a16:creationId xmlns:a16="http://schemas.microsoft.com/office/drawing/2014/main" id="{536F8BAB-1008-46DE-9427-CF0EBCEF2398}"/>
-              </a:ext>
-            </a:extLst>
-          </p:cNvPr>
-          <p:cNvPicPr>
-            <a:picLocks noGrp="1" noChangeAspect="1"/>
-          </p:cNvPicPr>
-          <p:nvPr>
-            <p:ph idx="1"/>
-          </p:nvPr>
-        </p:nvPicPr>
-        <p:blipFill>
-          <a:blip r:embed="rId2"/>
-          <a:stretch>
-            <a:fillRect/>
-          </a:stretch>
-        </p:blipFill>
-        <p:spPr>
-          <a:xfrm>
-            <a:off x="356400" y="1875600"/>
-            <a:ext cx="5486400" cy="4114800"/>
-          </a:xfrm>
-        </p:spPr>
-      </p:pic>
-      <p:pic>
-        <p:nvPicPr>
-          <p:cNvPr id="7" name="Immagine 6">
-            <a:extLst>
-              <a:ext uri="{FF2B5EF4-FFF2-40B4-BE49-F238E27FC236}">
-                <a16:creationId xmlns:a16="http://schemas.microsoft.com/office/drawing/2014/main" id="{207B272B-53D4-4251-96BD-423E3549E035}"/>
-              </a:ext>
-            </a:extLst>
-          </p:cNvPr>
-          <p:cNvPicPr>
-            <a:picLocks noChangeAspect="1"/>
-          </p:cNvPicPr>
-          <p:nvPr/>
-        </p:nvPicPr>
-        <p:blipFill>
-          <a:blip r:embed="rId3"/>
-          <a:stretch>
-            <a:fillRect/>
-          </a:stretch>
-        </p:blipFill>
-        <p:spPr>
-          <a:xfrm>
-            <a:off x="6310800" y="1875600"/>
-            <a:ext cx="5486400" cy="4114800"/>
-          </a:xfrm>
-          <a:prstGeom prst="rect">
-            <a:avLst/>
-          </a:prstGeom>
-        </p:spPr>
-      </p:pic>
-    </p:spTree>
-    <p:extLst>
-      <p:ext uri="{BB962C8B-B14F-4D97-AF65-F5344CB8AC3E}">
-        <p14:creationId xmlns:p14="http://schemas.microsoft.com/office/powerpoint/2010/main" val="1874635005"/>
-      </p:ext>
-    </p:extLst>
-  </p:cSld>
-  <p:clrMapOvr>
-    <a:masterClrMapping/>
-  </p:clrMapOvr>
-</p:sld>
-</file>
-
-<file path=ppt/slides/slide19.xml><?xml version="1.0" encoding="utf-8"?>
-<p:sld xmlns:a="http://schemas.openxmlformats.org/drawingml/2006/main" xmlns:r="http://schemas.openxmlformats.org/officeDocument/2006/relationships" xmlns:p="http://schemas.openxmlformats.org/presentationml/2006/main">
-  <p:cSld>
-    <p:spTree>
-      <p:nvGrpSpPr>
-        <p:cNvPr id="1" name=""/>
-        <p:cNvGrpSpPr/>
-        <p:nvPr/>
-      </p:nvGrpSpPr>
-      <p:grpSpPr>
-        <a:xfrm>
-          <a:off x="0" y="0"/>
-          <a:ext cx="0" cy="0"/>
-          <a:chOff x="0" y="0"/>
-          <a:chExt cx="0" cy="0"/>
-        </a:xfrm>
-      </p:grpSpPr>
-      <p:sp>
-        <p:nvSpPr>
-          <p:cNvPr id="2" name="Titolo 1">
-            <a:extLst>
-              <a:ext uri="{FF2B5EF4-FFF2-40B4-BE49-F238E27FC236}">
-                <a16:creationId xmlns:a16="http://schemas.microsoft.com/office/drawing/2014/main" id="{92260F29-11ED-4A37-8C5D-A0D4CCE9177A}"/>
-              </a:ext>
-            </a:extLst>
-          </p:cNvPr>
-          <p:cNvSpPr>
-            <a:spLocks noGrp="1"/>
-          </p:cNvSpPr>
-          <p:nvPr>
-            <p:ph type="title"/>
-          </p:nvPr>
-        </p:nvSpPr>
-        <p:spPr>
-          <a:xfrm>
-            <a:off x="576072" y="365125"/>
-            <a:ext cx="10771632" cy="1325563"/>
-          </a:xfrm>
-        </p:spPr>
-        <p:txBody>
-          <a:bodyPr anchor="ctr">
-            <a:normAutofit/>
-          </a:bodyPr>
-          <a:lstStyle/>
-          <a:p>
+            <a:pPr algn="ctr"/>
             <a:r>
               <a:rPr lang="it-IT" dirty="0" err="1">
                 <a:solidFill>
@@ -13591,7 +13599,12 @@
             <p:ph idx="1"/>
           </p:nvPr>
         </p:nvSpPr>
-        <p:spPr/>
+        <p:spPr>
+          <a:xfrm>
+            <a:off x="710184" y="1825625"/>
+            <a:ext cx="10771632" cy="4351338"/>
+          </a:xfrm>
+        </p:spPr>
         <p:txBody>
           <a:bodyPr/>
           <a:lstStyle/>
@@ -14236,6 +14249,7 @@
           <a:bodyPr/>
           <a:lstStyle/>
           <a:p>
+            <a:pPr algn="ctr"/>
             <a:r>
               <a:rPr lang="it-IT" dirty="0" err="1">
                 <a:solidFill>
@@ -14268,7 +14282,12 @@
             <p:ph idx="1"/>
           </p:nvPr>
         </p:nvSpPr>
-        <p:spPr/>
+        <p:spPr>
+          <a:xfrm>
+            <a:off x="710184" y="1835150"/>
+            <a:ext cx="10771632" cy="4351338"/>
+          </a:xfrm>
+        </p:spPr>
         <p:txBody>
           <a:bodyPr/>
           <a:lstStyle/>
@@ -14376,13 +14395,14 @@
           <a:bodyPr/>
           <a:lstStyle/>
           <a:p>
+            <a:pPr algn="ctr"/>
             <a:r>
               <a:rPr lang="it-IT" dirty="0" err="1">
                 <a:solidFill>
                   <a:schemeClr val="tx1"/>
                 </a:solidFill>
               </a:rPr>
-              <a:t>definitions</a:t>
+              <a:t>motivation</a:t>
             </a:r>
             <a:endParaRPr lang="it-IT" dirty="0">
               <a:solidFill>
@@ -14392,741 +14412,236 @@
           </a:p>
         </p:txBody>
       </p:sp>
-      <mc:AlternateContent xmlns:mc="http://schemas.openxmlformats.org/markup-compatibility/2006" xmlns:a14="http://schemas.microsoft.com/office/drawing/2010/main">
-        <mc:Choice Requires="a14">
-          <p:sp>
-            <p:nvSpPr>
-              <p:cNvPr id="3" name="Segnaposto contenuto 2">
-                <a:extLst>
-                  <a:ext uri="{FF2B5EF4-FFF2-40B4-BE49-F238E27FC236}">
-                    <a16:creationId xmlns:a16="http://schemas.microsoft.com/office/drawing/2014/main" id="{03F1FE39-20CD-49DD-9C63-BBB9CB6E564F}"/>
-                  </a:ext>
-                </a:extLst>
-              </p:cNvPr>
-              <p:cNvSpPr>
-                <a:spLocks noGrp="1"/>
-              </p:cNvSpPr>
-              <p:nvPr>
-                <p:ph idx="1"/>
-              </p:nvPr>
-            </p:nvSpPr>
-            <p:spPr/>
-            <p:txBody>
-              <a:bodyPr>
-                <a:normAutofit lnSpcReduction="10000"/>
-              </a:bodyPr>
-              <a:lstStyle/>
-              <a:p>
-                <a:pPr>
-                  <a:lnSpc>
-                    <a:spcPct val="110000"/>
-                  </a:lnSpc>
-                </a:pPr>
-                <a:r>
-                  <a:rPr lang="en-US" dirty="0">
-                    <a:solidFill>
-                      <a:schemeClr val="tx1"/>
-                    </a:solidFill>
-                  </a:rPr>
-                  <a:t>Set of transactions that must be anonymized </a:t>
-                </a:r>
-                <a14:m>
-                  <m:oMath xmlns:m="http://schemas.openxmlformats.org/officeDocument/2006/math">
-                    <m:r>
-                      <a:rPr lang="it-IT" i="1">
-                        <a:solidFill>
-                          <a:schemeClr val="tx1"/>
-                        </a:solidFill>
-                        <a:latin typeface="Cambria Math" panose="02040503050406030204" pitchFamily="18" charset="0"/>
-                      </a:rPr>
-                      <m:t>𝑇</m:t>
-                    </m:r>
-                  </m:oMath>
-                </a14:m>
-                <a:r>
-                  <a:rPr lang="en-US" dirty="0">
-                    <a:solidFill>
-                      <a:schemeClr val="tx1"/>
-                    </a:solidFill>
-                  </a:rPr>
-                  <a:t> </a:t>
-                </a:r>
-                <a14:m>
-                  <m:oMath xmlns:m="http://schemas.openxmlformats.org/officeDocument/2006/math">
-                    <m:r>
-                      <a:rPr lang="it-IT" i="1">
-                        <a:solidFill>
-                          <a:schemeClr val="tx1"/>
-                        </a:solidFill>
-                        <a:latin typeface="Cambria Math" panose="02040503050406030204" pitchFamily="18" charset="0"/>
-                      </a:rPr>
-                      <m:t>=</m:t>
-                    </m:r>
-                  </m:oMath>
-                </a14:m>
-                <a:r>
-                  <a:rPr lang="en-US" dirty="0">
-                    <a:solidFill>
-                      <a:schemeClr val="tx1"/>
-                    </a:solidFill>
-                  </a:rPr>
-                  <a:t> {</a:t>
-                </a:r>
-                <a14:m>
-                  <m:oMath xmlns:m="http://schemas.openxmlformats.org/officeDocument/2006/math">
-                    <m:sSub>
-                      <m:sSubPr>
-                        <m:ctrlPr>
-                          <a:rPr lang="it-IT" i="1" smtClean="0">
-                            <a:solidFill>
-                              <a:schemeClr val="tx1"/>
-                            </a:solidFill>
-                            <a:latin typeface="Cambria Math" panose="02040503050406030204" pitchFamily="18" charset="0"/>
-                          </a:rPr>
-                        </m:ctrlPr>
-                      </m:sSubPr>
-                      <m:e>
-                        <m:r>
-                          <a:rPr lang="it-IT" i="1">
-                            <a:solidFill>
-                              <a:schemeClr val="tx1"/>
-                            </a:solidFill>
-                            <a:latin typeface="Cambria Math" panose="02040503050406030204" pitchFamily="18" charset="0"/>
-                          </a:rPr>
-                          <m:t>𝑡</m:t>
-                        </m:r>
-                      </m:e>
-                      <m:sub>
-                        <m:r>
-                          <a:rPr lang="it-IT" b="0" i="1" smtClean="0">
-                            <a:solidFill>
-                              <a:schemeClr val="tx1"/>
-                            </a:solidFill>
-                            <a:latin typeface="Cambria Math" panose="02040503050406030204" pitchFamily="18" charset="0"/>
-                          </a:rPr>
-                          <m:t>1</m:t>
-                        </m:r>
-                      </m:sub>
-                    </m:sSub>
-                  </m:oMath>
-                </a14:m>
-                <a:r>
-                  <a:rPr lang="it-IT" dirty="0">
-                    <a:solidFill>
-                      <a:schemeClr val="tx1"/>
-                    </a:solidFill>
-                  </a:rPr>
-                  <a:t>, … , </a:t>
-                </a:r>
-                <a14:m>
-                  <m:oMath xmlns:m="http://schemas.openxmlformats.org/officeDocument/2006/math">
-                    <m:sSub>
-                      <m:sSubPr>
-                        <m:ctrlPr>
-                          <a:rPr lang="it-IT" i="1">
-                            <a:solidFill>
-                              <a:schemeClr val="tx1"/>
-                            </a:solidFill>
-                            <a:latin typeface="Cambria Math" panose="02040503050406030204" pitchFamily="18" charset="0"/>
-                          </a:rPr>
-                        </m:ctrlPr>
-                      </m:sSubPr>
-                      <m:e>
-                        <m:r>
-                          <a:rPr lang="it-IT" i="1">
-                            <a:solidFill>
-                              <a:schemeClr val="tx1"/>
-                            </a:solidFill>
-                            <a:latin typeface="Cambria Math" panose="02040503050406030204" pitchFamily="18" charset="0"/>
-                          </a:rPr>
-                          <m:t>𝑡</m:t>
-                        </m:r>
-                      </m:e>
-                      <m:sub>
-                        <m:r>
-                          <a:rPr lang="it-IT" b="0" i="1" smtClean="0">
-                            <a:solidFill>
-                              <a:schemeClr val="tx1"/>
-                            </a:solidFill>
-                            <a:latin typeface="Cambria Math" panose="02040503050406030204" pitchFamily="18" charset="0"/>
-                          </a:rPr>
-                          <m:t>𝑛</m:t>
-                        </m:r>
-                      </m:sub>
-                    </m:sSub>
-                  </m:oMath>
-                </a14:m>
-                <a:r>
-                  <a:rPr lang="it-IT" dirty="0">
-                    <a:solidFill>
-                      <a:schemeClr val="tx1"/>
-                    </a:solidFill>
-                  </a:rPr>
-                  <a:t>},</a:t>
-                </a:r>
-              </a:p>
-              <a:p>
-                <a:pPr marL="0" indent="0">
-                  <a:buNone/>
-                </a:pPr>
-                <a:r>
-                  <a:rPr lang="it-IT" dirty="0">
-                    <a:solidFill>
-                      <a:schemeClr val="tx1"/>
-                    </a:solidFill>
-                  </a:rPr>
-                  <a:t> </a:t>
-                </a:r>
-                <a14:m>
-                  <m:oMath xmlns:m="http://schemas.openxmlformats.org/officeDocument/2006/math">
-                    <m:r>
-                      <a:rPr lang="it-IT" b="0" i="1" smtClean="0">
-                        <a:solidFill>
-                          <a:schemeClr val="tx1"/>
-                        </a:solidFill>
-                        <a:latin typeface="Cambria Math" panose="02040503050406030204" pitchFamily="18" charset="0"/>
-                      </a:rPr>
-                      <m:t>𝑛</m:t>
-                    </m:r>
-                    <m:r>
-                      <a:rPr lang="it-IT" b="0" i="1" smtClean="0">
-                        <a:solidFill>
-                          <a:schemeClr val="tx1"/>
-                        </a:solidFill>
-                        <a:latin typeface="Cambria Math" panose="02040503050406030204" pitchFamily="18" charset="0"/>
-                      </a:rPr>
-                      <m:t>=</m:t>
-                    </m:r>
-                    <m:d>
-                      <m:dPr>
-                        <m:begChr m:val="|"/>
-                        <m:endChr m:val="|"/>
-                        <m:ctrlPr>
-                          <a:rPr lang="it-IT" b="0" i="1" smtClean="0">
-                            <a:solidFill>
-                              <a:schemeClr val="tx1"/>
-                            </a:solidFill>
-                            <a:latin typeface="Cambria Math" panose="02040503050406030204" pitchFamily="18" charset="0"/>
-                          </a:rPr>
-                        </m:ctrlPr>
-                      </m:dPr>
-                      <m:e>
-                        <m:r>
-                          <a:rPr lang="it-IT" b="0" i="1" smtClean="0">
-                            <a:solidFill>
-                              <a:schemeClr val="tx1"/>
-                            </a:solidFill>
-                            <a:latin typeface="Cambria Math" panose="02040503050406030204" pitchFamily="18" charset="0"/>
-                          </a:rPr>
-                          <m:t>𝑇</m:t>
-                        </m:r>
-                      </m:e>
-                    </m:d>
-                  </m:oMath>
-                </a14:m>
-                <a:r>
-                  <a:rPr lang="it-IT" dirty="0">
-                    <a:solidFill>
-                      <a:schemeClr val="tx1"/>
-                    </a:solidFill>
-                  </a:rPr>
-                  <a:t>.</a:t>
-                </a:r>
-              </a:p>
-              <a:p>
-                <a:pPr>
-                  <a:lnSpc>
-                    <a:spcPct val="110000"/>
-                  </a:lnSpc>
-                </a:pPr>
-                <a:r>
-                  <a:rPr lang="it-IT" dirty="0">
-                    <a:solidFill>
-                      <a:schemeClr val="tx1"/>
-                    </a:solidFill>
-                  </a:rPr>
-                  <a:t>Set of items </a:t>
-                </a:r>
-                <a14:m>
-                  <m:oMath xmlns:m="http://schemas.openxmlformats.org/officeDocument/2006/math">
-                    <m:r>
-                      <a:rPr lang="it-IT" b="0" i="1" smtClean="0">
-                        <a:solidFill>
-                          <a:schemeClr val="tx1"/>
-                        </a:solidFill>
-                        <a:latin typeface="Cambria Math" panose="02040503050406030204" pitchFamily="18" charset="0"/>
-                      </a:rPr>
-                      <m:t>𝐼</m:t>
-                    </m:r>
-                    <m:r>
-                      <a:rPr lang="it-IT" b="0" i="1" smtClean="0">
-                        <a:solidFill>
-                          <a:schemeClr val="tx1"/>
-                        </a:solidFill>
-                        <a:latin typeface="Cambria Math" panose="02040503050406030204" pitchFamily="18" charset="0"/>
-                      </a:rPr>
-                      <m:t>=</m:t>
-                    </m:r>
-                  </m:oMath>
-                </a14:m>
-                <a:r>
-                  <a:rPr lang="it-IT" dirty="0">
-                    <a:solidFill>
-                      <a:schemeClr val="tx1"/>
-                    </a:solidFill>
-                  </a:rPr>
-                  <a:t> {</a:t>
-                </a:r>
-                <a14:m>
-                  <m:oMath xmlns:m="http://schemas.openxmlformats.org/officeDocument/2006/math">
-                    <m:sSub>
-                      <m:sSubPr>
-                        <m:ctrlPr>
-                          <a:rPr lang="it-IT" i="1" smtClean="0">
-                            <a:solidFill>
-                              <a:schemeClr val="tx1"/>
-                            </a:solidFill>
-                            <a:latin typeface="Cambria Math" panose="02040503050406030204" pitchFamily="18" charset="0"/>
-                          </a:rPr>
-                        </m:ctrlPr>
-                      </m:sSubPr>
-                      <m:e>
-                        <m:r>
-                          <a:rPr lang="it-IT" b="0" i="1" smtClean="0">
-                            <a:solidFill>
-                              <a:schemeClr val="tx1"/>
-                            </a:solidFill>
-                            <a:latin typeface="Cambria Math" panose="02040503050406030204" pitchFamily="18" charset="0"/>
-                          </a:rPr>
-                          <m:t>𝑖</m:t>
-                        </m:r>
-                      </m:e>
-                      <m:sub>
-                        <m:r>
-                          <a:rPr lang="it-IT" b="0" i="1" smtClean="0">
-                            <a:solidFill>
-                              <a:schemeClr val="tx1"/>
-                            </a:solidFill>
-                            <a:latin typeface="Cambria Math" panose="02040503050406030204" pitchFamily="18" charset="0"/>
-                          </a:rPr>
-                          <m:t>1</m:t>
-                        </m:r>
-                      </m:sub>
-                    </m:sSub>
-                  </m:oMath>
-                </a14:m>
-                <a:r>
-                  <a:rPr lang="it-IT" dirty="0">
-                    <a:solidFill>
-                      <a:schemeClr val="tx1"/>
-                    </a:solidFill>
-                  </a:rPr>
-                  <a:t>, … , </a:t>
-                </a:r>
-                <a14:m>
-                  <m:oMath xmlns:m="http://schemas.openxmlformats.org/officeDocument/2006/math">
-                    <m:sSub>
-                      <m:sSubPr>
-                        <m:ctrlPr>
-                          <a:rPr lang="it-IT" i="1">
-                            <a:solidFill>
-                              <a:schemeClr val="tx1"/>
-                            </a:solidFill>
-                            <a:latin typeface="Cambria Math" panose="02040503050406030204" pitchFamily="18" charset="0"/>
-                          </a:rPr>
-                        </m:ctrlPr>
-                      </m:sSubPr>
-                      <m:e>
-                        <m:r>
-                          <a:rPr lang="it-IT" b="0" i="1" smtClean="0">
-                            <a:solidFill>
-                              <a:schemeClr val="tx1"/>
-                            </a:solidFill>
-                            <a:latin typeface="Cambria Math" panose="02040503050406030204" pitchFamily="18" charset="0"/>
-                          </a:rPr>
-                          <m:t>𝑖</m:t>
-                        </m:r>
-                      </m:e>
-                      <m:sub>
-                        <m:r>
-                          <a:rPr lang="it-IT" b="0" i="1" smtClean="0">
-                            <a:solidFill>
-                              <a:schemeClr val="tx1"/>
-                            </a:solidFill>
-                            <a:latin typeface="Cambria Math" panose="02040503050406030204" pitchFamily="18" charset="0"/>
-                          </a:rPr>
-                          <m:t>𝑑</m:t>
-                        </m:r>
-                      </m:sub>
-                    </m:sSub>
-                  </m:oMath>
-                </a14:m>
-                <a:r>
-                  <a:rPr lang="it-IT" dirty="0">
-                    <a:solidFill>
-                      <a:schemeClr val="tx1"/>
-                    </a:solidFill>
-                  </a:rPr>
-                  <a:t>}, </a:t>
-                </a:r>
-                <a14:m>
-                  <m:oMath xmlns:m="http://schemas.openxmlformats.org/officeDocument/2006/math">
-                    <m:r>
-                      <m:rPr>
-                        <m:sty m:val="p"/>
-                      </m:rPr>
-                      <a:rPr lang="it-IT" b="0" i="0" smtClean="0">
-                        <a:solidFill>
-                          <a:schemeClr val="tx1"/>
-                        </a:solidFill>
-                        <a:latin typeface="Cambria Math" panose="02040503050406030204" pitchFamily="18" charset="0"/>
-                      </a:rPr>
-                      <m:t>d</m:t>
-                    </m:r>
-                    <m:r>
-                      <a:rPr lang="it-IT" b="0" i="1" smtClean="0">
-                        <a:solidFill>
-                          <a:schemeClr val="tx1"/>
-                        </a:solidFill>
-                        <a:latin typeface="Cambria Math" panose="02040503050406030204" pitchFamily="18" charset="0"/>
-                      </a:rPr>
-                      <m:t>=|</m:t>
-                    </m:r>
-                    <m:r>
-                      <a:rPr lang="it-IT" b="0" i="1" smtClean="0">
-                        <a:solidFill>
-                          <a:schemeClr val="tx1"/>
-                        </a:solidFill>
-                        <a:latin typeface="Cambria Math" panose="02040503050406030204" pitchFamily="18" charset="0"/>
-                      </a:rPr>
-                      <m:t>𝐼</m:t>
-                    </m:r>
-                    <m:r>
-                      <a:rPr lang="it-IT" b="0" i="1" smtClean="0">
-                        <a:solidFill>
-                          <a:schemeClr val="tx1"/>
-                        </a:solidFill>
-                        <a:latin typeface="Cambria Math" panose="02040503050406030204" pitchFamily="18" charset="0"/>
-                      </a:rPr>
-                      <m:t>|</m:t>
-                    </m:r>
-                  </m:oMath>
-                </a14:m>
-                <a:r>
-                  <a:rPr lang="it-IT" dirty="0">
-                    <a:solidFill>
-                      <a:schemeClr val="tx1"/>
-                    </a:solidFill>
-                  </a:rPr>
-                  <a:t>.</a:t>
-                </a:r>
-              </a:p>
-              <a:p>
-                <a:pPr>
-                  <a:lnSpc>
-                    <a:spcPct val="110000"/>
-                  </a:lnSpc>
-                </a:pPr>
-                <a:r>
-                  <a:rPr lang="en-US" dirty="0">
-                    <a:solidFill>
-                      <a:schemeClr val="tx1"/>
-                    </a:solidFill>
-                  </a:rPr>
-                  <a:t>SD, Sensitive Data, the set </a:t>
-                </a:r>
-                <a14:m>
-                  <m:oMath xmlns:m="http://schemas.openxmlformats.org/officeDocument/2006/math">
-                    <m:r>
-                      <a:rPr lang="it-IT" b="0" i="1" smtClean="0">
-                        <a:solidFill>
-                          <a:schemeClr val="tx1"/>
-                        </a:solidFill>
-                        <a:latin typeface="Cambria Math" panose="02040503050406030204" pitchFamily="18" charset="0"/>
-                      </a:rPr>
-                      <m:t>𝑆</m:t>
-                    </m:r>
-                    <m:r>
-                      <a:rPr lang="it-IT" b="0" i="1" smtClean="0">
-                        <a:solidFill>
-                          <a:schemeClr val="tx1"/>
-                        </a:solidFill>
-                        <a:latin typeface="Cambria Math" panose="02040503050406030204" pitchFamily="18" charset="0"/>
-                        <a:ea typeface="Cambria Math" panose="02040503050406030204" pitchFamily="18" charset="0"/>
-                      </a:rPr>
-                      <m:t>∈</m:t>
-                    </m:r>
-                    <m:r>
-                      <a:rPr lang="it-IT" b="0" i="1" smtClean="0">
-                        <a:solidFill>
-                          <a:schemeClr val="tx1"/>
-                        </a:solidFill>
-                        <a:latin typeface="Cambria Math" panose="02040503050406030204" pitchFamily="18" charset="0"/>
-                        <a:ea typeface="Cambria Math" panose="02040503050406030204" pitchFamily="18" charset="0"/>
-                      </a:rPr>
-                      <m:t>𝐼</m:t>
-                    </m:r>
-                  </m:oMath>
-                </a14:m>
-                <a:r>
-                  <a:rPr lang="it-IT" dirty="0">
-                    <a:solidFill>
-                      <a:schemeClr val="tx1"/>
-                    </a:solidFill>
-                  </a:rPr>
-                  <a:t> of items that </a:t>
-                </a:r>
-                <a:r>
-                  <a:rPr lang="it-IT" dirty="0" err="1">
-                    <a:solidFill>
-                      <a:schemeClr val="tx1"/>
-                    </a:solidFill>
-                  </a:rPr>
-                  <a:t>represent</a:t>
-                </a:r>
-                <a:r>
-                  <a:rPr lang="it-IT" dirty="0">
-                    <a:solidFill>
-                      <a:schemeClr val="tx1"/>
-                    </a:solidFill>
-                  </a:rPr>
-                  <a:t> a </a:t>
-                </a:r>
-                <a:r>
-                  <a:rPr lang="it-IT" dirty="0" err="1">
-                    <a:solidFill>
-                      <a:schemeClr val="tx1"/>
-                    </a:solidFill>
-                  </a:rPr>
-                  <a:t>threat</a:t>
-                </a:r>
-                <a:r>
-                  <a:rPr lang="it-IT" dirty="0">
-                    <a:solidFill>
-                      <a:schemeClr val="tx1"/>
-                    </a:solidFill>
-                  </a:rPr>
-                  <a:t> to privacy if </a:t>
-                </a:r>
-                <a:r>
-                  <a:rPr lang="it-IT" dirty="0" err="1">
-                    <a:solidFill>
-                      <a:schemeClr val="tx1"/>
-                    </a:solidFill>
-                  </a:rPr>
-                  <a:t>associated</a:t>
-                </a:r>
-                <a:r>
-                  <a:rPr lang="it-IT" dirty="0">
-                    <a:solidFill>
-                      <a:schemeClr val="tx1"/>
-                    </a:solidFill>
-                  </a:rPr>
-                  <a:t> with a </a:t>
-                </a:r>
-                <a:r>
-                  <a:rPr lang="it-IT" dirty="0" err="1">
-                    <a:solidFill>
-                      <a:schemeClr val="tx1"/>
-                    </a:solidFill>
-                  </a:rPr>
-                  <a:t>certain</a:t>
-                </a:r>
-                <a:r>
-                  <a:rPr lang="it-IT" dirty="0">
-                    <a:solidFill>
-                      <a:schemeClr val="tx1"/>
-                    </a:solidFill>
-                  </a:rPr>
-                  <a:t> </a:t>
-                </a:r>
-                <a:r>
-                  <a:rPr lang="it-IT" dirty="0" err="1">
-                    <a:solidFill>
-                      <a:schemeClr val="tx1"/>
-                    </a:solidFill>
-                  </a:rPr>
-                  <a:t>transaction</a:t>
-                </a:r>
-                <a:r>
-                  <a:rPr lang="it-IT" dirty="0">
-                    <a:solidFill>
-                      <a:schemeClr val="tx1"/>
-                    </a:solidFill>
-                  </a:rPr>
-                  <a:t>.</a:t>
-                </a:r>
-              </a:p>
-              <a:p>
-                <a:pPr>
-                  <a:lnSpc>
-                    <a:spcPct val="100000"/>
-                  </a:lnSpc>
-                </a:pPr>
-                <a:r>
-                  <a:rPr lang="it-IT" dirty="0">
-                    <a:solidFill>
-                      <a:schemeClr val="tx1"/>
-                    </a:solidFill>
-                  </a:rPr>
-                  <a:t>QID, the </a:t>
-                </a:r>
-                <a:r>
-                  <a:rPr lang="it-IT" dirty="0" err="1">
-                    <a:solidFill>
-                      <a:schemeClr val="tx1"/>
-                    </a:solidFill>
-                  </a:rPr>
-                  <a:t>rest</a:t>
-                </a:r>
-                <a:r>
-                  <a:rPr lang="it-IT" dirty="0">
-                    <a:solidFill>
-                      <a:schemeClr val="tx1"/>
-                    </a:solidFill>
-                  </a:rPr>
-                  <a:t> of the items in </a:t>
-                </a:r>
-                <a14:m>
-                  <m:oMath xmlns:m="http://schemas.openxmlformats.org/officeDocument/2006/math">
-                    <m:r>
-                      <a:rPr lang="it-IT" b="0" i="1" smtClean="0">
-                        <a:solidFill>
-                          <a:schemeClr val="tx1"/>
-                        </a:solidFill>
-                        <a:latin typeface="Cambria Math" panose="02040503050406030204" pitchFamily="18" charset="0"/>
-                      </a:rPr>
-                      <m:t>𝐼</m:t>
-                    </m:r>
-                    <m:r>
-                      <a:rPr lang="it-IT" b="0" i="0" smtClean="0">
-                        <a:solidFill>
-                          <a:schemeClr val="tx1"/>
-                        </a:solidFill>
-                        <a:latin typeface="Cambria Math" panose="02040503050406030204" pitchFamily="18" charset="0"/>
-                      </a:rPr>
-                      <m:t> </m:t>
-                    </m:r>
-                  </m:oMath>
-                </a14:m>
-                <a:r>
-                  <a:rPr lang="en-US" dirty="0">
-                    <a:solidFill>
-                      <a:schemeClr val="tx1"/>
-                    </a:solidFill>
-                  </a:rPr>
-                  <a:t>are non-sensitive and we denote them as </a:t>
-                </a:r>
-                <a:r>
-                  <a:rPr lang="it-IT" dirty="0">
-                    <a:solidFill>
-                      <a:schemeClr val="tx1"/>
-                    </a:solidFill>
-                  </a:rPr>
-                  <a:t>Quasi-</a:t>
-                </a:r>
-                <a:r>
-                  <a:rPr lang="it-IT" dirty="0" err="1">
-                    <a:solidFill>
-                      <a:schemeClr val="tx1"/>
-                    </a:solidFill>
-                  </a:rPr>
-                  <a:t>Identifiers</a:t>
-                </a:r>
-                <a:r>
-                  <a:rPr lang="it-IT" dirty="0">
-                    <a:solidFill>
-                      <a:schemeClr val="tx1"/>
-                    </a:solidFill>
-                  </a:rPr>
-                  <a:t>. A</a:t>
-                </a:r>
-                <a:r>
-                  <a:rPr lang="en-US" dirty="0">
-                    <a:solidFill>
-                      <a:schemeClr val="tx1"/>
-                    </a:solidFill>
-                  </a:rPr>
-                  <a:t>n attacker can join the QID with external </a:t>
-                </a:r>
-                <a:r>
-                  <a:rPr lang="en-US" dirty="0" err="1">
-                    <a:solidFill>
-                      <a:schemeClr val="tx1"/>
-                    </a:solidFill>
-                  </a:rPr>
-                  <a:t>informations</a:t>
-                </a:r>
-                <a:r>
-                  <a:rPr lang="en-US" dirty="0">
-                    <a:solidFill>
-                      <a:schemeClr val="tx1"/>
-                    </a:solidFill>
-                  </a:rPr>
-                  <a:t> to reidentify individual records.</a:t>
-                </a:r>
-              </a:p>
-              <a:p>
-                <a:endParaRPr lang="it-IT" dirty="0">
-                  <a:solidFill>
-                    <a:schemeClr val="tx1"/>
-                  </a:solidFill>
-                </a:endParaRPr>
-              </a:p>
-              <a:p>
-                <a:endParaRPr lang="it-IT" dirty="0">
-                  <a:solidFill>
-                    <a:schemeClr val="tx1"/>
-                  </a:solidFill>
-                </a:endParaRPr>
-              </a:p>
-            </p:txBody>
-          </p:sp>
-        </mc:Choice>
-        <mc:Fallback xmlns="">
-          <p:sp>
-            <p:nvSpPr>
-              <p:cNvPr id="3" name="Segnaposto contenuto 2">
-                <a:extLst>
-                  <a:ext uri="{FF2B5EF4-FFF2-40B4-BE49-F238E27FC236}">
-                    <a16:creationId xmlns:a16="http://schemas.microsoft.com/office/drawing/2014/main" id="{03F1FE39-20CD-49DD-9C63-BBB9CB6E564F}"/>
-                  </a:ext>
-                </a:extLst>
-              </p:cNvPr>
-              <p:cNvSpPr>
-                <a:spLocks noGrp="1" noRot="1" noChangeAspect="1" noMove="1" noResize="1" noEditPoints="1" noAdjustHandles="1" noChangeArrowheads="1" noChangeShapeType="1" noTextEdit="1"/>
-              </p:cNvSpPr>
-              <p:nvPr>
-                <p:ph idx="1"/>
-              </p:nvPr>
-            </p:nvSpPr>
-            <p:spPr>
-              <a:blipFill>
-                <a:blip r:embed="rId2"/>
-                <a:stretch>
-                  <a:fillRect l="-1019" t="-1261" b="-140"/>
-                </a:stretch>
-              </a:blipFill>
-            </p:spPr>
-            <p:txBody>
-              <a:bodyPr/>
-              <a:lstStyle/>
-              <a:p>
-                <a:r>
-                  <a:rPr lang="it-IT">
-                    <a:noFill/>
-                  </a:rPr>
-                  <a:t> </a:t>
-                </a:r>
-              </a:p>
-            </p:txBody>
-          </p:sp>
-        </mc:Fallback>
-      </mc:AlternateContent>
+      <p:sp>
+        <p:nvSpPr>
+          <p:cNvPr id="3" name="Segnaposto contenuto 2">
+            <a:extLst>
+              <a:ext uri="{FF2B5EF4-FFF2-40B4-BE49-F238E27FC236}">
+                <a16:creationId xmlns:a16="http://schemas.microsoft.com/office/drawing/2014/main" id="{03F1FE39-20CD-49DD-9C63-BBB9CB6E564F}"/>
+              </a:ext>
+            </a:extLst>
+          </p:cNvPr>
+          <p:cNvSpPr>
+            <a:spLocks noGrp="1"/>
+          </p:cNvSpPr>
+          <p:nvPr>
+            <p:ph idx="1"/>
+          </p:nvPr>
+        </p:nvSpPr>
+        <p:spPr/>
+        <p:txBody>
+          <a:bodyPr>
+            <a:normAutofit/>
+          </a:bodyPr>
+          <a:lstStyle/>
+          <a:p>
+            <a:endParaRPr lang="it-IT" dirty="0">
+              <a:solidFill>
+                <a:schemeClr val="tx1"/>
+              </a:solidFill>
+            </a:endParaRPr>
+          </a:p>
+          <a:p>
+            <a:endParaRPr lang="it-IT" dirty="0">
+              <a:solidFill>
+                <a:schemeClr val="tx1"/>
+              </a:solidFill>
+            </a:endParaRPr>
+          </a:p>
+        </p:txBody>
+      </p:sp>
+      <p:pic>
+        <p:nvPicPr>
+          <p:cNvPr id="5" name="Immagine 4" descr="Immagine che contiene tavolo&#10;&#10;Descrizione generata automaticamente">
+            <a:extLst>
+              <a:ext uri="{FF2B5EF4-FFF2-40B4-BE49-F238E27FC236}">
+                <a16:creationId xmlns:a16="http://schemas.microsoft.com/office/drawing/2014/main" id="{8FDDA0DF-B728-48D8-B9E0-8D634F86F60F}"/>
+              </a:ext>
+            </a:extLst>
+          </p:cNvPr>
+          <p:cNvPicPr>
+            <a:picLocks noChangeAspect="1"/>
+          </p:cNvPicPr>
+          <p:nvPr/>
+        </p:nvPicPr>
+        <p:blipFill rotWithShape="1">
+          <a:blip r:embed="rId2"/>
+          <a:srcRect l="990" t="2315" r="676" b="1069"/>
+          <a:stretch/>
+        </p:blipFill>
+        <p:spPr>
+          <a:xfrm>
+            <a:off x="2263013" y="3749431"/>
+            <a:ext cx="7397750" cy="2562469"/>
+          </a:xfrm>
+          <a:prstGeom prst="rect">
+            <a:avLst/>
+          </a:prstGeom>
+        </p:spPr>
+      </p:pic>
+      <p:sp>
+        <p:nvSpPr>
+          <p:cNvPr id="4" name="CasellaDiTesto 3">
+            <a:extLst>
+              <a:ext uri="{FF2B5EF4-FFF2-40B4-BE49-F238E27FC236}">
+                <a16:creationId xmlns:a16="http://schemas.microsoft.com/office/drawing/2014/main" id="{AEE9F900-EF8E-49DF-99A1-E10422023A27}"/>
+              </a:ext>
+            </a:extLst>
+          </p:cNvPr>
+          <p:cNvSpPr txBox="1"/>
+          <p:nvPr/>
+        </p:nvSpPr>
+        <p:spPr>
+          <a:xfrm>
+            <a:off x="576072" y="1825625"/>
+            <a:ext cx="11048217" cy="1384995"/>
+          </a:xfrm>
+          <a:prstGeom prst="rect">
+            <a:avLst/>
+          </a:prstGeom>
+          <a:noFill/>
+        </p:spPr>
+        <p:txBody>
+          <a:bodyPr wrap="none" rtlCol="0">
+            <a:spAutoFit/>
+          </a:bodyPr>
+          <a:lstStyle/>
+          <a:p>
+            <a:r>
+              <a:rPr lang="it-IT" sz="2800" dirty="0" err="1"/>
+              <a:t>This</a:t>
+            </a:r>
+            <a:r>
+              <a:rPr lang="it-IT" sz="2800" dirty="0"/>
+              <a:t> </a:t>
+            </a:r>
+            <a:r>
+              <a:rPr lang="it-IT" sz="2800" dirty="0" err="1"/>
+              <a:t>example</a:t>
+            </a:r>
+            <a:r>
+              <a:rPr lang="it-IT" sz="2800" dirty="0"/>
+              <a:t> shows the </a:t>
+            </a:r>
+            <a:r>
+              <a:rPr lang="it-IT" sz="2800" dirty="0" err="1"/>
+              <a:t>contents</a:t>
+            </a:r>
+            <a:r>
+              <a:rPr lang="it-IT" sz="2800" dirty="0"/>
+              <a:t> of </a:t>
+            </a:r>
+            <a:r>
+              <a:rPr lang="it-IT" sz="2800" dirty="0" err="1"/>
+              <a:t>five</a:t>
+            </a:r>
+            <a:r>
+              <a:rPr lang="it-IT" sz="2800" dirty="0"/>
+              <a:t> </a:t>
+            </a:r>
+            <a:r>
+              <a:rPr lang="it-IT" sz="2800" dirty="0" err="1"/>
+              <a:t>purchase</a:t>
+            </a:r>
+            <a:r>
+              <a:rPr lang="it-IT" sz="2800" dirty="0"/>
+              <a:t> </a:t>
+            </a:r>
+            <a:r>
+              <a:rPr lang="it-IT" sz="2800" dirty="0" err="1"/>
+              <a:t>transactions</a:t>
+            </a:r>
+            <a:r>
+              <a:rPr lang="it-IT" sz="2800" dirty="0"/>
+              <a:t>. </a:t>
+            </a:r>
+          </a:p>
+          <a:p>
+            <a:r>
+              <a:rPr lang="it-IT" sz="2800" dirty="0" err="1"/>
+              <a:t>If</a:t>
+            </a:r>
+            <a:r>
+              <a:rPr lang="it-IT" sz="2800" dirty="0"/>
+              <a:t> an </a:t>
+            </a:r>
+            <a:r>
+              <a:rPr lang="it-IT" sz="2800" dirty="0" err="1"/>
+              <a:t>attacker</a:t>
+            </a:r>
+            <a:r>
+              <a:rPr lang="it-IT" sz="2800" dirty="0"/>
+              <a:t> </a:t>
+            </a:r>
+            <a:r>
+              <a:rPr lang="it-IT" sz="2800" dirty="0" err="1"/>
+              <a:t>is</a:t>
+            </a:r>
+            <a:r>
+              <a:rPr lang="it-IT" sz="2800" dirty="0"/>
+              <a:t> </a:t>
+            </a:r>
+            <a:r>
+              <a:rPr lang="it-IT" sz="2800" dirty="0" err="1"/>
+              <a:t>able</a:t>
+            </a:r>
+            <a:r>
+              <a:rPr lang="it-IT" sz="2800" dirty="0"/>
+              <a:t> to </a:t>
+            </a:r>
+            <a:r>
+              <a:rPr lang="it-IT" sz="2800" dirty="0" err="1"/>
+              <a:t>identify</a:t>
+            </a:r>
+            <a:r>
+              <a:rPr lang="it-IT" sz="2800" dirty="0"/>
+              <a:t> a </a:t>
+            </a:r>
+            <a:r>
+              <a:rPr lang="it-IT" sz="2800" dirty="0" err="1"/>
+              <a:t>purchase</a:t>
+            </a:r>
+            <a:r>
+              <a:rPr lang="it-IT" sz="2800" dirty="0"/>
+              <a:t> </a:t>
+            </a:r>
+            <a:r>
+              <a:rPr lang="it-IT" sz="2800" dirty="0" err="1"/>
+              <a:t>transaction</a:t>
+            </a:r>
+            <a:r>
+              <a:rPr lang="it-IT" sz="2800" dirty="0"/>
+              <a:t>, </a:t>
+            </a:r>
+            <a:r>
+              <a:rPr lang="it-IT" sz="2800" dirty="0" err="1"/>
+              <a:t>it</a:t>
+            </a:r>
+            <a:r>
+              <a:rPr lang="it-IT" sz="2800" dirty="0"/>
+              <a:t> can</a:t>
+            </a:r>
+          </a:p>
+          <a:p>
+            <a:r>
+              <a:rPr lang="it-IT" sz="2800" dirty="0"/>
+              <a:t>lead to a privacy </a:t>
+            </a:r>
+            <a:r>
+              <a:rPr lang="it-IT" sz="2800" dirty="0" err="1"/>
+              <a:t>breach</a:t>
+            </a:r>
+            <a:r>
+              <a:rPr lang="it-IT" sz="2800" dirty="0"/>
+              <a:t>.</a:t>
+            </a:r>
+          </a:p>
+        </p:txBody>
+      </p:sp>
     </p:spTree>
     <p:extLst>
       <p:ext uri="{BB962C8B-B14F-4D97-AF65-F5344CB8AC3E}">
-        <p14:creationId xmlns:p14="http://schemas.microsoft.com/office/powerpoint/2010/main" val="3740454360"/>
+        <p14:creationId xmlns:p14="http://schemas.microsoft.com/office/powerpoint/2010/main" val="1908586737"/>
       </p:ext>
     </p:extLst>
   </p:cSld>
@@ -15174,13 +14689,14 @@
           <a:bodyPr/>
           <a:lstStyle/>
           <a:p>
+            <a:pPr algn="ctr"/>
             <a:r>
               <a:rPr lang="it-IT" dirty="0" err="1">
                 <a:solidFill>
                   <a:schemeClr val="tx1"/>
                 </a:solidFill>
               </a:rPr>
-              <a:t>requirements</a:t>
+              <a:t>behaviour</a:t>
             </a:r>
             <a:endParaRPr lang="it-IT" dirty="0">
               <a:solidFill>
@@ -15206,14 +14722,119 @@
             <p:ph idx="1"/>
           </p:nvPr>
         </p:nvSpPr>
-        <p:spPr/>
+        <p:spPr>
+          <a:xfrm>
+            <a:off x="710184" y="1816100"/>
+            <a:ext cx="10771632" cy="4351338"/>
+          </a:xfrm>
+        </p:spPr>
         <p:txBody>
           <a:bodyPr/>
           <a:lstStyle/>
           <a:p>
-            <a:pPr marL="0" indent="0">
-              <a:buNone/>
+            <a:endParaRPr lang="it-IT" dirty="0">
+              <a:solidFill>
+                <a:schemeClr val="tx1"/>
+              </a:solidFill>
+            </a:endParaRPr>
+          </a:p>
+          <a:p>
+            <a:r>
+              <a:rPr lang="it-IT" dirty="0">
+                <a:solidFill>
+                  <a:schemeClr val="tx1"/>
+                </a:solidFill>
+              </a:rPr>
+              <a:t>The CAHD </a:t>
+            </a:r>
+            <a:r>
+              <a:rPr lang="it-IT" dirty="0" err="1">
+                <a:solidFill>
+                  <a:schemeClr val="tx1"/>
+                </a:solidFill>
+              </a:rPr>
+              <a:t>algorithm</a:t>
+            </a:r>
+            <a:r>
+              <a:rPr lang="it-IT" dirty="0">
+                <a:solidFill>
+                  <a:schemeClr val="tx1"/>
+                </a:solidFill>
+              </a:rPr>
+              <a:t> </a:t>
+            </a:r>
+            <a:r>
+              <a:rPr lang="it-IT" dirty="0" err="1">
+                <a:solidFill>
+                  <a:schemeClr val="tx1"/>
+                </a:solidFill>
+              </a:rPr>
+              <a:t>is</a:t>
+            </a:r>
+            <a:r>
+              <a:rPr lang="it-IT" dirty="0">
+                <a:solidFill>
+                  <a:schemeClr val="tx1"/>
+                </a:solidFill>
+              </a:rPr>
+              <a:t> </a:t>
+            </a:r>
+            <a:r>
+              <a:rPr lang="it-IT" dirty="0" err="1">
+                <a:solidFill>
+                  <a:schemeClr val="tx1"/>
+                </a:solidFill>
+              </a:rPr>
+              <a:t>based</a:t>
+            </a:r>
+            <a:r>
+              <a:rPr lang="it-IT" dirty="0">
+                <a:solidFill>
+                  <a:schemeClr val="tx1"/>
+                </a:solidFill>
+              </a:rPr>
+              <a:t> on </a:t>
+            </a:r>
+            <a:r>
+              <a:rPr lang="it-IT" dirty="0" err="1">
+                <a:solidFill>
+                  <a:schemeClr val="tx1"/>
+                </a:solidFill>
+              </a:rPr>
+              <a:t>two</a:t>
+            </a:r>
+            <a:r>
+              <a:rPr lang="it-IT" dirty="0">
+                <a:solidFill>
+                  <a:schemeClr val="tx1"/>
+                </a:solidFill>
+              </a:rPr>
+              <a:t> steps:</a:t>
+            </a:r>
+          </a:p>
+          <a:p>
+            <a:endParaRPr lang="it-IT" dirty="0">
+              <a:solidFill>
+                <a:schemeClr val="tx1"/>
+              </a:solidFill>
+            </a:endParaRPr>
+          </a:p>
+          <a:p>
+            <a:pPr>
+              <a:lnSpc>
+                <a:spcPct val="100000"/>
+              </a:lnSpc>
             </a:pPr>
+            <a:r>
+              <a:rPr lang="en-US" dirty="0">
+                <a:solidFill>
+                  <a:schemeClr val="tx1"/>
+                </a:solidFill>
+              </a:rPr>
+              <a:t>Create Band Matrix using Reverse Cuthill-McKee Algorithm (RCM) to fulfill utility requirement.</a:t>
+            </a:r>
+          </a:p>
+          <a:p>
             <a:endParaRPr lang="en-US" dirty="0">
               <a:solidFill>
                 <a:schemeClr val="tx1"/>
@@ -15221,72 +14842,13 @@
             </a:endParaRPr>
           </a:p>
           <a:p>
-            <a:pPr>
-              <a:lnSpc>
-                <a:spcPct val="100000"/>
-              </a:lnSpc>
-            </a:pPr>
             <a:r>
               <a:rPr lang="en-US" dirty="0">
                 <a:solidFill>
                   <a:schemeClr val="tx1"/>
                 </a:solidFill>
               </a:rPr>
-              <a:t>The Anonymized Transaction data should satisfy two requirements:</a:t>
-            </a:r>
-          </a:p>
-          <a:p>
-            <a:pPr lvl="1"/>
-            <a:endParaRPr lang="en-US" dirty="0">
-              <a:solidFill>
-                <a:schemeClr val="tx1"/>
-              </a:solidFill>
-            </a:endParaRPr>
-          </a:p>
-          <a:p>
-            <a:pPr lvl="1"/>
-            <a:endParaRPr lang="en-US" dirty="0">
-              <a:solidFill>
-                <a:schemeClr val="tx1"/>
-              </a:solidFill>
-            </a:endParaRPr>
-          </a:p>
-          <a:p>
-            <a:pPr lvl="1">
-              <a:buFont typeface="Courier New" panose="02070309020205020404" pitchFamily="49" charset="0"/>
-              <a:buChar char="o"/>
-            </a:pPr>
-            <a:r>
-              <a:rPr lang="en-US" dirty="0">
-                <a:solidFill>
-                  <a:schemeClr val="tx1"/>
-                </a:solidFill>
-              </a:rPr>
-              <a:t>Privacy requirements</a:t>
-            </a:r>
-          </a:p>
-          <a:p>
-            <a:pPr marL="457200" lvl="1" indent="0">
-              <a:buNone/>
-            </a:pPr>
-            <a:endParaRPr lang="en-US" dirty="0">
-              <a:solidFill>
-                <a:schemeClr val="tx1"/>
-              </a:solidFill>
-            </a:endParaRPr>
-          </a:p>
-          <a:p>
-            <a:pPr lvl="1">
-              <a:buFont typeface="Courier New" panose="02070309020205020404" pitchFamily="49" charset="0"/>
-              <a:buChar char="o"/>
-            </a:pPr>
-            <a:r>
-              <a:rPr lang="en-US" dirty="0">
-                <a:solidFill>
-                  <a:schemeClr val="tx1"/>
-                </a:solidFill>
-              </a:rPr>
-              <a:t>Utility requirements</a:t>
+              <a:t>Create Anonymized Groups to fulfill privacy requirement.</a:t>
             </a:r>
             <a:endParaRPr lang="it-IT" dirty="0">
               <a:solidFill>
@@ -15294,23 +14856,12 @@
               </a:solidFill>
             </a:endParaRPr>
           </a:p>
-          <a:p>
-            <a:pPr lvl="1">
-              <a:buFont typeface="Courier New" panose="02070309020205020404" pitchFamily="49" charset="0"/>
-              <a:buChar char="o"/>
-            </a:pPr>
-            <a:endParaRPr lang="en-US" dirty="0">
-              <a:solidFill>
-                <a:schemeClr val="tx1"/>
-              </a:solidFill>
-            </a:endParaRPr>
-          </a:p>
         </p:txBody>
       </p:sp>
     </p:spTree>
     <p:extLst>
       <p:ext uri="{BB962C8B-B14F-4D97-AF65-F5344CB8AC3E}">
-        <p14:creationId xmlns:p14="http://schemas.microsoft.com/office/powerpoint/2010/main" val="3613663516"/>
+        <p14:creationId xmlns:p14="http://schemas.microsoft.com/office/powerpoint/2010/main" val="3684875603"/>
       </p:ext>
     </p:extLst>
   </p:cSld>
@@ -15358,228 +14909,7 @@
           <a:bodyPr/>
           <a:lstStyle/>
           <a:p>
-            <a:r>
-              <a:rPr lang="it-IT" dirty="0" err="1">
-                <a:solidFill>
-                  <a:schemeClr val="tx1"/>
-                </a:solidFill>
-              </a:rPr>
-              <a:t>behaviour</a:t>
-            </a:r>
-            <a:endParaRPr lang="it-IT" dirty="0">
-              <a:solidFill>
-                <a:schemeClr val="tx1"/>
-              </a:solidFill>
-            </a:endParaRPr>
-          </a:p>
-        </p:txBody>
-      </p:sp>
-      <p:sp>
-        <p:nvSpPr>
-          <p:cNvPr id="3" name="Segnaposto contenuto 2">
-            <a:extLst>
-              <a:ext uri="{FF2B5EF4-FFF2-40B4-BE49-F238E27FC236}">
-                <a16:creationId xmlns:a16="http://schemas.microsoft.com/office/drawing/2014/main" id="{03F1FE39-20CD-49DD-9C63-BBB9CB6E564F}"/>
-              </a:ext>
-            </a:extLst>
-          </p:cNvPr>
-          <p:cNvSpPr>
-            <a:spLocks noGrp="1"/>
-          </p:cNvSpPr>
-          <p:nvPr>
-            <p:ph idx="1"/>
-          </p:nvPr>
-        </p:nvSpPr>
-        <p:spPr/>
-        <p:txBody>
-          <a:bodyPr/>
-          <a:lstStyle/>
-          <a:p>
-            <a:endParaRPr lang="it-IT" dirty="0">
-              <a:solidFill>
-                <a:schemeClr val="tx1"/>
-              </a:solidFill>
-            </a:endParaRPr>
-          </a:p>
-          <a:p>
-            <a:r>
-              <a:rPr lang="it-IT" dirty="0">
-                <a:solidFill>
-                  <a:schemeClr val="tx1"/>
-                </a:solidFill>
-              </a:rPr>
-              <a:t>The CAHD </a:t>
-            </a:r>
-            <a:r>
-              <a:rPr lang="it-IT" dirty="0" err="1">
-                <a:solidFill>
-                  <a:schemeClr val="tx1"/>
-                </a:solidFill>
-              </a:rPr>
-              <a:t>algorithm</a:t>
-            </a:r>
-            <a:r>
-              <a:rPr lang="it-IT" dirty="0">
-                <a:solidFill>
-                  <a:schemeClr val="tx1"/>
-                </a:solidFill>
-              </a:rPr>
-              <a:t> </a:t>
-            </a:r>
-            <a:r>
-              <a:rPr lang="it-IT" dirty="0" err="1">
-                <a:solidFill>
-                  <a:schemeClr val="tx1"/>
-                </a:solidFill>
-              </a:rPr>
-              <a:t>is</a:t>
-            </a:r>
-            <a:r>
-              <a:rPr lang="it-IT" dirty="0">
-                <a:solidFill>
-                  <a:schemeClr val="tx1"/>
-                </a:solidFill>
-              </a:rPr>
-              <a:t> </a:t>
-            </a:r>
-            <a:r>
-              <a:rPr lang="it-IT" dirty="0" err="1">
-                <a:solidFill>
-                  <a:schemeClr val="tx1"/>
-                </a:solidFill>
-              </a:rPr>
-              <a:t>based</a:t>
-            </a:r>
-            <a:r>
-              <a:rPr lang="it-IT" dirty="0">
-                <a:solidFill>
-                  <a:schemeClr val="tx1"/>
-                </a:solidFill>
-              </a:rPr>
-              <a:t> on </a:t>
-            </a:r>
-            <a:r>
-              <a:rPr lang="it-IT" dirty="0" err="1">
-                <a:solidFill>
-                  <a:schemeClr val="tx1"/>
-                </a:solidFill>
-              </a:rPr>
-              <a:t>two</a:t>
-            </a:r>
-            <a:r>
-              <a:rPr lang="it-IT" dirty="0">
-                <a:solidFill>
-                  <a:schemeClr val="tx1"/>
-                </a:solidFill>
-              </a:rPr>
-              <a:t> steps:</a:t>
-            </a:r>
-          </a:p>
-          <a:p>
-            <a:endParaRPr lang="it-IT" dirty="0">
-              <a:solidFill>
-                <a:schemeClr val="tx1"/>
-              </a:solidFill>
-            </a:endParaRPr>
-          </a:p>
-          <a:p>
-            <a:pPr>
-              <a:lnSpc>
-                <a:spcPct val="100000"/>
-              </a:lnSpc>
-            </a:pPr>
-            <a:r>
-              <a:rPr lang="en-US" dirty="0">
-                <a:solidFill>
-                  <a:schemeClr val="tx1"/>
-                </a:solidFill>
-              </a:rPr>
-              <a:t>Create Band Matrix using Reverse Cuthill-McKee Algorithm (RCM) to fulfill utility requirement.</a:t>
-            </a:r>
-          </a:p>
-          <a:p>
-            <a:endParaRPr lang="en-US" dirty="0">
-              <a:solidFill>
-                <a:schemeClr val="tx1"/>
-              </a:solidFill>
-            </a:endParaRPr>
-          </a:p>
-          <a:p>
-            <a:r>
-              <a:rPr lang="en-US" dirty="0">
-                <a:solidFill>
-                  <a:schemeClr val="tx1"/>
-                </a:solidFill>
-              </a:rPr>
-              <a:t>Create Anonymized Groups to fulfill privacy requirement.</a:t>
-            </a:r>
-            <a:endParaRPr lang="it-IT" dirty="0">
-              <a:solidFill>
-                <a:schemeClr val="tx1"/>
-              </a:solidFill>
-            </a:endParaRPr>
-          </a:p>
-        </p:txBody>
-      </p:sp>
-    </p:spTree>
-    <p:extLst>
-      <p:ext uri="{BB962C8B-B14F-4D97-AF65-F5344CB8AC3E}">
-        <p14:creationId xmlns:p14="http://schemas.microsoft.com/office/powerpoint/2010/main" val="3684875603"/>
-      </p:ext>
-    </p:extLst>
-  </p:cSld>
-  <p:clrMapOvr>
-    <a:masterClrMapping/>
-  </p:clrMapOvr>
-</p:sld>
-</file>
-
-<file path=ppt/slides/slide6.xml><?xml version="1.0" encoding="utf-8"?>
-<p:sld xmlns:a="http://schemas.openxmlformats.org/drawingml/2006/main" xmlns:r="http://schemas.openxmlformats.org/officeDocument/2006/relationships" xmlns:p="http://schemas.openxmlformats.org/presentationml/2006/main">
-  <p:cSld>
-    <p:spTree>
-      <p:nvGrpSpPr>
-        <p:cNvPr id="1" name=""/>
-        <p:cNvGrpSpPr/>
-        <p:nvPr/>
-      </p:nvGrpSpPr>
-      <p:grpSpPr>
-        <a:xfrm>
-          <a:off x="0" y="0"/>
-          <a:ext cx="0" cy="0"/>
-          <a:chOff x="0" y="0"/>
-          <a:chExt cx="0" cy="0"/>
-        </a:xfrm>
-      </p:grpSpPr>
-      <p:sp>
-        <p:nvSpPr>
-          <p:cNvPr id="2" name="Titolo 1">
-            <a:extLst>
-              <a:ext uri="{FF2B5EF4-FFF2-40B4-BE49-F238E27FC236}">
-                <a16:creationId xmlns:a16="http://schemas.microsoft.com/office/drawing/2014/main" id="{92260F29-11ED-4A37-8C5D-A0D4CCE9177A}"/>
-              </a:ext>
-            </a:extLst>
-          </p:cNvPr>
-          <p:cNvSpPr>
-            <a:spLocks noGrp="1"/>
-          </p:cNvSpPr>
-          <p:nvPr>
-            <p:ph type="title"/>
-          </p:nvPr>
-        </p:nvSpPr>
-        <p:spPr/>
-        <p:txBody>
-          <a:bodyPr/>
-          <a:lstStyle/>
-          <a:p>
-            <a:r>
-              <a:rPr lang="it-IT" dirty="0">
-                <a:solidFill>
-                  <a:schemeClr val="tx1"/>
-                </a:solidFill>
-              </a:rPr>
-              <a:t>Privacy </a:t>
-            </a:r>
+            <a:pPr algn="ctr"/>
             <a:r>
               <a:rPr lang="it-IT" dirty="0" err="1">
                 <a:solidFill>
@@ -15614,9 +14944,16 @@
                 <p:ph idx="1"/>
               </p:nvPr>
             </p:nvSpPr>
-            <p:spPr/>
+            <p:spPr>
+              <a:xfrm>
+                <a:off x="710184" y="1844675"/>
+                <a:ext cx="10771632" cy="4351338"/>
+              </a:xfrm>
+            </p:spPr>
             <p:txBody>
-              <a:bodyPr/>
+              <a:bodyPr>
+                <a:normAutofit fontScale="70000" lnSpcReduction="20000"/>
+              </a:bodyPr>
               <a:lstStyle/>
               <a:p>
                 <a:pPr>
@@ -15745,19 +15082,6 @@
                     </a:solidFill>
                   </a:rPr>
                   <a:t> be the number of occurrences for sensitive items </a:t>
-                </a:r>
-              </a:p>
-              <a:p>
-                <a:pPr marL="0" indent="0">
-                  <a:buNone/>
-                </a:pPr>
-                <a:r>
-                  <a:rPr lang="en-US" dirty="0">
-                    <a:solidFill>
-                      <a:schemeClr val="tx1"/>
-                    </a:solidFill>
-                  </a:rPr>
-                  <a:t>   </a:t>
                 </a:r>
                 <a14:m>
                   <m:oMath xmlns:m="http://schemas.openxmlformats.org/officeDocument/2006/math">
@@ -16109,11 +15433,14 @@
                     </m:func>
                   </m:oMath>
                 </a14:m>
-                <a:endParaRPr lang="en-US" dirty="0">
-                  <a:solidFill>
-                    <a:schemeClr val="tx1"/>
-                  </a:solidFill>
-                </a:endParaRPr>
+                <a:r>
+                  <a:rPr lang="en-US" dirty="0">
+                    <a:solidFill>
+                      <a:schemeClr val="tx1"/>
+                    </a:solidFill>
+                  </a:rPr>
+                  <a:t>.</a:t>
+                </a:r>
               </a:p>
               <a:p>
                 <a:pPr>
@@ -16221,11 +15548,14 @@
                     </m:r>
                   </m:oMath>
                 </a14:m>
-                <a:endParaRPr lang="en-US" dirty="0">
-                  <a:solidFill>
-                    <a:schemeClr val="tx1"/>
-                  </a:solidFill>
-                </a:endParaRPr>
+                <a:r>
+                  <a:rPr lang="en-US" dirty="0">
+                    <a:solidFill>
+                      <a:schemeClr val="tx1"/>
+                    </a:solidFill>
+                  </a:rPr>
+                  <a:t>.</a:t>
+                </a:r>
               </a:p>
               <a:p>
                 <a:pPr>
@@ -16462,165 +15792,45 @@
                     </m:oMath>
                   </m:oMathPara>
                 </a14:m>
-                <a:endParaRPr lang="en-US" dirty="0">
+                <a:endParaRPr lang="it-IT" b="0" dirty="0">
                   <a:solidFill>
                     <a:schemeClr val="tx1"/>
                   </a:solidFill>
                 </a:endParaRPr>
               </a:p>
-            </p:txBody>
-          </p:sp>
-        </mc:Choice>
-        <mc:Fallback xmlns="">
-          <p:sp>
-            <p:nvSpPr>
-              <p:cNvPr id="3" name="Segnaposto contenuto 2">
-                <a:extLst>
-                  <a:ext uri="{FF2B5EF4-FFF2-40B4-BE49-F238E27FC236}">
-                    <a16:creationId xmlns:a16="http://schemas.microsoft.com/office/drawing/2014/main" id="{03F1FE39-20CD-49DD-9C63-BBB9CB6E564F}"/>
-                  </a:ext>
-                </a:extLst>
-              </p:cNvPr>
-              <p:cNvSpPr>
-                <a:spLocks noGrp="1" noRot="1" noChangeAspect="1" noMove="1" noResize="1" noEditPoints="1" noAdjustHandles="1" noChangeArrowheads="1" noChangeShapeType="1" noTextEdit="1"/>
-              </p:cNvSpPr>
-              <p:nvPr>
-                <p:ph idx="1"/>
-              </p:nvPr>
-            </p:nvSpPr>
-            <p:spPr>
-              <a:blipFill>
-                <a:blip r:embed="rId2"/>
-                <a:stretch>
-                  <a:fillRect l="-1019" t="-980" r="-1698"/>
-                </a:stretch>
-              </a:blipFill>
-            </p:spPr>
-            <p:txBody>
-              <a:bodyPr/>
-              <a:lstStyle/>
-              <a:p>
-                <a:r>
-                  <a:rPr lang="it-IT">
-                    <a:noFill/>
-                  </a:rPr>
-                  <a:t> </a:t>
-                </a:r>
-              </a:p>
-            </p:txBody>
-          </p:sp>
-        </mc:Fallback>
-      </mc:AlternateContent>
-    </p:spTree>
-    <p:extLst>
-      <p:ext uri="{BB962C8B-B14F-4D97-AF65-F5344CB8AC3E}">
-        <p14:creationId xmlns:p14="http://schemas.microsoft.com/office/powerpoint/2010/main" val="3042206344"/>
-      </p:ext>
-    </p:extLst>
-  </p:cSld>
-  <p:clrMapOvr>
-    <a:masterClrMapping/>
-  </p:clrMapOvr>
-</p:sld>
-</file>
-
-<file path=ppt/slides/slide7.xml><?xml version="1.0" encoding="utf-8"?>
-<p:sld xmlns:a="http://schemas.openxmlformats.org/drawingml/2006/main" xmlns:r="http://schemas.openxmlformats.org/officeDocument/2006/relationships" xmlns:p="http://schemas.openxmlformats.org/presentationml/2006/main">
-  <p:cSld>
-    <p:spTree>
-      <p:nvGrpSpPr>
-        <p:cNvPr id="1" name=""/>
-        <p:cNvGrpSpPr/>
-        <p:nvPr/>
-      </p:nvGrpSpPr>
-      <p:grpSpPr>
-        <a:xfrm>
-          <a:off x="0" y="0"/>
-          <a:ext cx="0" cy="0"/>
-          <a:chOff x="0" y="0"/>
-          <a:chExt cx="0" cy="0"/>
-        </a:xfrm>
-      </p:grpSpPr>
-      <p:sp>
-        <p:nvSpPr>
-          <p:cNvPr id="2" name="Titolo 1">
-            <a:extLst>
-              <a:ext uri="{FF2B5EF4-FFF2-40B4-BE49-F238E27FC236}">
-                <a16:creationId xmlns:a16="http://schemas.microsoft.com/office/drawing/2014/main" id="{92260F29-11ED-4A37-8C5D-A0D4CCE9177A}"/>
-              </a:ext>
-            </a:extLst>
-          </p:cNvPr>
-          <p:cNvSpPr>
-            <a:spLocks noGrp="1"/>
-          </p:cNvSpPr>
-          <p:nvPr>
-            <p:ph type="title"/>
-          </p:nvPr>
-        </p:nvSpPr>
-        <p:spPr/>
-        <p:txBody>
-          <a:bodyPr/>
-          <a:lstStyle/>
-          <a:p>
-            <a:r>
-              <a:rPr lang="it-IT" dirty="0">
-                <a:solidFill>
-                  <a:schemeClr val="tx1"/>
-                </a:solidFill>
-              </a:rPr>
-              <a:t>Utility </a:t>
-            </a:r>
-            <a:r>
-              <a:rPr lang="it-IT" dirty="0" err="1">
-                <a:solidFill>
-                  <a:schemeClr val="tx1"/>
-                </a:solidFill>
-              </a:rPr>
-              <a:t>requirements</a:t>
-            </a:r>
-            <a:endParaRPr lang="it-IT" dirty="0">
-              <a:solidFill>
-                <a:schemeClr val="tx1"/>
-              </a:solidFill>
-            </a:endParaRPr>
-          </a:p>
-        </p:txBody>
-      </p:sp>
-      <mc:AlternateContent xmlns:mc="http://schemas.openxmlformats.org/markup-compatibility/2006" xmlns:a14="http://schemas.microsoft.com/office/drawing/2010/main">
-        <mc:Choice Requires="a14">
-          <p:sp>
-            <p:nvSpPr>
-              <p:cNvPr id="3" name="Segnaposto contenuto 2">
-                <a:extLst>
-                  <a:ext uri="{FF2B5EF4-FFF2-40B4-BE49-F238E27FC236}">
-                    <a16:creationId xmlns:a16="http://schemas.microsoft.com/office/drawing/2014/main" id="{03F1FE39-20CD-49DD-9C63-BBB9CB6E564F}"/>
-                  </a:ext>
-                </a:extLst>
-              </p:cNvPr>
-              <p:cNvSpPr>
-                <a:spLocks noGrp="1"/>
-              </p:cNvSpPr>
-              <p:nvPr>
-                <p:ph idx="1"/>
-              </p:nvPr>
-            </p:nvSpPr>
-            <p:spPr/>
-            <p:txBody>
-              <a:bodyPr/>
-              <a:lstStyle/>
               <a:p>
                 <a:pPr>
                   <a:lnSpc>
-                    <a:spcPct val="100000"/>
+                    <a:spcPct val="120000"/>
                   </a:lnSpc>
                 </a:pPr>
+                <a:endParaRPr lang="it-IT" dirty="0">
+                  <a:solidFill>
+                    <a:schemeClr val="tx1"/>
+                  </a:solidFill>
+                </a:endParaRPr>
+              </a:p>
+              <a:p>
+                <a:pPr>
+                  <a:lnSpc>
+                    <a:spcPct val="120000"/>
+                  </a:lnSpc>
+                </a:pPr>
+                <a:r>
+                  <a:rPr lang="it-IT" dirty="0" err="1">
+                    <a:solidFill>
+                      <a:schemeClr val="tx1"/>
+                    </a:solidFill>
+                  </a:rPr>
+                  <a:t>We</a:t>
+                </a:r>
                 <a:r>
                   <a:rPr lang="it-IT" dirty="0">
                     <a:solidFill>
                       <a:schemeClr val="tx1"/>
                     </a:solidFill>
                   </a:rPr>
-                  <a:t>We </a:t>
+                  <a:t> </a:t>
                 </a:r>
                 <a:r>
                   <a:rPr lang="it-IT" dirty="0" err="1">
@@ -16796,22 +16006,7 @@
                       <a:schemeClr val="tx1"/>
                     </a:solidFill>
                   </a:rPr>
-                  <a:t>.</a:t>
-                </a:r>
-              </a:p>
-              <a:p>
-                <a:pPr>
-                  <a:lnSpc>
-                    <a:spcPct val="100000"/>
-                  </a:lnSpc>
-                </a:pPr>
-                <a:r>
-                  <a:rPr lang="it-IT" dirty="0">
-                    <a:solidFill>
-                      <a:schemeClr val="tx1"/>
-                    </a:solidFill>
-                  </a:rPr>
-                  <a:t>KL-</a:t>
+                  <a:t>, </a:t>
                 </a:r>
                 <a:r>
                   <a:rPr lang="it-IT" dirty="0" err="1">
@@ -16819,7 +16014,7 @@
                       <a:schemeClr val="tx1"/>
                     </a:solidFill>
                   </a:rPr>
-                  <a:t>divergence</a:t>
+                  <a:t>that</a:t>
                 </a:r>
                 <a:r>
                   <a:rPr lang="it-IT" dirty="0">
@@ -16957,13 +16152,6 @@
                   </a:rPr>
                   <a:t>:</a:t>
                 </a:r>
-              </a:p>
-              <a:p>
-                <a:endParaRPr lang="it-IT" dirty="0">
-                  <a:solidFill>
-                    <a:schemeClr val="tx1"/>
-                  </a:solidFill>
-                </a:endParaRPr>
               </a:p>
               <a:p>
                 <a14:m>
@@ -17331,6 +16519,36 @@
                   </a:solidFill>
                 </a:endParaRPr>
               </a:p>
+              <a:p>
+                <a:pPr marL="0" indent="0">
+                  <a:buNone/>
+                </a:pPr>
+                <a:endParaRPr lang="en-US" dirty="0">
+                  <a:solidFill>
+                    <a:schemeClr val="tx1"/>
+                  </a:solidFill>
+                </a:endParaRPr>
+              </a:p>
+              <a:p>
+                <a:pPr marL="0" indent="0">
+                  <a:buNone/>
+                </a:pPr>
+                <a:endParaRPr lang="en-US" dirty="0">
+                  <a:solidFill>
+                    <a:schemeClr val="tx1"/>
+                  </a:solidFill>
+                </a:endParaRPr>
+              </a:p>
+              <a:p>
+                <a:pPr marL="0" indent="0">
+                  <a:buNone/>
+                </a:pPr>
+                <a:endParaRPr lang="en-US" dirty="0">
+                  <a:solidFill>
+                    <a:schemeClr val="tx1"/>
+                  </a:solidFill>
+                </a:endParaRPr>
+              </a:p>
             </p:txBody>
           </p:sp>
         </mc:Choice>
@@ -17352,10 +16570,14 @@
               </p:nvPr>
             </p:nvSpPr>
             <p:spPr>
+              <a:xfrm>
+                <a:off x="710184" y="1844675"/>
+                <a:ext cx="10771632" cy="4351338"/>
+              </a:xfrm>
               <a:blipFill>
                 <a:blip r:embed="rId2"/>
                 <a:stretch>
-                  <a:fillRect l="-1019" t="-1261" r="-113"/>
+                  <a:fillRect l="-509" t="-2104" r="-57"/>
                 </a:stretch>
               </a:blipFill>
             </p:spPr>
@@ -17377,7 +16599,434 @@
     </p:spTree>
     <p:extLst>
       <p:ext uri="{BB962C8B-B14F-4D97-AF65-F5344CB8AC3E}">
-        <p14:creationId xmlns:p14="http://schemas.microsoft.com/office/powerpoint/2010/main" val="2848251820"/>
+        <p14:creationId xmlns:p14="http://schemas.microsoft.com/office/powerpoint/2010/main" val="3042206344"/>
+      </p:ext>
+    </p:extLst>
+  </p:cSld>
+  <p:clrMapOvr>
+    <a:masterClrMapping/>
+  </p:clrMapOvr>
+</p:sld>
+</file>
+
+<file path=ppt/slides/slide6.xml><?xml version="1.0" encoding="utf-8"?>
+<p:sld xmlns:a="http://schemas.openxmlformats.org/drawingml/2006/main" xmlns:r="http://schemas.openxmlformats.org/officeDocument/2006/relationships" xmlns:p="http://schemas.openxmlformats.org/presentationml/2006/main">
+  <p:cSld>
+    <p:spTree>
+      <p:nvGrpSpPr>
+        <p:cNvPr id="1" name=""/>
+        <p:cNvGrpSpPr/>
+        <p:nvPr/>
+      </p:nvGrpSpPr>
+      <p:grpSpPr>
+        <a:xfrm>
+          <a:off x="0" y="0"/>
+          <a:ext cx="0" cy="0"/>
+          <a:chOff x="0" y="0"/>
+          <a:chExt cx="0" cy="0"/>
+        </a:xfrm>
+      </p:grpSpPr>
+      <p:sp>
+        <p:nvSpPr>
+          <p:cNvPr id="2" name="Titolo 1">
+            <a:extLst>
+              <a:ext uri="{FF2B5EF4-FFF2-40B4-BE49-F238E27FC236}">
+                <a16:creationId xmlns:a16="http://schemas.microsoft.com/office/drawing/2014/main" id="{92260F29-11ED-4A37-8C5D-A0D4CCE9177A}"/>
+              </a:ext>
+            </a:extLst>
+          </p:cNvPr>
+          <p:cNvSpPr>
+            <a:spLocks noGrp="1"/>
+          </p:cNvSpPr>
+          <p:nvPr>
+            <p:ph type="title"/>
+          </p:nvPr>
+        </p:nvSpPr>
+        <p:spPr/>
+        <p:txBody>
+          <a:bodyPr/>
+          <a:lstStyle/>
+          <a:p>
+            <a:pPr algn="ctr"/>
+            <a:r>
+              <a:rPr lang="it-IT" dirty="0" err="1">
+                <a:solidFill>
+                  <a:schemeClr val="tx1"/>
+                </a:solidFill>
+              </a:rPr>
+              <a:t>TESting</a:t>
+            </a:r>
+            <a:endParaRPr lang="it-IT" dirty="0">
+              <a:solidFill>
+                <a:schemeClr val="tx1"/>
+              </a:solidFill>
+            </a:endParaRPr>
+          </a:p>
+        </p:txBody>
+      </p:sp>
+      <p:sp>
+        <p:nvSpPr>
+          <p:cNvPr id="3" name="Segnaposto contenuto 2">
+            <a:extLst>
+              <a:ext uri="{FF2B5EF4-FFF2-40B4-BE49-F238E27FC236}">
+                <a16:creationId xmlns:a16="http://schemas.microsoft.com/office/drawing/2014/main" id="{03F1FE39-20CD-49DD-9C63-BBB9CB6E564F}"/>
+              </a:ext>
+            </a:extLst>
+          </p:cNvPr>
+          <p:cNvSpPr>
+            <a:spLocks noGrp="1"/>
+          </p:cNvSpPr>
+          <p:nvPr>
+            <p:ph idx="1"/>
+          </p:nvPr>
+        </p:nvSpPr>
+        <p:spPr>
+          <a:xfrm>
+            <a:off x="710184" y="1825625"/>
+            <a:ext cx="10771632" cy="4351338"/>
+          </a:xfrm>
+        </p:spPr>
+        <p:txBody>
+          <a:bodyPr>
+            <a:normAutofit/>
+          </a:bodyPr>
+          <a:lstStyle/>
+          <a:p>
+            <a:pPr>
+              <a:lnSpc>
+                <a:spcPct val="110000"/>
+              </a:lnSpc>
+            </a:pPr>
+            <a:endParaRPr lang="it-IT" dirty="0">
+              <a:solidFill>
+                <a:schemeClr val="tx1"/>
+              </a:solidFill>
+            </a:endParaRPr>
+          </a:p>
+          <a:p>
+            <a:pPr>
+              <a:lnSpc>
+                <a:spcPct val="110000"/>
+              </a:lnSpc>
+            </a:pPr>
+            <a:r>
+              <a:rPr lang="it-IT" dirty="0" err="1">
+                <a:solidFill>
+                  <a:schemeClr val="tx1"/>
+                </a:solidFill>
+              </a:rPr>
+              <a:t>We</a:t>
+            </a:r>
+            <a:r>
+              <a:rPr lang="it-IT" dirty="0">
+                <a:solidFill>
+                  <a:schemeClr val="tx1"/>
+                </a:solidFill>
+              </a:rPr>
+              <a:t> </a:t>
+            </a:r>
+            <a:r>
+              <a:rPr lang="it-IT" dirty="0" err="1">
+                <a:solidFill>
+                  <a:schemeClr val="tx1"/>
+                </a:solidFill>
+              </a:rPr>
+              <a:t>have</a:t>
+            </a:r>
+            <a:r>
+              <a:rPr lang="it-IT" dirty="0">
+                <a:solidFill>
+                  <a:schemeClr val="tx1"/>
+                </a:solidFill>
+              </a:rPr>
+              <a:t> </a:t>
+            </a:r>
+            <a:r>
+              <a:rPr lang="it-IT" dirty="0" err="1">
+                <a:solidFill>
+                  <a:schemeClr val="tx1"/>
+                </a:solidFill>
+              </a:rPr>
+              <a:t>evaluated</a:t>
+            </a:r>
+            <a:r>
+              <a:rPr lang="it-IT" dirty="0">
+                <a:solidFill>
+                  <a:schemeClr val="tx1"/>
+                </a:solidFill>
+              </a:rPr>
+              <a:t> </a:t>
+            </a:r>
+            <a:r>
+              <a:rPr lang="it-IT" dirty="0" err="1">
+                <a:solidFill>
+                  <a:schemeClr val="tx1"/>
+                </a:solidFill>
+              </a:rPr>
+              <a:t>our</a:t>
+            </a:r>
+            <a:r>
+              <a:rPr lang="it-IT" dirty="0">
+                <a:solidFill>
+                  <a:schemeClr val="tx1"/>
+                </a:solidFill>
+              </a:rPr>
+              <a:t> </a:t>
+            </a:r>
+            <a:r>
+              <a:rPr lang="it-IT" dirty="0" err="1">
+                <a:solidFill>
+                  <a:schemeClr val="tx1"/>
+                </a:solidFill>
+              </a:rPr>
+              <a:t>implementation</a:t>
+            </a:r>
+            <a:r>
+              <a:rPr lang="it-IT" dirty="0">
+                <a:solidFill>
+                  <a:schemeClr val="tx1"/>
+                </a:solidFill>
+              </a:rPr>
+              <a:t> of the CAHD </a:t>
+            </a:r>
+            <a:r>
+              <a:rPr lang="it-IT" dirty="0" err="1">
+                <a:solidFill>
+                  <a:schemeClr val="tx1"/>
+                </a:solidFill>
+              </a:rPr>
+              <a:t>algorithm</a:t>
+            </a:r>
+            <a:r>
+              <a:rPr lang="it-IT" dirty="0">
+                <a:solidFill>
+                  <a:schemeClr val="tx1"/>
+                </a:solidFill>
+              </a:rPr>
+              <a:t> with </a:t>
+            </a:r>
+            <a:r>
+              <a:rPr lang="it-IT" dirty="0" err="1">
+                <a:solidFill>
+                  <a:schemeClr val="tx1"/>
+                </a:solidFill>
+              </a:rPr>
+              <a:t>two</a:t>
+            </a:r>
+            <a:r>
+              <a:rPr lang="it-IT" dirty="0">
+                <a:solidFill>
+                  <a:schemeClr val="tx1"/>
+                </a:solidFill>
+              </a:rPr>
+              <a:t> </a:t>
+            </a:r>
+            <a:r>
+              <a:rPr lang="it-IT" dirty="0" err="1">
+                <a:solidFill>
+                  <a:schemeClr val="tx1"/>
+                </a:solidFill>
+              </a:rPr>
+              <a:t>differents</a:t>
+            </a:r>
+            <a:r>
+              <a:rPr lang="it-IT" dirty="0">
+                <a:solidFill>
+                  <a:schemeClr val="tx1"/>
+                </a:solidFill>
+              </a:rPr>
+              <a:t> datasets, </a:t>
+            </a:r>
+            <a:r>
+              <a:rPr lang="en-US" dirty="0">
+                <a:solidFill>
+                  <a:schemeClr val="tx1"/>
+                </a:solidFill>
+              </a:rPr>
+              <a:t>BMSWebView1 (BMS1) and BMSWebView2 (BMS2), using a thousand items.</a:t>
+            </a:r>
+          </a:p>
+          <a:p>
+            <a:pPr>
+              <a:lnSpc>
+                <a:spcPct val="110000"/>
+              </a:lnSpc>
+            </a:pPr>
+            <a:r>
+              <a:rPr lang="en-US" dirty="0">
+                <a:solidFill>
+                  <a:schemeClr val="tx1"/>
+                </a:solidFill>
+              </a:rPr>
+              <a:t>Both datasets were used in the KDD CUP 2000 and contain clickstream data from an e-commerce, BMS1 has 497 items and BMS2 has 3340 items.</a:t>
+            </a:r>
+          </a:p>
+          <a:p>
+            <a:pPr>
+              <a:lnSpc>
+                <a:spcPct val="110000"/>
+              </a:lnSpc>
+            </a:pPr>
+            <a:r>
+              <a:rPr lang="en-US" dirty="0">
+                <a:solidFill>
+                  <a:schemeClr val="tx1"/>
+                </a:solidFill>
+              </a:rPr>
+              <a:t>None of the datasets has item names.</a:t>
+            </a:r>
+          </a:p>
+        </p:txBody>
+      </p:sp>
+    </p:spTree>
+    <p:extLst>
+      <p:ext uri="{BB962C8B-B14F-4D97-AF65-F5344CB8AC3E}">
+        <p14:creationId xmlns:p14="http://schemas.microsoft.com/office/powerpoint/2010/main" val="905385605"/>
+      </p:ext>
+    </p:extLst>
+  </p:cSld>
+  <p:clrMapOvr>
+    <a:masterClrMapping/>
+  </p:clrMapOvr>
+</p:sld>
+</file>
+
+<file path=ppt/slides/slide7.xml><?xml version="1.0" encoding="utf-8"?>
+<p:sld xmlns:a="http://schemas.openxmlformats.org/drawingml/2006/main" xmlns:r="http://schemas.openxmlformats.org/officeDocument/2006/relationships" xmlns:p="http://schemas.openxmlformats.org/presentationml/2006/main">
+  <p:cSld>
+    <p:spTree>
+      <p:nvGrpSpPr>
+        <p:cNvPr id="1" name=""/>
+        <p:cNvGrpSpPr/>
+        <p:nvPr/>
+      </p:nvGrpSpPr>
+      <p:grpSpPr>
+        <a:xfrm>
+          <a:off x="0" y="0"/>
+          <a:ext cx="0" cy="0"/>
+          <a:chOff x="0" y="0"/>
+          <a:chExt cx="0" cy="0"/>
+        </a:xfrm>
+      </p:grpSpPr>
+      <p:pic>
+        <p:nvPicPr>
+          <p:cNvPr id="4" name="Segnaposto contenuto 4">
+            <a:extLst>
+              <a:ext uri="{FF2B5EF4-FFF2-40B4-BE49-F238E27FC236}">
+                <a16:creationId xmlns:a16="http://schemas.microsoft.com/office/drawing/2014/main" id="{D8F9556E-DB88-47A0-A2C9-BFB267D98419}"/>
+              </a:ext>
+            </a:extLst>
+          </p:cNvPr>
+          <p:cNvPicPr>
+            <a:picLocks noGrp="1" noChangeAspect="1"/>
+          </p:cNvPicPr>
+          <p:nvPr>
+            <p:ph idx="1"/>
+          </p:nvPr>
+        </p:nvPicPr>
+        <p:blipFill>
+          <a:blip r:embed="rId2"/>
+          <a:stretch>
+            <a:fillRect/>
+          </a:stretch>
+        </p:blipFill>
+        <p:spPr>
+          <a:xfrm>
+            <a:off x="355258" y="1875840"/>
+            <a:ext cx="5486400" cy="4114800"/>
+          </a:xfrm>
+        </p:spPr>
+      </p:pic>
+      <p:pic>
+        <p:nvPicPr>
+          <p:cNvPr id="5" name="Segnaposto contenuto 6">
+            <a:extLst>
+              <a:ext uri="{FF2B5EF4-FFF2-40B4-BE49-F238E27FC236}">
+                <a16:creationId xmlns:a16="http://schemas.microsoft.com/office/drawing/2014/main" id="{D7156655-EA38-48F3-BB71-30FA7AB058B5}"/>
+              </a:ext>
+            </a:extLst>
+          </p:cNvPr>
+          <p:cNvPicPr>
+            <a:picLocks noChangeAspect="1"/>
+          </p:cNvPicPr>
+          <p:nvPr/>
+        </p:nvPicPr>
+        <p:blipFill>
+          <a:blip r:embed="rId3"/>
+          <a:stretch>
+            <a:fillRect/>
+          </a:stretch>
+        </p:blipFill>
+        <p:spPr>
+          <a:xfrm>
+            <a:off x="6309067" y="1875840"/>
+            <a:ext cx="5486400" cy="4114800"/>
+          </a:xfrm>
+          <a:prstGeom prst="rect">
+            <a:avLst/>
+          </a:prstGeom>
+        </p:spPr>
+      </p:pic>
+      <p:sp>
+        <p:nvSpPr>
+          <p:cNvPr id="2" name="Titolo 1">
+            <a:extLst>
+              <a:ext uri="{FF2B5EF4-FFF2-40B4-BE49-F238E27FC236}">
+                <a16:creationId xmlns:a16="http://schemas.microsoft.com/office/drawing/2014/main" id="{92260F29-11ED-4A37-8C5D-A0D4CCE9177A}"/>
+              </a:ext>
+            </a:extLst>
+          </p:cNvPr>
+          <p:cNvSpPr>
+            <a:spLocks noGrp="1"/>
+          </p:cNvSpPr>
+          <p:nvPr>
+            <p:ph type="title"/>
+          </p:nvPr>
+        </p:nvSpPr>
+        <p:spPr>
+          <a:xfrm>
+            <a:off x="576072" y="365125"/>
+            <a:ext cx="10771632" cy="1325563"/>
+          </a:xfrm>
+        </p:spPr>
+        <p:txBody>
+          <a:bodyPr anchor="ctr">
+            <a:normAutofit/>
+          </a:bodyPr>
+          <a:lstStyle/>
+          <a:p>
+            <a:pPr algn="ctr"/>
+            <a:r>
+              <a:rPr lang="it-IT" dirty="0">
+                <a:solidFill>
+                  <a:schemeClr val="tx1"/>
+                </a:solidFill>
+              </a:rPr>
+              <a:t>BAND </a:t>
+            </a:r>
+            <a:r>
+              <a:rPr lang="it-IT" dirty="0" err="1">
+                <a:solidFill>
+                  <a:schemeClr val="tx1"/>
+                </a:solidFill>
+              </a:rPr>
+              <a:t>matrix</a:t>
+            </a:r>
+            <a:r>
+              <a:rPr lang="it-IT" dirty="0">
+                <a:solidFill>
+                  <a:schemeClr val="tx1"/>
+                </a:solidFill>
+              </a:rPr>
+              <a:t> ON BMS1</a:t>
+            </a:r>
+          </a:p>
+        </p:txBody>
+      </p:sp>
+    </p:spTree>
+    <p:extLst>
+      <p:ext uri="{BB962C8B-B14F-4D97-AF65-F5344CB8AC3E}">
+        <p14:creationId xmlns:p14="http://schemas.microsoft.com/office/powerpoint/2010/main" val="2520613829"/>
       </p:ext>
     </p:extLst>
   </p:cSld>
@@ -17420,304 +17069,109 @@
             <p:ph type="title"/>
           </p:nvPr>
         </p:nvSpPr>
-        <p:spPr/>
+        <p:spPr>
+          <a:xfrm>
+            <a:off x="576072" y="365125"/>
+            <a:ext cx="10771632" cy="1325563"/>
+          </a:xfrm>
+        </p:spPr>
         <p:txBody>
-          <a:bodyPr/>
+          <a:bodyPr anchor="ctr">
+            <a:normAutofit/>
+          </a:bodyPr>
           <a:lstStyle/>
           <a:p>
+            <a:pPr algn="ctr"/>
+            <a:r>
+              <a:rPr lang="it-IT" dirty="0">
+                <a:solidFill>
+                  <a:schemeClr val="tx1"/>
+                </a:solidFill>
+              </a:rPr>
+              <a:t>Band </a:t>
+            </a:r>
             <a:r>
               <a:rPr lang="it-IT" dirty="0" err="1">
                 <a:solidFill>
                   <a:schemeClr val="tx1"/>
                 </a:solidFill>
               </a:rPr>
-              <a:t>TESting</a:t>
-            </a:r>
-            <a:endParaRPr lang="it-IT" dirty="0">
-              <a:solidFill>
-                <a:schemeClr val="tx1"/>
-              </a:solidFill>
-            </a:endParaRPr>
+              <a:t>matrix</a:t>
+            </a:r>
+            <a:r>
+              <a:rPr lang="it-IT" dirty="0">
+                <a:solidFill>
+                  <a:schemeClr val="tx1"/>
+                </a:solidFill>
+              </a:rPr>
+              <a:t> ON BMS2</a:t>
+            </a:r>
           </a:p>
         </p:txBody>
       </p:sp>
-      <p:sp>
-        <p:nvSpPr>
-          <p:cNvPr id="3" name="Segnaposto contenuto 2">
-            <a:extLst>
-              <a:ext uri="{FF2B5EF4-FFF2-40B4-BE49-F238E27FC236}">
-                <a16:creationId xmlns:a16="http://schemas.microsoft.com/office/drawing/2014/main" id="{03F1FE39-20CD-49DD-9C63-BBB9CB6E564F}"/>
-              </a:ext>
-            </a:extLst>
-          </p:cNvPr>
-          <p:cNvSpPr>
-            <a:spLocks noGrp="1"/>
-          </p:cNvSpPr>
+      <p:pic>
+        <p:nvPicPr>
+          <p:cNvPr id="8" name="Segnaposto contenuto 7">
+            <a:extLst>
+              <a:ext uri="{FF2B5EF4-FFF2-40B4-BE49-F238E27FC236}">
+                <a16:creationId xmlns:a16="http://schemas.microsoft.com/office/drawing/2014/main" id="{055BF788-E41D-4846-861E-84AE7F9ACE16}"/>
+              </a:ext>
+            </a:extLst>
+          </p:cNvPr>
+          <p:cNvPicPr>
+            <a:picLocks noGrp="1" noChangeAspect="1"/>
+          </p:cNvPicPr>
           <p:nvPr>
             <p:ph idx="1"/>
           </p:nvPr>
-        </p:nvSpPr>
-        <p:spPr/>
-        <p:txBody>
-          <a:bodyPr>
-            <a:normAutofit fontScale="92500" lnSpcReduction="20000"/>
-          </a:bodyPr>
-          <a:lstStyle/>
-          <a:p>
-            <a:pPr>
-              <a:lnSpc>
-                <a:spcPct val="110000"/>
-              </a:lnSpc>
-            </a:pPr>
-            <a:endParaRPr lang="it-IT" dirty="0">
-              <a:solidFill>
-                <a:schemeClr val="tx1"/>
-              </a:solidFill>
-            </a:endParaRPr>
-          </a:p>
-          <a:p>
-            <a:pPr>
-              <a:lnSpc>
-                <a:spcPct val="110000"/>
-              </a:lnSpc>
-            </a:pPr>
-            <a:r>
-              <a:rPr lang="it-IT" dirty="0" err="1">
-                <a:solidFill>
-                  <a:schemeClr val="tx1"/>
-                </a:solidFill>
-              </a:rPr>
-              <a:t>We</a:t>
-            </a:r>
-            <a:r>
-              <a:rPr lang="it-IT" dirty="0">
-                <a:solidFill>
-                  <a:schemeClr val="tx1"/>
-                </a:solidFill>
-              </a:rPr>
-              <a:t> </a:t>
-            </a:r>
-            <a:r>
-              <a:rPr lang="it-IT" dirty="0" err="1">
-                <a:solidFill>
-                  <a:schemeClr val="tx1"/>
-                </a:solidFill>
-              </a:rPr>
-              <a:t>have</a:t>
-            </a:r>
-            <a:r>
-              <a:rPr lang="it-IT" dirty="0">
-                <a:solidFill>
-                  <a:schemeClr val="tx1"/>
-                </a:solidFill>
-              </a:rPr>
-              <a:t> </a:t>
-            </a:r>
-            <a:r>
-              <a:rPr lang="it-IT" dirty="0" err="1">
-                <a:solidFill>
-                  <a:schemeClr val="tx1"/>
-                </a:solidFill>
-              </a:rPr>
-              <a:t>evaluated</a:t>
-            </a:r>
-            <a:r>
-              <a:rPr lang="it-IT" dirty="0">
-                <a:solidFill>
-                  <a:schemeClr val="tx1"/>
-                </a:solidFill>
-              </a:rPr>
-              <a:t> </a:t>
-            </a:r>
-            <a:r>
-              <a:rPr lang="it-IT" dirty="0" err="1">
-                <a:solidFill>
-                  <a:schemeClr val="tx1"/>
-                </a:solidFill>
-              </a:rPr>
-              <a:t>our</a:t>
-            </a:r>
-            <a:r>
-              <a:rPr lang="it-IT" dirty="0">
-                <a:solidFill>
-                  <a:schemeClr val="tx1"/>
-                </a:solidFill>
-              </a:rPr>
-              <a:t> </a:t>
-            </a:r>
-            <a:r>
-              <a:rPr lang="it-IT" dirty="0" err="1">
-                <a:solidFill>
-                  <a:schemeClr val="tx1"/>
-                </a:solidFill>
-              </a:rPr>
-              <a:t>implementation</a:t>
-            </a:r>
-            <a:r>
-              <a:rPr lang="it-IT" dirty="0">
-                <a:solidFill>
-                  <a:schemeClr val="tx1"/>
-                </a:solidFill>
-              </a:rPr>
-              <a:t> of the CAHD </a:t>
-            </a:r>
-            <a:r>
-              <a:rPr lang="it-IT" dirty="0" err="1">
-                <a:solidFill>
-                  <a:schemeClr val="tx1"/>
-                </a:solidFill>
-              </a:rPr>
-              <a:t>algorithm</a:t>
-            </a:r>
-            <a:r>
-              <a:rPr lang="it-IT" dirty="0">
-                <a:solidFill>
-                  <a:schemeClr val="tx1"/>
-                </a:solidFill>
-              </a:rPr>
-              <a:t> with </a:t>
-            </a:r>
-            <a:r>
-              <a:rPr lang="it-IT" dirty="0" err="1">
-                <a:solidFill>
-                  <a:schemeClr val="tx1"/>
-                </a:solidFill>
-              </a:rPr>
-              <a:t>two</a:t>
-            </a:r>
-            <a:r>
-              <a:rPr lang="it-IT" dirty="0">
-                <a:solidFill>
-                  <a:schemeClr val="tx1"/>
-                </a:solidFill>
-              </a:rPr>
-              <a:t> </a:t>
-            </a:r>
-            <a:r>
-              <a:rPr lang="it-IT" dirty="0" err="1">
-                <a:solidFill>
-                  <a:schemeClr val="tx1"/>
-                </a:solidFill>
-              </a:rPr>
-              <a:t>differents</a:t>
-            </a:r>
-            <a:r>
-              <a:rPr lang="it-IT" dirty="0">
-                <a:solidFill>
-                  <a:schemeClr val="tx1"/>
-                </a:solidFill>
-              </a:rPr>
-              <a:t> datasets, </a:t>
-            </a:r>
-            <a:r>
-              <a:rPr lang="en-US" dirty="0">
-                <a:solidFill>
-                  <a:schemeClr val="tx1"/>
-                </a:solidFill>
-              </a:rPr>
-              <a:t>BMSWebView1 (BMS1) and BMSWebView2 (BMS2), using a thousand items.</a:t>
-            </a:r>
-          </a:p>
-          <a:p>
-            <a:pPr>
-              <a:lnSpc>
-                <a:spcPct val="110000"/>
-              </a:lnSpc>
-            </a:pPr>
-            <a:r>
-              <a:rPr lang="en-US" dirty="0">
-                <a:solidFill>
-                  <a:schemeClr val="tx1"/>
-                </a:solidFill>
-              </a:rPr>
-              <a:t>We have organized the data as a band matrix, so that consecutive rows are likely to share a large number of common items. Band matrix organization has been acknowledged as a beneficial mode to represent sparse data in various scientific applications.</a:t>
-            </a:r>
-          </a:p>
-          <a:p>
-            <a:pPr>
-              <a:lnSpc>
-                <a:spcPct val="120000"/>
-              </a:lnSpc>
-            </a:pPr>
-            <a:r>
-              <a:rPr lang="it-IT" dirty="0">
-                <a:solidFill>
-                  <a:schemeClr val="tx1"/>
-                </a:solidFill>
-              </a:rPr>
-              <a:t>The </a:t>
-            </a:r>
-            <a:r>
-              <a:rPr lang="it-IT" dirty="0" err="1">
-                <a:solidFill>
-                  <a:schemeClr val="tx1"/>
-                </a:solidFill>
-              </a:rPr>
-              <a:t>differences</a:t>
-            </a:r>
-            <a:r>
-              <a:rPr lang="it-IT" dirty="0">
-                <a:solidFill>
-                  <a:schemeClr val="tx1"/>
-                </a:solidFill>
-              </a:rPr>
-              <a:t> </a:t>
-            </a:r>
-            <a:r>
-              <a:rPr lang="it-IT" dirty="0" err="1">
-                <a:solidFill>
-                  <a:schemeClr val="tx1"/>
-                </a:solidFill>
-              </a:rPr>
-              <a:t>between</a:t>
-            </a:r>
-            <a:r>
-              <a:rPr lang="it-IT" dirty="0">
-                <a:solidFill>
-                  <a:schemeClr val="tx1"/>
-                </a:solidFill>
-              </a:rPr>
-              <a:t> the </a:t>
-            </a:r>
-            <a:r>
-              <a:rPr lang="it-IT" dirty="0" err="1">
-                <a:solidFill>
-                  <a:schemeClr val="tx1"/>
-                </a:solidFill>
-              </a:rPr>
-              <a:t>initial</a:t>
-            </a:r>
-            <a:r>
-              <a:rPr lang="it-IT" dirty="0">
-                <a:solidFill>
-                  <a:schemeClr val="tx1"/>
-                </a:solidFill>
-              </a:rPr>
-              <a:t> dataset and the band </a:t>
-            </a:r>
-            <a:r>
-              <a:rPr lang="it-IT" dirty="0" err="1">
-                <a:solidFill>
-                  <a:schemeClr val="tx1"/>
-                </a:solidFill>
-              </a:rPr>
-              <a:t>matrix</a:t>
-            </a:r>
-            <a:r>
-              <a:rPr lang="it-IT" dirty="0">
-                <a:solidFill>
-                  <a:schemeClr val="tx1"/>
-                </a:solidFill>
-              </a:rPr>
-              <a:t> are:</a:t>
-            </a:r>
-          </a:p>
-        </p:txBody>
-      </p:sp>
+        </p:nvPicPr>
+        <p:blipFill>
+          <a:blip r:embed="rId2"/>
+          <a:stretch>
+            <a:fillRect/>
+          </a:stretch>
+        </p:blipFill>
+        <p:spPr>
+          <a:xfrm>
+            <a:off x="356400" y="1875600"/>
+            <a:ext cx="5486400" cy="4114800"/>
+          </a:xfrm>
+        </p:spPr>
+      </p:pic>
+      <p:pic>
+        <p:nvPicPr>
+          <p:cNvPr id="10" name="Immagine 9">
+            <a:extLst>
+              <a:ext uri="{FF2B5EF4-FFF2-40B4-BE49-F238E27FC236}">
+                <a16:creationId xmlns:a16="http://schemas.microsoft.com/office/drawing/2014/main" id="{38E9A67C-E928-4BF8-9201-DD6ED1400715}"/>
+              </a:ext>
+            </a:extLst>
+          </p:cNvPr>
+          <p:cNvPicPr>
+            <a:picLocks noChangeAspect="1"/>
+          </p:cNvPicPr>
+          <p:nvPr/>
+        </p:nvPicPr>
+        <p:blipFill>
+          <a:blip r:embed="rId3"/>
+          <a:stretch>
+            <a:fillRect/>
+          </a:stretch>
+        </p:blipFill>
+        <p:spPr>
+          <a:xfrm>
+            <a:off x="6310800" y="1875600"/>
+            <a:ext cx="5486400" cy="4114800"/>
+          </a:xfrm>
+          <a:prstGeom prst="rect">
+            <a:avLst/>
+          </a:prstGeom>
+        </p:spPr>
+      </p:pic>
     </p:spTree>
     <p:extLst>
       <p:ext uri="{BB962C8B-B14F-4D97-AF65-F5344CB8AC3E}">
-        <p14:creationId xmlns:p14="http://schemas.microsoft.com/office/powerpoint/2010/main" val="905385605"/>
+        <p14:creationId xmlns:p14="http://schemas.microsoft.com/office/powerpoint/2010/main" val="2164925345"/>
       </p:ext>
     </p:extLst>
   </p:cSld>
@@ -17744,65 +17198,6 @@
           <a:chExt cx="0" cy="0"/>
         </a:xfrm>
       </p:grpSpPr>
-      <p:pic>
-        <p:nvPicPr>
-          <p:cNvPr id="4" name="Segnaposto contenuto 4">
-            <a:extLst>
-              <a:ext uri="{FF2B5EF4-FFF2-40B4-BE49-F238E27FC236}">
-                <a16:creationId xmlns:a16="http://schemas.microsoft.com/office/drawing/2014/main" id="{D8F9556E-DB88-47A0-A2C9-BFB267D98419}"/>
-              </a:ext>
-            </a:extLst>
-          </p:cNvPr>
-          <p:cNvPicPr>
-            <a:picLocks noGrp="1" noChangeAspect="1"/>
-          </p:cNvPicPr>
-          <p:nvPr>
-            <p:ph idx="1"/>
-          </p:nvPr>
-        </p:nvPicPr>
-        <p:blipFill>
-          <a:blip r:embed="rId2"/>
-          <a:stretch>
-            <a:fillRect/>
-          </a:stretch>
-        </p:blipFill>
-        <p:spPr>
-          <a:xfrm>
-            <a:off x="355258" y="1875840"/>
-            <a:ext cx="5486400" cy="4114800"/>
-          </a:xfrm>
-        </p:spPr>
-      </p:pic>
-      <p:pic>
-        <p:nvPicPr>
-          <p:cNvPr id="5" name="Segnaposto contenuto 6">
-            <a:extLst>
-              <a:ext uri="{FF2B5EF4-FFF2-40B4-BE49-F238E27FC236}">
-                <a16:creationId xmlns:a16="http://schemas.microsoft.com/office/drawing/2014/main" id="{D7156655-EA38-48F3-BB71-30FA7AB058B5}"/>
-              </a:ext>
-            </a:extLst>
-          </p:cNvPr>
-          <p:cNvPicPr>
-            <a:picLocks noChangeAspect="1"/>
-          </p:cNvPicPr>
-          <p:nvPr/>
-        </p:nvPicPr>
-        <p:blipFill>
-          <a:blip r:embed="rId3"/>
-          <a:stretch>
-            <a:fillRect/>
-          </a:stretch>
-        </p:blipFill>
-        <p:spPr>
-          <a:xfrm>
-            <a:off x="6309067" y="1875840"/>
-            <a:ext cx="5486400" cy="4114800"/>
-          </a:xfrm>
-          <a:prstGeom prst="rect">
-            <a:avLst/>
-          </a:prstGeom>
-        </p:spPr>
-      </p:pic>
       <p:sp>
         <p:nvSpPr>
           <p:cNvPr id="2" name="Titolo 1">
@@ -17819,33 +17214,139 @@
             <p:ph type="title"/>
           </p:nvPr>
         </p:nvSpPr>
+        <p:spPr/>
+        <p:txBody>
+          <a:bodyPr/>
+          <a:lstStyle/>
+          <a:p>
+            <a:pPr algn="ctr"/>
+            <a:r>
+              <a:rPr lang="it-IT" dirty="0" err="1">
+                <a:solidFill>
+                  <a:schemeClr val="tx1"/>
+                </a:solidFill>
+              </a:rPr>
+              <a:t>TESting</a:t>
+            </a:r>
+            <a:r>
+              <a:rPr lang="it-IT" dirty="0">
+                <a:solidFill>
+                  <a:schemeClr val="tx1"/>
+                </a:solidFill>
+              </a:rPr>
+              <a:t> </a:t>
+            </a:r>
+            <a:r>
+              <a:rPr lang="it-IT" dirty="0" err="1">
+                <a:solidFill>
+                  <a:schemeClr val="tx1"/>
+                </a:solidFill>
+              </a:rPr>
+              <a:t>parameters</a:t>
+            </a:r>
+            <a:endParaRPr lang="it-IT" dirty="0">
+              <a:solidFill>
+                <a:schemeClr val="tx1"/>
+              </a:solidFill>
+            </a:endParaRPr>
+          </a:p>
+        </p:txBody>
+      </p:sp>
+      <p:sp>
+        <p:nvSpPr>
+          <p:cNvPr id="3" name="Segnaposto contenuto 2">
+            <a:extLst>
+              <a:ext uri="{FF2B5EF4-FFF2-40B4-BE49-F238E27FC236}">
+                <a16:creationId xmlns:a16="http://schemas.microsoft.com/office/drawing/2014/main" id="{03F1FE39-20CD-49DD-9C63-BBB9CB6E564F}"/>
+              </a:ext>
+            </a:extLst>
+          </p:cNvPr>
+          <p:cNvSpPr>
+            <a:spLocks noGrp="1"/>
+          </p:cNvSpPr>
+          <p:nvPr>
+            <p:ph idx="1"/>
+          </p:nvPr>
+        </p:nvSpPr>
         <p:spPr>
           <a:xfrm>
-            <a:off x="576072" y="365125"/>
-            <a:ext cx="10771632" cy="1325563"/>
+            <a:off x="710184" y="1816100"/>
+            <a:ext cx="10771632" cy="4351338"/>
           </a:xfrm>
         </p:spPr>
         <p:txBody>
-          <a:bodyPr anchor="ctr">
+          <a:bodyPr>
             <a:normAutofit/>
           </a:bodyPr>
           <a:lstStyle/>
           <a:p>
-            <a:r>
-              <a:rPr lang="it-IT" dirty="0">
-                <a:solidFill>
-                  <a:schemeClr val="tx1"/>
-                </a:solidFill>
-              </a:rPr>
-              <a:t>DIFFERENCES ON BMS1</a:t>
-            </a:r>
+            <a:pPr>
+              <a:lnSpc>
+                <a:spcPct val="100000"/>
+              </a:lnSpc>
+            </a:pPr>
+            <a:endParaRPr lang="en-US" sz="2600" dirty="0">
+              <a:solidFill>
+                <a:schemeClr val="tx1"/>
+              </a:solidFill>
+            </a:endParaRPr>
+          </a:p>
+          <a:p>
+            <a:pPr>
+              <a:lnSpc>
+                <a:spcPct val="100000"/>
+              </a:lnSpc>
+            </a:pPr>
+            <a:r>
+              <a:rPr lang="en-US" sz="2600" dirty="0">
+                <a:solidFill>
+                  <a:schemeClr val="tx1"/>
+                </a:solidFill>
+              </a:rPr>
+              <a:t>To evaluate the reconstruction error and the execution time we have varied the privacy degree p in the range 4 - 20.</a:t>
+            </a:r>
+          </a:p>
+          <a:p>
+            <a:pPr>
+              <a:lnSpc>
+                <a:spcPct val="100000"/>
+              </a:lnSpc>
+            </a:pPr>
+            <a:r>
+              <a:rPr lang="en-US" sz="2600" dirty="0">
+                <a:solidFill>
+                  <a:schemeClr val="tx1"/>
+                </a:solidFill>
+              </a:rPr>
+              <a:t>We have used a number of m sensitive items that in the first iteration is 10 and in the second is 20.</a:t>
+            </a:r>
+          </a:p>
+          <a:p>
+            <a:pPr>
+              <a:lnSpc>
+                <a:spcPct val="100000"/>
+              </a:lnSpc>
+            </a:pPr>
+            <a:r>
+              <a:rPr lang="en-US" sz="2600" dirty="0">
+                <a:solidFill>
+                  <a:schemeClr val="tx1"/>
+                </a:solidFill>
+              </a:rPr>
+              <a:t>CAHD is time-efficient, with completion time of at most 5.5 and 4 seconds for the BMS1 and BMS2 datasets, respectively.</a:t>
+            </a:r>
+            <a:endParaRPr lang="it-IT" sz="2600" dirty="0">
+              <a:solidFill>
+                <a:schemeClr val="tx1"/>
+              </a:solidFill>
+            </a:endParaRPr>
           </a:p>
         </p:txBody>
       </p:sp>
     </p:spTree>
     <p:extLst>
       <p:ext uri="{BB962C8B-B14F-4D97-AF65-F5344CB8AC3E}">
-        <p14:creationId xmlns:p14="http://schemas.microsoft.com/office/powerpoint/2010/main" val="2520613829"/>
+        <p14:creationId xmlns:p14="http://schemas.microsoft.com/office/powerpoint/2010/main" val="3959716325"/>
       </p:ext>
     </p:extLst>
   </p:cSld>
@@ -18647,6 +18148,15 @@
 </file>
 
 <file path=customXml/item1.xml><?xml version="1.0" encoding="utf-8"?>
+<?mso-contentType ?>
+<FormTemplates xmlns="http://schemas.microsoft.com/sharepoint/v3/contenttype/forms">
+  <Display>DocumentLibraryForm</Display>
+  <Edit>DocumentLibraryForm</Edit>
+  <New>DocumentLibraryForm</New>
+</FormTemplates>
+</file>
+
+<file path=customXml/item2.xml><?xml version="1.0" encoding="utf-8"?>
 <ct:contentTypeSchema xmlns:ct="http://schemas.microsoft.com/office/2006/metadata/contentType" xmlns:ma="http://schemas.microsoft.com/office/2006/metadata/properties/metaAttributes" ct:_="" ma:_="" ma:contentTypeName="Document" ma:contentTypeID="0x01010079F111ED35F8CC479449609E8A0923A6" ma:contentTypeVersion="12" ma:contentTypeDescription="Create a new document." ma:contentTypeScope="" ma:versionID="426e97fa315356fffbdcd9876fe988c2">
   <xsd:schema xmlns:xsd="http://www.w3.org/2001/XMLSchema" xmlns:xs="http://www.w3.org/2001/XMLSchema" xmlns:p="http://schemas.microsoft.com/office/2006/metadata/properties" xmlns:ns2="71af3243-3dd4-4a8d-8c0d-dd76da1f02a5" xmlns:ns3="16c05727-aa75-4e4a-9b5f-8a80a1165891" targetNamespace="http://schemas.microsoft.com/office/2006/metadata/properties" ma:root="true" ma:fieldsID="14b8f0def80e6d70ce3def20c90759ae" ns2:_="" ns3:_="">
     <xsd:import namespace="71af3243-3dd4-4a8d-8c0d-dd76da1f02a5"/>
@@ -18867,15 +18377,6 @@
 </ct:contentTypeSchema>
 </file>
 
-<file path=customXml/item2.xml><?xml version="1.0" encoding="utf-8"?>
-<?mso-contentType ?>
-<FormTemplates xmlns="http://schemas.microsoft.com/sharepoint/v3/contenttype/forms">
-  <Display>DocumentLibraryForm</Display>
-  <Edit>DocumentLibraryForm</Edit>
-  <New>DocumentLibraryForm</New>
-</FormTemplates>
-</file>
-
 <file path=customXml/item3.xml><?xml version="1.0" encoding="utf-8"?>
 <p:properties xmlns:p="http://schemas.microsoft.com/office/2006/metadata/properties" xmlns:xsi="http://www.w3.org/2001/XMLSchema-instance" xmlns:pc="http://schemas.microsoft.com/office/infopath/2007/PartnerControls">
   <documentManagement>
@@ -18886,6 +18387,14 @@
 </file>
 
 <file path=customXml/itemProps1.xml><?xml version="1.0" encoding="utf-8"?>
+<ds:datastoreItem xmlns:ds="http://schemas.openxmlformats.org/officeDocument/2006/customXml" ds:itemID="{3C8E00D1-8EA3-4E42-801D-0253E1EAFC21}">
+  <ds:schemaRefs>
+    <ds:schemaRef ds:uri="http://schemas.microsoft.com/sharepoint/v3/contenttype/forms"/>
+  </ds:schemaRefs>
+</ds:datastoreItem>
+</file>
+
+<file path=customXml/itemProps2.xml><?xml version="1.0" encoding="utf-8"?>
 <ds:datastoreItem xmlns:ds="http://schemas.openxmlformats.org/officeDocument/2006/customXml" ds:itemID="{ABC329F5-30EE-4BF7-AA2A-B837B51416B4}">
   <ds:schemaRefs>
     <ds:schemaRef ds:uri="http://schemas.microsoft.com/office/2006/metadata/contentType"/>
@@ -18904,14 +18413,6 @@
 </ds:datastoreItem>
 </file>
 
-<file path=customXml/itemProps2.xml><?xml version="1.0" encoding="utf-8"?>
-<ds:datastoreItem xmlns:ds="http://schemas.openxmlformats.org/officeDocument/2006/customXml" ds:itemID="{3C8E00D1-8EA3-4E42-801D-0253E1EAFC21}">
-  <ds:schemaRefs>
-    <ds:schemaRef ds:uri="http://schemas.microsoft.com/sharepoint/v3/contenttype/forms"/>
-  </ds:schemaRefs>
-</ds:datastoreItem>
-</file>
-
 <file path=customXml/itemProps3.xml><?xml version="1.0" encoding="utf-8"?>
 <ds:datastoreItem xmlns:ds="http://schemas.openxmlformats.org/officeDocument/2006/customXml" ds:itemID="{99919F73-B6C2-4A43-95E2-833EC48925FE}">
   <ds:schemaRefs>

--- a/Presentazione/presentazione.pptx
+++ b/Presentazione/presentazione.pptx
@@ -12687,7 +12687,7 @@
                   <a:schemeClr val="tx1"/>
                 </a:solidFill>
               </a:rPr>
-              <a:t>kl-divERGENCE</a:t>
+              <a:t>kl-divergence</a:t>
             </a:r>
             <a:r>
               <a:rPr lang="it-IT" dirty="0">
@@ -12907,7 +12907,7 @@
                   <a:schemeClr val="tx1"/>
                 </a:solidFill>
               </a:rPr>
-              <a:t>Kl-divERGENCE</a:t>
+              <a:t>Kl-divergence</a:t>
             </a:r>
             <a:r>
               <a:rPr lang="it-IT" dirty="0">
@@ -14574,40 +14574,14 @@
               <a:t> </a:t>
             </a:r>
             <a:r>
-              <a:rPr lang="it-IT" sz="2800" dirty="0" err="1"/>
-              <a:t>is</a:t>
-            </a:r>
-            <a:r>
-              <a:rPr lang="it-IT" sz="2800" dirty="0"/>
-              <a:t> </a:t>
-            </a:r>
-            <a:r>
-              <a:rPr lang="it-IT" sz="2800" dirty="0" err="1"/>
-              <a:t>able</a:t>
-            </a:r>
-            <a:r>
-              <a:rPr lang="it-IT" sz="2800" dirty="0"/>
-              <a:t> to </a:t>
-            </a:r>
-            <a:r>
-              <a:rPr lang="it-IT" sz="2800" dirty="0" err="1"/>
-              <a:t>identify</a:t>
-            </a:r>
-            <a:r>
-              <a:rPr lang="it-IT" sz="2800" dirty="0"/>
-              <a:t> a </a:t>
-            </a:r>
-            <a:r>
-              <a:rPr lang="it-IT" sz="2800" dirty="0" err="1"/>
-              <a:t>purchase</a:t>
-            </a:r>
-            <a:r>
-              <a:rPr lang="it-IT" sz="2800" dirty="0"/>
-              <a:t> </a:t>
-            </a:r>
-            <a:r>
-              <a:rPr lang="it-IT" sz="2800" dirty="0" err="1"/>
-              <a:t>transaction</a:t>
+              <a:rPr lang="en-US" sz="2800" dirty="0"/>
+              <a:t>learns about some of the items purchased by</a:t>
+            </a:r>
+          </a:p>
+          <a:p>
+            <a:r>
+              <a:rPr lang="en-US" sz="2800" dirty="0"/>
+              <a:t>someone on a certain day</a:t>
             </a:r>
             <a:r>
               <a:rPr lang="it-IT" sz="2800" dirty="0"/>
@@ -14619,13 +14593,7 @@
             </a:r>
             <a:r>
               <a:rPr lang="it-IT" sz="2800" dirty="0"/>
-              <a:t> can</a:t>
-            </a:r>
-          </a:p>
-          <a:p>
-            <a:r>
-              <a:rPr lang="it-IT" sz="2800" dirty="0"/>
-              <a:t>lead to a privacy </a:t>
+              <a:t> can lead to a privacy </a:t>
             </a:r>
             <a:r>
               <a:rPr lang="it-IT" sz="2800" dirty="0" err="1"/>
@@ -16649,18 +16617,13 @@
           <a:p>
             <a:pPr algn="ctr"/>
             <a:r>
-              <a:rPr lang="it-IT" dirty="0" err="1">
-                <a:solidFill>
-                  <a:schemeClr val="tx1"/>
-                </a:solidFill>
-              </a:rPr>
-              <a:t>TESting</a:t>
-            </a:r>
-            <a:endParaRPr lang="it-IT" dirty="0">
-              <a:solidFill>
-                <a:schemeClr val="tx1"/>
-              </a:solidFill>
-            </a:endParaRPr>
+              <a:rPr lang="it-IT" dirty="0">
+                <a:solidFill>
+                  <a:schemeClr val="tx1"/>
+                </a:solidFill>
+              </a:rPr>
+              <a:t>testing</a:t>
+            </a:r>
           </a:p>
         </p:txBody>
       </p:sp>
@@ -17221,20 +17184,12 @@
           <a:p>
             <a:pPr algn="ctr"/>
             <a:r>
-              <a:rPr lang="it-IT" dirty="0" err="1">
-                <a:solidFill>
-                  <a:schemeClr val="tx1"/>
-                </a:solidFill>
-              </a:rPr>
-              <a:t>TESting</a:t>
-            </a:r>
-            <a:r>
               <a:rPr lang="it-IT" dirty="0">
                 <a:solidFill>
                   <a:schemeClr val="tx1"/>
                 </a:solidFill>
               </a:rPr>
-              <a:t> </a:t>
+              <a:t>testing </a:t>
             </a:r>
             <a:r>
               <a:rPr lang="it-IT" dirty="0" err="1">
@@ -18148,15 +18103,6 @@
 </file>
 
 <file path=customXml/item1.xml><?xml version="1.0" encoding="utf-8"?>
-<?mso-contentType ?>
-<FormTemplates xmlns="http://schemas.microsoft.com/sharepoint/v3/contenttype/forms">
-  <Display>DocumentLibraryForm</Display>
-  <Edit>DocumentLibraryForm</Edit>
-  <New>DocumentLibraryForm</New>
-</FormTemplates>
-</file>
-
-<file path=customXml/item2.xml><?xml version="1.0" encoding="utf-8"?>
 <ct:contentTypeSchema xmlns:ct="http://schemas.microsoft.com/office/2006/metadata/contentType" xmlns:ma="http://schemas.microsoft.com/office/2006/metadata/properties/metaAttributes" ct:_="" ma:_="" ma:contentTypeName="Document" ma:contentTypeID="0x01010079F111ED35F8CC479449609E8A0923A6" ma:contentTypeVersion="12" ma:contentTypeDescription="Create a new document." ma:contentTypeScope="" ma:versionID="426e97fa315356fffbdcd9876fe988c2">
   <xsd:schema xmlns:xsd="http://www.w3.org/2001/XMLSchema" xmlns:xs="http://www.w3.org/2001/XMLSchema" xmlns:p="http://schemas.microsoft.com/office/2006/metadata/properties" xmlns:ns2="71af3243-3dd4-4a8d-8c0d-dd76da1f02a5" xmlns:ns3="16c05727-aa75-4e4a-9b5f-8a80a1165891" targetNamespace="http://schemas.microsoft.com/office/2006/metadata/properties" ma:root="true" ma:fieldsID="14b8f0def80e6d70ce3def20c90759ae" ns2:_="" ns3:_="">
     <xsd:import namespace="71af3243-3dd4-4a8d-8c0d-dd76da1f02a5"/>
@@ -18377,6 +18323,15 @@
 </ct:contentTypeSchema>
 </file>
 
+<file path=customXml/item2.xml><?xml version="1.0" encoding="utf-8"?>
+<?mso-contentType ?>
+<FormTemplates xmlns="http://schemas.microsoft.com/sharepoint/v3/contenttype/forms">
+  <Display>DocumentLibraryForm</Display>
+  <Edit>DocumentLibraryForm</Edit>
+  <New>DocumentLibraryForm</New>
+</FormTemplates>
+</file>
+
 <file path=customXml/item3.xml><?xml version="1.0" encoding="utf-8"?>
 <p:properties xmlns:p="http://schemas.microsoft.com/office/2006/metadata/properties" xmlns:xsi="http://www.w3.org/2001/XMLSchema-instance" xmlns:pc="http://schemas.microsoft.com/office/infopath/2007/PartnerControls">
   <documentManagement>
@@ -18387,14 +18342,6 @@
 </file>
 
 <file path=customXml/itemProps1.xml><?xml version="1.0" encoding="utf-8"?>
-<ds:datastoreItem xmlns:ds="http://schemas.openxmlformats.org/officeDocument/2006/customXml" ds:itemID="{3C8E00D1-8EA3-4E42-801D-0253E1EAFC21}">
-  <ds:schemaRefs>
-    <ds:schemaRef ds:uri="http://schemas.microsoft.com/sharepoint/v3/contenttype/forms"/>
-  </ds:schemaRefs>
-</ds:datastoreItem>
-</file>
-
-<file path=customXml/itemProps2.xml><?xml version="1.0" encoding="utf-8"?>
 <ds:datastoreItem xmlns:ds="http://schemas.openxmlformats.org/officeDocument/2006/customXml" ds:itemID="{ABC329F5-30EE-4BF7-AA2A-B837B51416B4}">
   <ds:schemaRefs>
     <ds:schemaRef ds:uri="http://schemas.microsoft.com/office/2006/metadata/contentType"/>
@@ -18413,6 +18360,14 @@
 </ds:datastoreItem>
 </file>
 
+<file path=customXml/itemProps2.xml><?xml version="1.0" encoding="utf-8"?>
+<ds:datastoreItem xmlns:ds="http://schemas.openxmlformats.org/officeDocument/2006/customXml" ds:itemID="{3C8E00D1-8EA3-4E42-801D-0253E1EAFC21}">
+  <ds:schemaRefs>
+    <ds:schemaRef ds:uri="http://schemas.microsoft.com/sharepoint/v3/contenttype/forms"/>
+  </ds:schemaRefs>
+</ds:datastoreItem>
+</file>
+
 <file path=customXml/itemProps3.xml><?xml version="1.0" encoding="utf-8"?>
 <ds:datastoreItem xmlns:ds="http://schemas.openxmlformats.org/officeDocument/2006/customXml" ds:itemID="{99919F73-B6C2-4A43-95E2-833EC48925FE}">
   <ds:schemaRefs>

--- a/Presentazione/presentazione.pptx
+++ b/Presentazione/presentazione.pptx
@@ -265,7 +265,7 @@
           <a:p>
             <a:fld id="{73EDD7B2-2DB1-4292-9CED-B6D9BDCC5040}" type="datetime1">
               <a:rPr lang="it-IT" smtClean="0"/>
-              <a:t>16/06/2021</a:t>
+              <a:t>17/06/2021</a:t>
             </a:fld>
             <a:endParaRPr lang="it-IT" dirty="0"/>
           </a:p>
@@ -445,7 +445,7 @@
             <a:fld id="{456F714F-066B-41A5-A6BD-50516EB8C346}" type="datetime1">
               <a:rPr lang="it-IT" smtClean="0"/>
               <a:pPr/>
-              <a:t>16/06/2021</a:t>
+              <a:t>17/06/2021</a:t>
             </a:fld>
             <a:endParaRPr lang="it-IT" dirty="0"/>
           </a:p>
@@ -13229,8 +13229,8 @@
         </p:nvSpPr>
         <p:spPr>
           <a:xfrm>
-            <a:off x="8641066" y="6114471"/>
-            <a:ext cx="825867" cy="369332"/>
+            <a:off x="6947283" y="6112227"/>
+            <a:ext cx="4224233" cy="369332"/>
           </a:xfrm>
           <a:prstGeom prst="rect">
             <a:avLst/>
@@ -13245,7 +13245,7 @@
           <a:p>
             <a:r>
               <a:rPr lang="it-IT" dirty="0"/>
-              <a:t>3900x</a:t>
+              <a:t>3900x, AVG m10: 2.6 s, AVG m20: 5 s</a:t>
             </a:r>
           </a:p>
         </p:txBody>
@@ -13264,8 +13264,8 @@
         </p:nvSpPr>
         <p:spPr>
           <a:xfrm>
-            <a:off x="2378171" y="6114471"/>
-            <a:ext cx="1223412" cy="369332"/>
+            <a:off x="569690" y="6114471"/>
+            <a:ext cx="5070619" cy="369332"/>
           </a:xfrm>
           <a:prstGeom prst="rect">
             <a:avLst/>
@@ -13280,7 +13280,7 @@
           <a:p>
             <a:r>
               <a:rPr lang="it-IT" dirty="0"/>
-              <a:t>BCM2711</a:t>
+              <a:t>BCM2711, AVG m10: 25.7 s, AVG m20: 32.9 s</a:t>
             </a:r>
           </a:p>
         </p:txBody>
@@ -13452,8 +13452,8 @@
         </p:nvSpPr>
         <p:spPr>
           <a:xfrm>
-            <a:off x="8641066" y="6114471"/>
-            <a:ext cx="825867" cy="369332"/>
+            <a:off x="6832879" y="6114471"/>
+            <a:ext cx="4442242" cy="369332"/>
           </a:xfrm>
           <a:prstGeom prst="rect">
             <a:avLst/>
@@ -13468,7 +13468,7 @@
           <a:p>
             <a:r>
               <a:rPr lang="it-IT" dirty="0"/>
-              <a:t>3900x</a:t>
+              <a:t>3900x, AVG m10: 2.6 s, AVG m20: 5.1 s</a:t>
             </a:r>
           </a:p>
         </p:txBody>
@@ -13487,8 +13487,8 @@
         </p:nvSpPr>
         <p:spPr>
           <a:xfrm>
-            <a:off x="2378171" y="6114471"/>
-            <a:ext cx="1223412" cy="369332"/>
+            <a:off x="564290" y="6114471"/>
+            <a:ext cx="5070619" cy="369332"/>
           </a:xfrm>
           <a:prstGeom prst="rect">
             <a:avLst/>
@@ -13503,7 +13503,7 @@
           <a:p>
             <a:r>
               <a:rPr lang="it-IT" dirty="0"/>
-              <a:t>BCM2711</a:t>
+              <a:t>BCM2711, AVG m10: 27.5 s, AVG m20: 33.4 s</a:t>
             </a:r>
           </a:p>
         </p:txBody>
@@ -13735,23 +13735,7 @@
                   <a:schemeClr val="tx1"/>
                 </a:solidFill>
               </a:rPr>
-              <a:t> with a setup </a:t>
-            </a:r>
-            <a:r>
-              <a:rPr lang="it-IT" dirty="0" err="1">
-                <a:solidFill>
-                  <a:schemeClr val="tx1"/>
-                </a:solidFill>
-              </a:rPr>
-              <a:t>that</a:t>
-            </a:r>
-            <a:r>
-              <a:rPr lang="it-IT" dirty="0">
-                <a:solidFill>
-                  <a:schemeClr val="tx1"/>
-                </a:solidFill>
-              </a:rPr>
-              <a:t> </a:t>
+              <a:t> with a setup that </a:t>
             </a:r>
             <a:r>
               <a:rPr lang="it-IT" dirty="0" err="1">
@@ -14894,8 +14878,8 @@
           </a:p>
         </p:txBody>
       </p:sp>
-      <mc:AlternateContent xmlns:mc="http://schemas.openxmlformats.org/markup-compatibility/2006" xmlns:a14="http://schemas.microsoft.com/office/drawing/2010/main">
-        <mc:Choice Requires="a14">
+      <mc:AlternateContent xmlns:mc="http://schemas.openxmlformats.org/markup-compatibility/2006">
+        <mc:Choice xmlns:a14="http://schemas.microsoft.com/office/drawing/2010/main" Requires="a14">
           <p:sp>
             <p:nvSpPr>
               <p:cNvPr id="3" name="Segnaposto contenuto 2">
@@ -16520,7 +16504,7 @@
             </p:txBody>
           </p:sp>
         </mc:Choice>
-        <mc:Fallback xmlns="">
+        <mc:Fallback>
           <p:sp>
             <p:nvSpPr>
               <p:cNvPr id="3" name="Segnaposto contenuto 2">
@@ -18103,6 +18087,15 @@
 </file>
 
 <file path=customXml/item1.xml><?xml version="1.0" encoding="utf-8"?>
+<?mso-contentType ?>
+<FormTemplates xmlns="http://schemas.microsoft.com/sharepoint/v3/contenttype/forms">
+  <Display>DocumentLibraryForm</Display>
+  <Edit>DocumentLibraryForm</Edit>
+  <New>DocumentLibraryForm</New>
+</FormTemplates>
+</file>
+
+<file path=customXml/item2.xml><?xml version="1.0" encoding="utf-8"?>
 <ct:contentTypeSchema xmlns:ct="http://schemas.microsoft.com/office/2006/metadata/contentType" xmlns:ma="http://schemas.microsoft.com/office/2006/metadata/properties/metaAttributes" ct:_="" ma:_="" ma:contentTypeName="Document" ma:contentTypeID="0x01010079F111ED35F8CC479449609E8A0923A6" ma:contentTypeVersion="12" ma:contentTypeDescription="Create a new document." ma:contentTypeScope="" ma:versionID="426e97fa315356fffbdcd9876fe988c2">
   <xsd:schema xmlns:xsd="http://www.w3.org/2001/XMLSchema" xmlns:xs="http://www.w3.org/2001/XMLSchema" xmlns:p="http://schemas.microsoft.com/office/2006/metadata/properties" xmlns:ns2="71af3243-3dd4-4a8d-8c0d-dd76da1f02a5" xmlns:ns3="16c05727-aa75-4e4a-9b5f-8a80a1165891" targetNamespace="http://schemas.microsoft.com/office/2006/metadata/properties" ma:root="true" ma:fieldsID="14b8f0def80e6d70ce3def20c90759ae" ns2:_="" ns3:_="">
     <xsd:import namespace="71af3243-3dd4-4a8d-8c0d-dd76da1f02a5"/>
@@ -18323,15 +18316,6 @@
 </ct:contentTypeSchema>
 </file>
 
-<file path=customXml/item2.xml><?xml version="1.0" encoding="utf-8"?>
-<?mso-contentType ?>
-<FormTemplates xmlns="http://schemas.microsoft.com/sharepoint/v3/contenttype/forms">
-  <Display>DocumentLibraryForm</Display>
-  <Edit>DocumentLibraryForm</Edit>
-  <New>DocumentLibraryForm</New>
-</FormTemplates>
-</file>
-
 <file path=customXml/item3.xml><?xml version="1.0" encoding="utf-8"?>
 <p:properties xmlns:p="http://schemas.microsoft.com/office/2006/metadata/properties" xmlns:xsi="http://www.w3.org/2001/XMLSchema-instance" xmlns:pc="http://schemas.microsoft.com/office/infopath/2007/PartnerControls">
   <documentManagement>
@@ -18342,6 +18326,14 @@
 </file>
 
 <file path=customXml/itemProps1.xml><?xml version="1.0" encoding="utf-8"?>
+<ds:datastoreItem xmlns:ds="http://schemas.openxmlformats.org/officeDocument/2006/customXml" ds:itemID="{3C8E00D1-8EA3-4E42-801D-0253E1EAFC21}">
+  <ds:schemaRefs>
+    <ds:schemaRef ds:uri="http://schemas.microsoft.com/sharepoint/v3/contenttype/forms"/>
+  </ds:schemaRefs>
+</ds:datastoreItem>
+</file>
+
+<file path=customXml/itemProps2.xml><?xml version="1.0" encoding="utf-8"?>
 <ds:datastoreItem xmlns:ds="http://schemas.openxmlformats.org/officeDocument/2006/customXml" ds:itemID="{ABC329F5-30EE-4BF7-AA2A-B837B51416B4}">
   <ds:schemaRefs>
     <ds:schemaRef ds:uri="http://schemas.microsoft.com/office/2006/metadata/contentType"/>
@@ -18360,14 +18352,6 @@
 </ds:datastoreItem>
 </file>
 
-<file path=customXml/itemProps2.xml><?xml version="1.0" encoding="utf-8"?>
-<ds:datastoreItem xmlns:ds="http://schemas.openxmlformats.org/officeDocument/2006/customXml" ds:itemID="{3C8E00D1-8EA3-4E42-801D-0253E1EAFC21}">
-  <ds:schemaRefs>
-    <ds:schemaRef ds:uri="http://schemas.microsoft.com/sharepoint/v3/contenttype/forms"/>
-  </ds:schemaRefs>
-</ds:datastoreItem>
-</file>
-
 <file path=customXml/itemProps3.xml><?xml version="1.0" encoding="utf-8"?>
 <ds:datastoreItem xmlns:ds="http://schemas.openxmlformats.org/officeDocument/2006/customXml" ds:itemID="{99919F73-B6C2-4A43-95E2-833EC48925FE}">
   <ds:schemaRefs>
